--- a/Documents & Presentations/E-Day Assignments/Career Path.pptx
+++ b/Documents & Presentations/E-Day Assignments/Career Path.pptx
@@ -2,7 +2,7 @@
 <file path=ppt/presentation.xml><?xml version="1.0" encoding="utf-8"?>
 <p:presentation xmlns:a="http://schemas.openxmlformats.org/drawingml/2006/main" xmlns:r="http://schemas.openxmlformats.org/officeDocument/2006/relationships" xmlns:p="http://schemas.openxmlformats.org/presentationml/2006/main" saveSubsetFonts="1">
   <p:sldMasterIdLst>
-    <p:sldMasterId id="2147483648" r:id="rId1"/>
+    <p:sldMasterId id="2147483696" r:id="rId1"/>
   </p:sldMasterIdLst>
   <p:sldIdLst>
     <p:sldId id="256" r:id="rId2"/>
@@ -108,7 +108,7 @@
 </file>
 
 <file path=ppt/slideLayouts/slideLayout1.xml><?xml version="1.0" encoding="utf-8"?>
-<p:sldLayout xmlns:a="http://schemas.openxmlformats.org/drawingml/2006/main" xmlns:r="http://schemas.openxmlformats.org/officeDocument/2006/relationships" xmlns:p="http://schemas.openxmlformats.org/presentationml/2006/main" type="title" preserve="1">
+<p:sldLayout xmlns:a="http://schemas.openxmlformats.org/drawingml/2006/main" xmlns:r="http://schemas.openxmlformats.org/officeDocument/2006/relationships" xmlns:p="http://schemas.openxmlformats.org/presentationml/2006/main" showMasterSp="0" type="title" preserve="1">
   <p:cSld name="Title Slide">
     <p:spTree>
       <p:nvGrpSpPr>
@@ -126,7 +126,75 @@
       </p:grpSpPr>
       <p:sp>
         <p:nvSpPr>
-          <p:cNvPr id="2" name="Title 1"/>
+          <p:cNvPr id="7" name="Round Diagonal Corner Rectangle 6"/>
+          <p:cNvSpPr/>
+          <p:nvPr/>
+        </p:nvSpPr>
+        <p:spPr>
+          <a:xfrm>
+            <a:off x="164592" y="146304"/>
+            <a:ext cx="8814816" cy="2505456"/>
+          </a:xfrm>
+          <a:prstGeom prst="round2DiagRect">
+            <a:avLst>
+              <a:gd name="adj1" fmla="val 11807"/>
+              <a:gd name="adj2" fmla="val 0"/>
+            </a:avLst>
+          </a:prstGeom>
+          <a:solidFill>
+            <a:schemeClr val="bg2">
+              <a:tint val="85000"/>
+              <a:shade val="90000"/>
+              <a:satMod val="150000"/>
+              <a:alpha val="65000"/>
+            </a:schemeClr>
+          </a:solidFill>
+          <a:ln w="11000" cap="rnd" cmpd="sng" algn="ctr">
+            <a:solidFill>
+              <a:schemeClr val="bg2">
+                <a:tint val="78000"/>
+                <a:satMod val="180000"/>
+                <a:alpha val="88000"/>
+              </a:schemeClr>
+            </a:solidFill>
+            <a:prstDash val="solid"/>
+          </a:ln>
+          <a:effectLst>
+            <a:innerShdw blurRad="114300">
+              <a:srgbClr val="000000">
+                <a:alpha val="100000"/>
+              </a:srgbClr>
+            </a:innerShdw>
+          </a:effectLst>
+        </p:spPr>
+        <p:style>
+          <a:lnRef idx="3">
+            <a:schemeClr val="lt1"/>
+          </a:lnRef>
+          <a:fillRef idx="1">
+            <a:schemeClr val="accent1"/>
+          </a:fillRef>
+          <a:effectRef idx="1">
+            <a:schemeClr val="accent1"/>
+          </a:effectRef>
+          <a:fontRef idx="minor">
+            <a:schemeClr val="lt1"/>
+          </a:fontRef>
+        </p:style>
+        <p:txBody>
+          <a:bodyPr anchor="ctr"/>
+          <a:lstStyle>
+            <a:extLst/>
+          </a:lstStyle>
+          <a:p>
+            <a:pPr algn="ctr" eaLnBrk="1" latinLnBrk="0" hangingPunct="1"/>
+            <a:endParaRPr kumimoji="0" lang="en-US"/>
+          </a:p>
+        </p:txBody>
+      </p:sp>
+      <p:sp>
+        <p:nvSpPr>
+          <p:cNvPr id="8" name="Title 7"/>
           <p:cNvSpPr>
             <a:spLocks noGrp="1"/>
           </p:cNvSpPr>
@@ -136,25 +204,32 @@
         </p:nvSpPr>
         <p:spPr>
           <a:xfrm>
-            <a:off x="685800" y="2130425"/>
-            <a:ext cx="7772400" cy="1470025"/>
-          </a:xfrm>
-        </p:spPr>
-        <p:txBody>
-          <a:bodyPr/>
-          <a:lstStyle/>
-          <a:p>
-            <a:r>
-              <a:rPr lang="en-US" smtClean="0"/>
+            <a:off x="464234" y="381001"/>
+            <a:ext cx="8229600" cy="2209800"/>
+          </a:xfrm>
+        </p:spPr>
+        <p:txBody>
+          <a:bodyPr lIns="45720" rIns="228600" anchor="b">
+            <a:normAutofit/>
+          </a:bodyPr>
+          <a:lstStyle>
+            <a:lvl1pPr marL="0" algn="r">
+              <a:defRPr sz="4800"/>
+            </a:lvl1pPr>
+            <a:extLst/>
+          </a:lstStyle>
+          <a:p>
+            <a:r>
+              <a:rPr kumimoji="0" lang="en-US" smtClean="0"/>
               <a:t>Click to edit Master title style</a:t>
             </a:r>
-            <a:endParaRPr lang="en-US"/>
-          </a:p>
-        </p:txBody>
-      </p:sp>
-      <p:sp>
-        <p:nvSpPr>
-          <p:cNvPr id="3" name="Subtitle 2"/>
+            <a:endParaRPr kumimoji="0" lang="en-US"/>
+          </a:p>
+        </p:txBody>
+      </p:sp>
+      <p:sp>
+        <p:nvSpPr>
+          <p:cNvPr id="9" name="Subtitle 8"/>
           <p:cNvSpPr>
             <a:spLocks noGrp="1"/>
           </p:cNvSpPr>
@@ -164,131 +239,121 @@
         </p:nvSpPr>
         <p:spPr>
           <a:xfrm>
-            <a:off x="1371600" y="3886200"/>
-            <a:ext cx="6400800" cy="1752600"/>
-          </a:xfrm>
-        </p:spPr>
-        <p:txBody>
-          <a:bodyPr/>
-          <a:lstStyle>
-            <a:lvl1pPr marL="0" indent="0" algn="ctr">
+            <a:off x="2133600" y="2819400"/>
+            <a:ext cx="6560234" cy="1752600"/>
+          </a:xfrm>
+        </p:spPr>
+        <p:txBody>
+          <a:bodyPr lIns="45720" rIns="246888"/>
+          <a:lstStyle>
+            <a:lvl1pPr marL="0" indent="0" algn="r">
+              <a:spcBef>
+                <a:spcPts val="0"/>
+              </a:spcBef>
               <a:buNone/>
               <a:defRPr>
+                <a:effectLst/>
+              </a:defRPr>
+            </a:lvl1pPr>
+            <a:lvl2pPr marL="457200" indent="0" algn="ctr">
+              <a:buNone/>
+            </a:lvl2pPr>
+            <a:lvl3pPr marL="914400" indent="0" algn="ctr">
+              <a:buNone/>
+            </a:lvl3pPr>
+            <a:lvl4pPr marL="1371600" indent="0" algn="ctr">
+              <a:buNone/>
+            </a:lvl4pPr>
+            <a:lvl5pPr marL="1828800" indent="0" algn="ctr">
+              <a:buNone/>
+            </a:lvl5pPr>
+            <a:lvl6pPr marL="2286000" indent="0" algn="ctr">
+              <a:buNone/>
+            </a:lvl6pPr>
+            <a:lvl7pPr marL="2743200" indent="0" algn="ctr">
+              <a:buNone/>
+            </a:lvl7pPr>
+            <a:lvl8pPr marL="3200400" indent="0" algn="ctr">
+              <a:buNone/>
+            </a:lvl8pPr>
+            <a:lvl9pPr marL="3657600" indent="0" algn="ctr">
+              <a:buNone/>
+            </a:lvl9pPr>
+            <a:extLst/>
+          </a:lstStyle>
+          <a:p>
+            <a:r>
+              <a:rPr kumimoji="0" lang="en-US" smtClean="0"/>
+              <a:t>Click to edit Master subtitle style</a:t>
+            </a:r>
+            <a:endParaRPr kumimoji="0" lang="en-US"/>
+          </a:p>
+        </p:txBody>
+      </p:sp>
+      <p:sp>
+        <p:nvSpPr>
+          <p:cNvPr id="10" name="Date Placeholder 9"/>
+          <p:cNvSpPr>
+            <a:spLocks noGrp="1"/>
+          </p:cNvSpPr>
+          <p:nvPr>
+            <p:ph type="dt" sz="half" idx="10"/>
+          </p:nvPr>
+        </p:nvSpPr>
+        <p:spPr>
+          <a:xfrm>
+            <a:off x="5562600" y="6509004"/>
+            <a:ext cx="3002280" cy="274320"/>
+          </a:xfrm>
+        </p:spPr>
+        <p:txBody>
+          <a:bodyPr vert="horz" rtlCol="0"/>
+          <a:lstStyle>
+            <a:extLst/>
+          </a:lstStyle>
+          <a:p>
+            <a:fld id="{678577BD-1F2F-4A43-85B9-1805CBCE89E2}" type="datetimeFigureOut">
+              <a:rPr lang="en-US" smtClean="0"/>
+              <a:t>2/15/2018</a:t>
+            </a:fld>
+            <a:endParaRPr lang="en-US"/>
+          </a:p>
+        </p:txBody>
+      </p:sp>
+      <p:sp>
+        <p:nvSpPr>
+          <p:cNvPr id="11" name="Slide Number Placeholder 10"/>
+          <p:cNvSpPr>
+            <a:spLocks noGrp="1"/>
+          </p:cNvSpPr>
+          <p:nvPr>
+            <p:ph type="sldNum" sz="quarter" idx="11"/>
+          </p:nvPr>
+        </p:nvSpPr>
+        <p:spPr>
+          <a:xfrm>
+            <a:off x="8638952" y="6509004"/>
+            <a:ext cx="464288" cy="274320"/>
+          </a:xfrm>
+        </p:spPr>
+        <p:txBody>
+          <a:bodyPr vert="horz" rtlCol="0"/>
+          <a:lstStyle>
+            <a:lvl1pPr>
+              <a:defRPr>
                 <a:solidFill>
-                  <a:schemeClr val="tx1">
-                    <a:tint val="75000"/>
+                  <a:schemeClr val="tx2">
+                    <a:shade val="90000"/>
                   </a:schemeClr>
                 </a:solidFill>
               </a:defRPr>
             </a:lvl1pPr>
-            <a:lvl2pPr marL="457200" indent="0" algn="ctr">
-              <a:buNone/>
-              <a:defRPr>
-                <a:solidFill>
-                  <a:schemeClr val="tx1">
-                    <a:tint val="75000"/>
-                  </a:schemeClr>
-                </a:solidFill>
-              </a:defRPr>
-            </a:lvl2pPr>
-            <a:lvl3pPr marL="914400" indent="0" algn="ctr">
-              <a:buNone/>
-              <a:defRPr>
-                <a:solidFill>
-                  <a:schemeClr val="tx1">
-                    <a:tint val="75000"/>
-                  </a:schemeClr>
-                </a:solidFill>
-              </a:defRPr>
-            </a:lvl3pPr>
-            <a:lvl4pPr marL="1371600" indent="0" algn="ctr">
-              <a:buNone/>
-              <a:defRPr>
-                <a:solidFill>
-                  <a:schemeClr val="tx1">
-                    <a:tint val="75000"/>
-                  </a:schemeClr>
-                </a:solidFill>
-              </a:defRPr>
-            </a:lvl4pPr>
-            <a:lvl5pPr marL="1828800" indent="0" algn="ctr">
-              <a:buNone/>
-              <a:defRPr>
-                <a:solidFill>
-                  <a:schemeClr val="tx1">
-                    <a:tint val="75000"/>
-                  </a:schemeClr>
-                </a:solidFill>
-              </a:defRPr>
-            </a:lvl5pPr>
-            <a:lvl6pPr marL="2286000" indent="0" algn="ctr">
-              <a:buNone/>
-              <a:defRPr>
-                <a:solidFill>
-                  <a:schemeClr val="tx1">
-                    <a:tint val="75000"/>
-                  </a:schemeClr>
-                </a:solidFill>
-              </a:defRPr>
-            </a:lvl6pPr>
-            <a:lvl7pPr marL="2743200" indent="0" algn="ctr">
-              <a:buNone/>
-              <a:defRPr>
-                <a:solidFill>
-                  <a:schemeClr val="tx1">
-                    <a:tint val="75000"/>
-                  </a:schemeClr>
-                </a:solidFill>
-              </a:defRPr>
-            </a:lvl7pPr>
-            <a:lvl8pPr marL="3200400" indent="0" algn="ctr">
-              <a:buNone/>
-              <a:defRPr>
-                <a:solidFill>
-                  <a:schemeClr val="tx1">
-                    <a:tint val="75000"/>
-                  </a:schemeClr>
-                </a:solidFill>
-              </a:defRPr>
-            </a:lvl8pPr>
-            <a:lvl9pPr marL="3657600" indent="0" algn="ctr">
-              <a:buNone/>
-              <a:defRPr>
-                <a:solidFill>
-                  <a:schemeClr val="tx1">
-                    <a:tint val="75000"/>
-                  </a:schemeClr>
-                </a:solidFill>
-              </a:defRPr>
-            </a:lvl9pPr>
-          </a:lstStyle>
-          <a:p>
-            <a:r>
-              <a:rPr lang="en-US" smtClean="0"/>
-              <a:t>Click to edit Master subtitle style</a:t>
-            </a:r>
-            <a:endParaRPr lang="en-US"/>
-          </a:p>
-        </p:txBody>
-      </p:sp>
-      <p:sp>
-        <p:nvSpPr>
-          <p:cNvPr id="4" name="Date Placeholder 3"/>
-          <p:cNvSpPr>
-            <a:spLocks noGrp="1"/>
-          </p:cNvSpPr>
-          <p:nvPr>
-            <p:ph type="dt" sz="half" idx="10"/>
-          </p:nvPr>
-        </p:nvSpPr>
-        <p:spPr/>
-        <p:txBody>
-          <a:bodyPr/>
-          <a:lstStyle/>
-          <a:p>
-            <a:fld id="{678577BD-1F2F-4A43-85B9-1805CBCE89E2}" type="datetimeFigureOut">
-              <a:rPr lang="en-US" smtClean="0"/>
-              <a:t>2/15/2018</a:t>
+            <a:extLst/>
+          </a:lstStyle>
+          <a:p>
+            <a:fld id="{4CBFCD2A-2603-42ED-B016-630ECA9A0BFA}" type="slidenum">
+              <a:rPr lang="en-US" smtClean="0"/>
+              <a:t>‹#›</a:t>
             </a:fld>
             <a:endParaRPr lang="en-US"/>
           </a:p>
@@ -296,42 +361,26 @@
       </p:sp>
       <p:sp>
         <p:nvSpPr>
-          <p:cNvPr id="5" name="Footer Placeholder 4"/>
-          <p:cNvSpPr>
-            <a:spLocks noGrp="1"/>
-          </p:cNvSpPr>
-          <p:nvPr>
-            <p:ph type="ftr" sz="quarter" idx="11"/>
-          </p:nvPr>
-        </p:nvSpPr>
-        <p:spPr/>
-        <p:txBody>
-          <a:bodyPr/>
-          <a:lstStyle/>
-          <a:p>
-            <a:endParaRPr lang="en-US"/>
-          </a:p>
-        </p:txBody>
-      </p:sp>
-      <p:sp>
-        <p:nvSpPr>
-          <p:cNvPr id="6" name="Slide Number Placeholder 5"/>
-          <p:cNvSpPr>
-            <a:spLocks noGrp="1"/>
-          </p:cNvSpPr>
-          <p:nvPr>
-            <p:ph type="sldNum" sz="quarter" idx="12"/>
-          </p:nvPr>
-        </p:nvSpPr>
-        <p:spPr/>
-        <p:txBody>
-          <a:bodyPr/>
-          <a:lstStyle/>
-          <a:p>
-            <a:fld id="{4CBFCD2A-2603-42ED-B016-630ECA9A0BFA}" type="slidenum">
-              <a:rPr lang="en-US" smtClean="0"/>
-              <a:t>‹#›</a:t>
-            </a:fld>
+          <p:cNvPr id="12" name="Footer Placeholder 11"/>
+          <p:cNvSpPr>
+            <a:spLocks noGrp="1"/>
+          </p:cNvSpPr>
+          <p:nvPr>
+            <p:ph type="ftr" sz="quarter" idx="12"/>
+          </p:nvPr>
+        </p:nvSpPr>
+        <p:spPr>
+          <a:xfrm>
+            <a:off x="1600200" y="6509004"/>
+            <a:ext cx="3907464" cy="274320"/>
+          </a:xfrm>
+        </p:spPr>
+        <p:txBody>
+          <a:bodyPr vert="horz" rtlCol="0"/>
+          <a:lstStyle>
+            <a:extLst/>
+          </a:lstStyle>
+          <a:p>
             <a:endParaRPr lang="en-US"/>
           </a:p>
         </p:txBody>
@@ -374,13 +423,15 @@
         <p:spPr/>
         <p:txBody>
           <a:bodyPr/>
-          <a:lstStyle/>
-          <a:p>
-            <a:r>
-              <a:rPr lang="en-US" smtClean="0"/>
+          <a:lstStyle>
+            <a:extLst/>
+          </a:lstStyle>
+          <a:p>
+            <a:r>
+              <a:rPr kumimoji="0" lang="en-US" smtClean="0"/>
               <a:t>Click to edit Master title style</a:t>
             </a:r>
-            <a:endParaRPr lang="en-US"/>
+            <a:endParaRPr kumimoji="0" lang="en-US"/>
           </a:p>
         </p:txBody>
       </p:sp>
@@ -397,42 +448,44 @@
         <p:spPr/>
         <p:txBody>
           <a:bodyPr vert="eaVert"/>
-          <a:lstStyle/>
-          <a:p>
-            <a:pPr lvl="0"/>
+          <a:lstStyle>
+            <a:extLst/>
+          </a:lstStyle>
+          <a:p>
+            <a:pPr lvl="0" eaLnBrk="1" latinLnBrk="0" hangingPunct="1"/>
             <a:r>
               <a:rPr lang="en-US" smtClean="0"/>
               <a:t>Click to edit Master text styles</a:t>
             </a:r>
           </a:p>
           <a:p>
-            <a:pPr lvl="1"/>
+            <a:pPr lvl="1" eaLnBrk="1" latinLnBrk="0" hangingPunct="1"/>
             <a:r>
               <a:rPr lang="en-US" smtClean="0"/>
               <a:t>Second level</a:t>
             </a:r>
           </a:p>
           <a:p>
-            <a:pPr lvl="2"/>
+            <a:pPr lvl="2" eaLnBrk="1" latinLnBrk="0" hangingPunct="1"/>
             <a:r>
               <a:rPr lang="en-US" smtClean="0"/>
               <a:t>Third level</a:t>
             </a:r>
           </a:p>
           <a:p>
-            <a:pPr lvl="3"/>
+            <a:pPr lvl="3" eaLnBrk="1" latinLnBrk="0" hangingPunct="1"/>
             <a:r>
               <a:rPr lang="en-US" smtClean="0"/>
               <a:t>Fourth level</a:t>
             </a:r>
           </a:p>
           <a:p>
-            <a:pPr lvl="4"/>
+            <a:pPr lvl="4" eaLnBrk="1" latinLnBrk="0" hangingPunct="1"/>
             <a:r>
               <a:rPr lang="en-US" smtClean="0"/>
               <a:t>Fifth level</a:t>
             </a:r>
-            <a:endParaRPr lang="en-US"/>
+            <a:endParaRPr kumimoji="0" lang="en-US"/>
           </a:p>
         </p:txBody>
       </p:sp>
@@ -449,7 +502,9 @@
         <p:spPr/>
         <p:txBody>
           <a:bodyPr/>
-          <a:lstStyle/>
+          <a:lstStyle>
+            <a:extLst/>
+          </a:lstStyle>
           <a:p>
             <a:fld id="{678577BD-1F2F-4A43-85B9-1805CBCE89E2}" type="datetimeFigureOut">
               <a:rPr lang="en-US" smtClean="0"/>
@@ -472,7 +527,9 @@
         <p:spPr/>
         <p:txBody>
           <a:bodyPr/>
-          <a:lstStyle/>
+          <a:lstStyle>
+            <a:extLst/>
+          </a:lstStyle>
           <a:p>
             <a:endParaRPr lang="en-US"/>
           </a:p>
@@ -491,7 +548,9 @@
         <p:spPr/>
         <p:txBody>
           <a:bodyPr/>
-          <a:lstStyle/>
+          <a:lstStyle>
+            <a:extLst/>
+          </a:lstStyle>
           <a:p>
             <a:fld id="{4CBFCD2A-2603-42ED-B016-630ECA9A0BFA}" type="slidenum">
               <a:rPr lang="en-US" smtClean="0"/>
@@ -544,13 +603,18 @@
         </p:spPr>
         <p:txBody>
           <a:bodyPr vert="eaVert"/>
-          <a:lstStyle/>
-          <a:p>
-            <a:r>
-              <a:rPr lang="en-US" smtClean="0"/>
+          <a:lstStyle>
+            <a:lvl1pPr algn="l">
+              <a:defRPr/>
+            </a:lvl1pPr>
+            <a:extLst/>
+          </a:lstStyle>
+          <a:p>
+            <a:r>
+              <a:rPr kumimoji="0" lang="en-US" smtClean="0"/>
               <a:t>Click to edit Master title style</a:t>
             </a:r>
-            <a:endParaRPr lang="en-US"/>
+            <a:endParaRPr kumimoji="0" lang="en-US"/>
           </a:p>
         </p:txBody>
       </p:sp>
@@ -572,42 +636,44 @@
         </p:spPr>
         <p:txBody>
           <a:bodyPr vert="eaVert"/>
-          <a:lstStyle/>
-          <a:p>
-            <a:pPr lvl="0"/>
+          <a:lstStyle>
+            <a:extLst/>
+          </a:lstStyle>
+          <a:p>
+            <a:pPr lvl="0" eaLnBrk="1" latinLnBrk="0" hangingPunct="1"/>
             <a:r>
               <a:rPr lang="en-US" smtClean="0"/>
               <a:t>Click to edit Master text styles</a:t>
             </a:r>
           </a:p>
           <a:p>
-            <a:pPr lvl="1"/>
+            <a:pPr lvl="1" eaLnBrk="1" latinLnBrk="0" hangingPunct="1"/>
             <a:r>
               <a:rPr lang="en-US" smtClean="0"/>
               <a:t>Second level</a:t>
             </a:r>
           </a:p>
           <a:p>
-            <a:pPr lvl="2"/>
+            <a:pPr lvl="2" eaLnBrk="1" latinLnBrk="0" hangingPunct="1"/>
             <a:r>
               <a:rPr lang="en-US" smtClean="0"/>
               <a:t>Third level</a:t>
             </a:r>
           </a:p>
           <a:p>
-            <a:pPr lvl="3"/>
+            <a:pPr lvl="3" eaLnBrk="1" latinLnBrk="0" hangingPunct="1"/>
             <a:r>
               <a:rPr lang="en-US" smtClean="0"/>
               <a:t>Fourth level</a:t>
             </a:r>
           </a:p>
           <a:p>
-            <a:pPr lvl="4"/>
+            <a:pPr lvl="4" eaLnBrk="1" latinLnBrk="0" hangingPunct="1"/>
             <a:r>
               <a:rPr lang="en-US" smtClean="0"/>
               <a:t>Fifth level</a:t>
             </a:r>
-            <a:endParaRPr lang="en-US"/>
+            <a:endParaRPr kumimoji="0" lang="en-US"/>
           </a:p>
         </p:txBody>
       </p:sp>
@@ -624,7 +690,9 @@
         <p:spPr/>
         <p:txBody>
           <a:bodyPr/>
-          <a:lstStyle/>
+          <a:lstStyle>
+            <a:extLst/>
+          </a:lstStyle>
           <a:p>
             <a:fld id="{678577BD-1F2F-4A43-85B9-1805CBCE89E2}" type="datetimeFigureOut">
               <a:rPr lang="en-US" smtClean="0"/>
@@ -647,7 +715,9 @@
         <p:spPr/>
         <p:txBody>
           <a:bodyPr/>
-          <a:lstStyle/>
+          <a:lstStyle>
+            <a:extLst/>
+          </a:lstStyle>
           <a:p>
             <a:endParaRPr lang="en-US"/>
           </a:p>
@@ -666,7 +736,9 @@
         <p:spPr/>
         <p:txBody>
           <a:bodyPr/>
-          <a:lstStyle/>
+          <a:lstStyle>
+            <a:extLst/>
+          </a:lstStyle>
           <a:p>
             <a:fld id="{4CBFCD2A-2603-42ED-B016-630ECA9A0BFA}" type="slidenum">
               <a:rPr lang="en-US" smtClean="0"/>
@@ -703,6 +775,60 @@
       </p:grpSpPr>
       <p:sp>
         <p:nvSpPr>
+          <p:cNvPr id="7" name="Rectangle 6"/>
+          <p:cNvSpPr/>
+          <p:nvPr/>
+        </p:nvSpPr>
+        <p:spPr>
+          <a:xfrm>
+            <a:off x="588392" y="1424588"/>
+            <a:ext cx="8001000" cy="9144"/>
+          </a:xfrm>
+          <a:prstGeom prst="rect">
+            <a:avLst/>
+          </a:prstGeom>
+          <a:solidFill>
+            <a:schemeClr val="accent1"/>
+          </a:solidFill>
+          <a:ln w="38100" cap="rnd" cmpd="sng" algn="ctr">
+            <a:noFill/>
+            <a:prstDash val="solid"/>
+          </a:ln>
+          <a:effectLst>
+            <a:outerShdw blurRad="12700" dist="12900" dir="5400000" algn="tl" rotWithShape="0">
+              <a:srgbClr val="000000">
+                <a:alpha val="75000"/>
+              </a:srgbClr>
+            </a:outerShdw>
+          </a:effectLst>
+        </p:spPr>
+        <p:style>
+          <a:lnRef idx="3">
+            <a:schemeClr val="lt1"/>
+          </a:lnRef>
+          <a:fillRef idx="1">
+            <a:schemeClr val="accent1"/>
+          </a:fillRef>
+          <a:effectRef idx="1">
+            <a:schemeClr val="accent1"/>
+          </a:effectRef>
+          <a:fontRef idx="minor">
+            <a:schemeClr val="lt1"/>
+          </a:fontRef>
+        </p:style>
+        <p:txBody>
+          <a:bodyPr anchor="ctr"/>
+          <a:lstStyle>
+            <a:extLst/>
+          </a:lstStyle>
+          <a:p>
+            <a:pPr algn="ctr" eaLnBrk="1" latinLnBrk="0" hangingPunct="1"/>
+            <a:endParaRPr kumimoji="0" lang="en-US"/>
+          </a:p>
+        </p:txBody>
+      </p:sp>
+      <p:sp>
+        <p:nvSpPr>
           <p:cNvPr id="2" name="Title 1"/>
           <p:cNvSpPr>
             <a:spLocks noGrp="1"/>
@@ -714,13 +840,15 @@
         <p:spPr/>
         <p:txBody>
           <a:bodyPr/>
-          <a:lstStyle/>
-          <a:p>
-            <a:r>
-              <a:rPr lang="en-US" smtClean="0"/>
+          <a:lstStyle>
+            <a:extLst/>
+          </a:lstStyle>
+          <a:p>
+            <a:r>
+              <a:rPr kumimoji="0" lang="en-US" smtClean="0"/>
               <a:t>Click to edit Master title style</a:t>
             </a:r>
-            <a:endParaRPr lang="en-US"/>
+            <a:endParaRPr kumimoji="0" lang="en-US"/>
           </a:p>
         </p:txBody>
       </p:sp>
@@ -737,42 +865,44 @@
         <p:spPr/>
         <p:txBody>
           <a:bodyPr/>
-          <a:lstStyle/>
-          <a:p>
-            <a:pPr lvl="0"/>
+          <a:lstStyle>
+            <a:extLst/>
+          </a:lstStyle>
+          <a:p>
+            <a:pPr lvl="0" eaLnBrk="1" latinLnBrk="0" hangingPunct="1"/>
             <a:r>
               <a:rPr lang="en-US" smtClean="0"/>
               <a:t>Click to edit Master text styles</a:t>
             </a:r>
           </a:p>
           <a:p>
-            <a:pPr lvl="1"/>
+            <a:pPr lvl="1" eaLnBrk="1" latinLnBrk="0" hangingPunct="1"/>
             <a:r>
               <a:rPr lang="en-US" smtClean="0"/>
               <a:t>Second level</a:t>
             </a:r>
           </a:p>
           <a:p>
-            <a:pPr lvl="2"/>
+            <a:pPr lvl="2" eaLnBrk="1" latinLnBrk="0" hangingPunct="1"/>
             <a:r>
               <a:rPr lang="en-US" smtClean="0"/>
               <a:t>Third level</a:t>
             </a:r>
           </a:p>
           <a:p>
-            <a:pPr lvl="3"/>
+            <a:pPr lvl="3" eaLnBrk="1" latinLnBrk="0" hangingPunct="1"/>
             <a:r>
               <a:rPr lang="en-US" smtClean="0"/>
               <a:t>Fourth level</a:t>
             </a:r>
           </a:p>
           <a:p>
-            <a:pPr lvl="4"/>
+            <a:pPr lvl="4" eaLnBrk="1" latinLnBrk="0" hangingPunct="1"/>
             <a:r>
               <a:rPr lang="en-US" smtClean="0"/>
               <a:t>Fifth level</a:t>
             </a:r>
-            <a:endParaRPr lang="en-US"/>
+            <a:endParaRPr kumimoji="0" lang="en-US"/>
           </a:p>
         </p:txBody>
       </p:sp>
@@ -789,7 +919,9 @@
         <p:spPr/>
         <p:txBody>
           <a:bodyPr/>
-          <a:lstStyle/>
+          <a:lstStyle>
+            <a:extLst/>
+          </a:lstStyle>
           <a:p>
             <a:fld id="{678577BD-1F2F-4A43-85B9-1805CBCE89E2}" type="datetimeFigureOut">
               <a:rPr lang="en-US" smtClean="0"/>
@@ -812,7 +944,9 @@
         <p:spPr/>
         <p:txBody>
           <a:bodyPr/>
-          <a:lstStyle/>
+          <a:lstStyle>
+            <a:extLst/>
+          </a:lstStyle>
           <a:p>
             <a:endParaRPr lang="en-US"/>
           </a:p>
@@ -831,7 +965,9 @@
         <p:spPr/>
         <p:txBody>
           <a:bodyPr/>
-          <a:lstStyle/>
+          <a:lstStyle>
+            <a:extLst/>
+          </a:lstStyle>
           <a:p>
             <a:fld id="{4CBFCD2A-2603-42ED-B016-630ECA9A0BFA}" type="slidenum">
               <a:rPr lang="en-US" smtClean="0"/>
@@ -850,8 +986,13 @@
 </file>
 
 <file path=ppt/slideLayouts/slideLayout3.xml><?xml version="1.0" encoding="utf-8"?>
-<p:sldLayout xmlns:a="http://schemas.openxmlformats.org/drawingml/2006/main" xmlns:r="http://schemas.openxmlformats.org/officeDocument/2006/relationships" xmlns:p="http://schemas.openxmlformats.org/presentationml/2006/main" type="secHead" preserve="1">
+<p:sldLayout xmlns:a="http://schemas.openxmlformats.org/drawingml/2006/main" xmlns:r="http://schemas.openxmlformats.org/officeDocument/2006/relationships" xmlns:p="http://schemas.openxmlformats.org/presentationml/2006/main" showMasterSp="0" type="secHead" preserve="1">
   <p:cSld name="Section Header">
+    <p:bg>
+      <p:bgRef idx="1001">
+        <a:schemeClr val="bg2"/>
+      </p:bgRef>
+    </p:bg>
     <p:spTree>
       <p:nvGrpSpPr>
         <p:cNvPr id="1" name=""/>
@@ -868,6 +1009,60 @@
       </p:grpSpPr>
       <p:sp>
         <p:nvSpPr>
+          <p:cNvPr id="7" name="Rectangle 6"/>
+          <p:cNvSpPr/>
+          <p:nvPr/>
+        </p:nvSpPr>
+        <p:spPr>
+          <a:xfrm>
+            <a:off x="1000128" y="3267456"/>
+            <a:ext cx="7406640" cy="9144"/>
+          </a:xfrm>
+          <a:prstGeom prst="rect">
+            <a:avLst/>
+          </a:prstGeom>
+          <a:solidFill>
+            <a:schemeClr val="accent1"/>
+          </a:solidFill>
+          <a:ln w="38100" cap="rnd" cmpd="sng" algn="ctr">
+            <a:noFill/>
+            <a:prstDash val="solid"/>
+          </a:ln>
+          <a:effectLst>
+            <a:outerShdw blurRad="12700" dist="12900" dir="5400000" algn="tl" rotWithShape="0">
+              <a:srgbClr val="000000">
+                <a:alpha val="75000"/>
+              </a:srgbClr>
+            </a:outerShdw>
+          </a:effectLst>
+        </p:spPr>
+        <p:style>
+          <a:lnRef idx="3">
+            <a:schemeClr val="lt1"/>
+          </a:lnRef>
+          <a:fillRef idx="1">
+            <a:schemeClr val="accent1"/>
+          </a:fillRef>
+          <a:effectRef idx="1">
+            <a:schemeClr val="accent1"/>
+          </a:effectRef>
+          <a:fontRef idx="minor">
+            <a:schemeClr val="lt1"/>
+          </a:fontRef>
+        </p:style>
+        <p:txBody>
+          <a:bodyPr anchor="ctr"/>
+          <a:lstStyle>
+            <a:extLst/>
+          </a:lstStyle>
+          <a:p>
+            <a:pPr algn="ctr" eaLnBrk="1" latinLnBrk="0" hangingPunct="1"/>
+            <a:endParaRPr kumimoji="0" lang="en-US"/>
+          </a:p>
+        </p:txBody>
+      </p:sp>
+      <p:sp>
+        <p:nvSpPr>
           <p:cNvPr id="2" name="Title 1"/>
           <p:cNvSpPr>
             <a:spLocks noGrp="1"/>
@@ -878,23 +1073,32 @@
         </p:nvSpPr>
         <p:spPr>
           <a:xfrm>
-            <a:off x="722313" y="4406900"/>
-            <a:ext cx="7772400" cy="1362075"/>
-          </a:xfrm>
-        </p:spPr>
-        <p:txBody>
-          <a:bodyPr anchor="t"/>
-          <a:lstStyle>
-            <a:lvl1pPr algn="l">
-              <a:defRPr sz="4000" b="1" cap="all"/>
+            <a:off x="722376" y="498230"/>
+            <a:ext cx="7772400" cy="2731008"/>
+          </a:xfrm>
+        </p:spPr>
+        <p:txBody>
+          <a:bodyPr rIns="100584"/>
+          <a:lstStyle>
+            <a:lvl1pPr algn="r">
+              <a:buNone/>
+              <a:defRPr sz="4000" b="1" cap="none">
+                <a:solidFill>
+                  <a:schemeClr val="accent1">
+                    <a:tint val="95000"/>
+                    <a:satMod val="200000"/>
+                  </a:schemeClr>
+                </a:solidFill>
+              </a:defRPr>
             </a:lvl1pPr>
-          </a:lstStyle>
-          <a:p>
-            <a:r>
-              <a:rPr lang="en-US" smtClean="0"/>
+            <a:extLst/>
+          </a:lstStyle>
+          <a:p>
+            <a:r>
+              <a:rPr kumimoji="0" lang="en-US" smtClean="0"/>
               <a:t>Click to edit Master title style</a:t>
             </a:r>
-            <a:endParaRPr lang="en-US"/>
+            <a:endParaRPr kumimoji="0" lang="en-US"/>
           </a:p>
         </p:txBody>
       </p:sp>
@@ -910,14 +1114,14 @@
         </p:nvSpPr>
         <p:spPr>
           <a:xfrm>
-            <a:off x="722313" y="2906713"/>
-            <a:ext cx="7772400" cy="1500187"/>
-          </a:xfrm>
-        </p:spPr>
-        <p:txBody>
-          <a:bodyPr anchor="b"/>
-          <a:lstStyle>
-            <a:lvl1pPr marL="0" indent="0">
+            <a:off x="722313" y="3287713"/>
+            <a:ext cx="7772400" cy="1509712"/>
+          </a:xfrm>
+        </p:spPr>
+        <p:txBody>
+          <a:bodyPr rIns="128016" anchor="t"/>
+          <a:lstStyle>
+            <a:lvl1pPr marL="0" indent="0" algn="r">
               <a:buNone/>
               <a:defRPr sz="2000">
                 <a:solidFill>
@@ -927,7 +1131,7 @@
                 </a:solidFill>
               </a:defRPr>
             </a:lvl1pPr>
-            <a:lvl2pPr marL="457200" indent="0">
+            <a:lvl2pPr>
               <a:buNone/>
               <a:defRPr sz="1800">
                 <a:solidFill>
@@ -937,7 +1141,7 @@
                 </a:solidFill>
               </a:defRPr>
             </a:lvl2pPr>
-            <a:lvl3pPr marL="914400" indent="0">
+            <a:lvl3pPr>
               <a:buNone/>
               <a:defRPr sz="1600">
                 <a:solidFill>
@@ -947,7 +1151,7 @@
                 </a:solidFill>
               </a:defRPr>
             </a:lvl3pPr>
-            <a:lvl4pPr marL="1371600" indent="0">
+            <a:lvl4pPr>
               <a:buNone/>
               <a:defRPr sz="1400">
                 <a:solidFill>
@@ -957,7 +1161,7 @@
                 </a:solidFill>
               </a:defRPr>
             </a:lvl4pPr>
-            <a:lvl5pPr marL="1828800" indent="0">
+            <a:lvl5pPr>
               <a:buNone/>
               <a:defRPr sz="1400">
                 <a:solidFill>
@@ -967,112 +1171,77 @@
                 </a:solidFill>
               </a:defRPr>
             </a:lvl5pPr>
-            <a:lvl6pPr marL="2286000" indent="0">
-              <a:buNone/>
-              <a:defRPr sz="1400">
+            <a:extLst/>
+          </a:lstStyle>
+          <a:p>
+            <a:pPr lvl="0" eaLnBrk="1" latinLnBrk="0" hangingPunct="1"/>
+            <a:r>
+              <a:rPr kumimoji="0" lang="en-US" smtClean="0"/>
+              <a:t>Click to edit Master text styles</a:t>
+            </a:r>
+          </a:p>
+        </p:txBody>
+      </p:sp>
+      <p:sp>
+        <p:nvSpPr>
+          <p:cNvPr id="8" name="Date Placeholder 7"/>
+          <p:cNvSpPr>
+            <a:spLocks noGrp="1"/>
+          </p:cNvSpPr>
+          <p:nvPr>
+            <p:ph type="dt" sz="half" idx="10"/>
+          </p:nvPr>
+        </p:nvSpPr>
+        <p:spPr>
+          <a:xfrm>
+            <a:off x="5562600" y="6513670"/>
+            <a:ext cx="3002280" cy="274320"/>
+          </a:xfrm>
+        </p:spPr>
+        <p:txBody>
+          <a:bodyPr vert="horz" rtlCol="0"/>
+          <a:lstStyle>
+            <a:extLst/>
+          </a:lstStyle>
+          <a:p>
+            <a:fld id="{678577BD-1F2F-4A43-85B9-1805CBCE89E2}" type="datetimeFigureOut">
+              <a:rPr lang="en-US" smtClean="0"/>
+              <a:t>2/15/2018</a:t>
+            </a:fld>
+            <a:endParaRPr lang="en-US"/>
+          </a:p>
+        </p:txBody>
+      </p:sp>
+      <p:sp>
+        <p:nvSpPr>
+          <p:cNvPr id="9" name="Slide Number Placeholder 8"/>
+          <p:cNvSpPr>
+            <a:spLocks noGrp="1"/>
+          </p:cNvSpPr>
+          <p:nvPr>
+            <p:ph type="sldNum" sz="quarter" idx="11"/>
+          </p:nvPr>
+        </p:nvSpPr>
+        <p:spPr>
+          <a:xfrm>
+            <a:off x="8638952" y="6513670"/>
+            <a:ext cx="464288" cy="274320"/>
+          </a:xfrm>
+        </p:spPr>
+        <p:txBody>
+          <a:bodyPr vert="horz" rtlCol="0"/>
+          <a:lstStyle>
+            <a:lvl1pPr>
+              <a:defRPr>
                 <a:solidFill>
-                  <a:schemeClr val="tx1">
-                    <a:tint val="75000"/>
+                  <a:schemeClr val="tx2">
+                    <a:shade val="90000"/>
                   </a:schemeClr>
                 </a:solidFill>
               </a:defRPr>
-            </a:lvl6pPr>
-            <a:lvl7pPr marL="2743200" indent="0">
-              <a:buNone/>
-              <a:defRPr sz="1400">
-                <a:solidFill>
-                  <a:schemeClr val="tx1">
-                    <a:tint val="75000"/>
-                  </a:schemeClr>
-                </a:solidFill>
-              </a:defRPr>
-            </a:lvl7pPr>
-            <a:lvl8pPr marL="3200400" indent="0">
-              <a:buNone/>
-              <a:defRPr sz="1400">
-                <a:solidFill>
-                  <a:schemeClr val="tx1">
-                    <a:tint val="75000"/>
-                  </a:schemeClr>
-                </a:solidFill>
-              </a:defRPr>
-            </a:lvl8pPr>
-            <a:lvl9pPr marL="3657600" indent="0">
-              <a:buNone/>
-              <a:defRPr sz="1400">
-                <a:solidFill>
-                  <a:schemeClr val="tx1">
-                    <a:tint val="75000"/>
-                  </a:schemeClr>
-                </a:solidFill>
-              </a:defRPr>
-            </a:lvl9pPr>
-          </a:lstStyle>
-          <a:p>
-            <a:pPr lvl="0"/>
-            <a:r>
-              <a:rPr lang="en-US" smtClean="0"/>
-              <a:t>Click to edit Master text styles</a:t>
-            </a:r>
-          </a:p>
-        </p:txBody>
-      </p:sp>
-      <p:sp>
-        <p:nvSpPr>
-          <p:cNvPr id="4" name="Date Placeholder 3"/>
-          <p:cNvSpPr>
-            <a:spLocks noGrp="1"/>
-          </p:cNvSpPr>
-          <p:nvPr>
-            <p:ph type="dt" sz="half" idx="10"/>
-          </p:nvPr>
-        </p:nvSpPr>
-        <p:spPr/>
-        <p:txBody>
-          <a:bodyPr/>
-          <a:lstStyle/>
-          <a:p>
-            <a:fld id="{678577BD-1F2F-4A43-85B9-1805CBCE89E2}" type="datetimeFigureOut">
-              <a:rPr lang="en-US" smtClean="0"/>
-              <a:t>2/15/2018</a:t>
-            </a:fld>
-            <a:endParaRPr lang="en-US"/>
-          </a:p>
-        </p:txBody>
-      </p:sp>
-      <p:sp>
-        <p:nvSpPr>
-          <p:cNvPr id="5" name="Footer Placeholder 4"/>
-          <p:cNvSpPr>
-            <a:spLocks noGrp="1"/>
-          </p:cNvSpPr>
-          <p:nvPr>
-            <p:ph type="ftr" sz="quarter" idx="11"/>
-          </p:nvPr>
-        </p:nvSpPr>
-        <p:spPr/>
-        <p:txBody>
-          <a:bodyPr/>
-          <a:lstStyle/>
-          <a:p>
-            <a:endParaRPr lang="en-US"/>
-          </a:p>
-        </p:txBody>
-      </p:sp>
-      <p:sp>
-        <p:nvSpPr>
-          <p:cNvPr id="6" name="Slide Number Placeholder 5"/>
-          <p:cNvSpPr>
-            <a:spLocks noGrp="1"/>
-          </p:cNvSpPr>
-          <p:nvPr>
-            <p:ph type="sldNum" sz="quarter" idx="12"/>
-          </p:nvPr>
-        </p:nvSpPr>
-        <p:spPr/>
-        <p:txBody>
-          <a:bodyPr/>
-          <a:lstStyle/>
+            </a:lvl1pPr>
+            <a:extLst/>
+          </a:lstStyle>
           <a:p>
             <a:fld id="{4CBFCD2A-2603-42ED-B016-630ECA9A0BFA}" type="slidenum">
               <a:rPr lang="en-US" smtClean="0"/>
@@ -1082,10 +1251,36 @@
           </a:p>
         </p:txBody>
       </p:sp>
+      <p:sp>
+        <p:nvSpPr>
+          <p:cNvPr id="10" name="Footer Placeholder 9"/>
+          <p:cNvSpPr>
+            <a:spLocks noGrp="1"/>
+          </p:cNvSpPr>
+          <p:nvPr>
+            <p:ph type="ftr" sz="quarter" idx="12"/>
+          </p:nvPr>
+        </p:nvSpPr>
+        <p:spPr>
+          <a:xfrm>
+            <a:off x="1600200" y="6513670"/>
+            <a:ext cx="3907464" cy="274320"/>
+          </a:xfrm>
+        </p:spPr>
+        <p:txBody>
+          <a:bodyPr vert="horz" rtlCol="0"/>
+          <a:lstStyle>
+            <a:extLst/>
+          </a:lstStyle>
+          <a:p>
+            <a:endParaRPr lang="en-US"/>
+          </a:p>
+        </p:txBody>
+      </p:sp>
     </p:spTree>
   </p:cSld>
   <p:clrMapOvr>
-    <a:masterClrMapping/>
+    <a:overrideClrMapping bg1="dk1" tx1="lt1" bg2="dk2" tx2="lt2" accent1="accent1" accent2="accent2" accent3="accent3" accent4="accent4" accent5="accent5" accent6="accent6" hlink="hlink" folHlink="folHlink"/>
   </p:clrMapOvr>
 </p:sldLayout>
 </file>
@@ -1120,13 +1315,15 @@
         <p:spPr/>
         <p:txBody>
           <a:bodyPr/>
-          <a:lstStyle/>
-          <a:p>
-            <a:r>
-              <a:rPr lang="en-US" smtClean="0"/>
+          <a:lstStyle>
+            <a:extLst/>
+          </a:lstStyle>
+          <a:p>
+            <a:r>
+              <a:rPr kumimoji="0" lang="en-US" smtClean="0"/>
               <a:t>Click to edit Master title style</a:t>
             </a:r>
-            <a:endParaRPr lang="en-US"/>
+            <a:endParaRPr kumimoji="0" lang="en-US"/>
           </a:p>
         </p:txBody>
       </p:sp>
@@ -1142,8 +1339,8 @@
         </p:nvSpPr>
         <p:spPr>
           <a:xfrm>
-            <a:off x="457200" y="1600200"/>
-            <a:ext cx="4038600" cy="4525963"/>
+            <a:off x="457200" y="1645920"/>
+            <a:ext cx="4038600" cy="4526280"/>
           </a:xfrm>
         </p:spPr>
         <p:txBody>
@@ -1164,54 +1361,43 @@
             <a:lvl5pPr>
               <a:defRPr sz="1800"/>
             </a:lvl5pPr>
-            <a:lvl6pPr>
-              <a:defRPr sz="1800"/>
-            </a:lvl6pPr>
-            <a:lvl7pPr>
-              <a:defRPr sz="1800"/>
-            </a:lvl7pPr>
-            <a:lvl8pPr>
-              <a:defRPr sz="1800"/>
-            </a:lvl8pPr>
-            <a:lvl9pPr>
-              <a:defRPr sz="1800"/>
-            </a:lvl9pPr>
-          </a:lstStyle>
-          <a:p>
-            <a:pPr lvl="0"/>
+            <a:extLst/>
+          </a:lstStyle>
+          <a:p>
+            <a:pPr lvl="0" eaLnBrk="1" latinLnBrk="0" hangingPunct="1"/>
             <a:r>
               <a:rPr lang="en-US" smtClean="0"/>
               <a:t>Click to edit Master text styles</a:t>
             </a:r>
           </a:p>
           <a:p>
-            <a:pPr lvl="1"/>
+            <a:pPr lvl="1" eaLnBrk="1" latinLnBrk="0" hangingPunct="1"/>
             <a:r>
               <a:rPr lang="en-US" smtClean="0"/>
               <a:t>Second level</a:t>
             </a:r>
           </a:p>
           <a:p>
-            <a:pPr lvl="2"/>
+            <a:pPr lvl="2" eaLnBrk="1" latinLnBrk="0" hangingPunct="1"/>
             <a:r>
               <a:rPr lang="en-US" smtClean="0"/>
               <a:t>Third level</a:t>
             </a:r>
           </a:p>
           <a:p>
-            <a:pPr lvl="3"/>
+            <a:pPr lvl="3" eaLnBrk="1" latinLnBrk="0" hangingPunct="1"/>
             <a:r>
               <a:rPr lang="en-US" smtClean="0"/>
               <a:t>Fourth level</a:t>
             </a:r>
           </a:p>
           <a:p>
-            <a:pPr lvl="4"/>
+            <a:pPr lvl="4" eaLnBrk="1" latinLnBrk="0" hangingPunct="1"/>
             <a:r>
               <a:rPr lang="en-US" smtClean="0"/>
               <a:t>Fifth level</a:t>
             </a:r>
-            <a:endParaRPr lang="en-US"/>
+            <a:endParaRPr kumimoji="0" lang="en-US"/>
           </a:p>
         </p:txBody>
       </p:sp>
@@ -1227,8 +1413,8 @@
         </p:nvSpPr>
         <p:spPr>
           <a:xfrm>
-            <a:off x="4648200" y="1600200"/>
-            <a:ext cx="4038600" cy="4525963"/>
+            <a:off x="4648200" y="1645920"/>
+            <a:ext cx="4038600" cy="4526280"/>
           </a:xfrm>
         </p:spPr>
         <p:txBody>
@@ -1249,54 +1435,43 @@
             <a:lvl5pPr>
               <a:defRPr sz="1800"/>
             </a:lvl5pPr>
-            <a:lvl6pPr>
-              <a:defRPr sz="1800"/>
-            </a:lvl6pPr>
-            <a:lvl7pPr>
-              <a:defRPr sz="1800"/>
-            </a:lvl7pPr>
-            <a:lvl8pPr>
-              <a:defRPr sz="1800"/>
-            </a:lvl8pPr>
-            <a:lvl9pPr>
-              <a:defRPr sz="1800"/>
-            </a:lvl9pPr>
-          </a:lstStyle>
-          <a:p>
-            <a:pPr lvl="0"/>
+            <a:extLst/>
+          </a:lstStyle>
+          <a:p>
+            <a:pPr lvl="0" eaLnBrk="1" latinLnBrk="0" hangingPunct="1"/>
             <a:r>
               <a:rPr lang="en-US" smtClean="0"/>
               <a:t>Click to edit Master text styles</a:t>
             </a:r>
           </a:p>
           <a:p>
-            <a:pPr lvl="1"/>
+            <a:pPr lvl="1" eaLnBrk="1" latinLnBrk="0" hangingPunct="1"/>
             <a:r>
               <a:rPr lang="en-US" smtClean="0"/>
               <a:t>Second level</a:t>
             </a:r>
           </a:p>
           <a:p>
-            <a:pPr lvl="2"/>
+            <a:pPr lvl="2" eaLnBrk="1" latinLnBrk="0" hangingPunct="1"/>
             <a:r>
               <a:rPr lang="en-US" smtClean="0"/>
               <a:t>Third level</a:t>
             </a:r>
           </a:p>
           <a:p>
-            <a:pPr lvl="3"/>
+            <a:pPr lvl="3" eaLnBrk="1" latinLnBrk="0" hangingPunct="1"/>
             <a:r>
               <a:rPr lang="en-US" smtClean="0"/>
               <a:t>Fourth level</a:t>
             </a:r>
           </a:p>
           <a:p>
-            <a:pPr lvl="4"/>
+            <a:pPr lvl="4" eaLnBrk="1" latinLnBrk="0" hangingPunct="1"/>
             <a:r>
               <a:rPr lang="en-US" smtClean="0"/>
               <a:t>Fifth level</a:t>
             </a:r>
-            <a:endParaRPr lang="en-US"/>
+            <a:endParaRPr kumimoji="0" lang="en-US"/>
           </a:p>
         </p:txBody>
       </p:sp>
@@ -1313,7 +1488,9 @@
         <p:spPr/>
         <p:txBody>
           <a:bodyPr/>
-          <a:lstStyle/>
+          <a:lstStyle>
+            <a:extLst/>
+          </a:lstStyle>
           <a:p>
             <a:fld id="{678577BD-1F2F-4A43-85B9-1805CBCE89E2}" type="datetimeFigureOut">
               <a:rPr lang="en-US" smtClean="0"/>
@@ -1336,7 +1513,9 @@
         <p:spPr/>
         <p:txBody>
           <a:bodyPr/>
-          <a:lstStyle/>
+          <a:lstStyle>
+            <a:extLst/>
+          </a:lstStyle>
           <a:p>
             <a:endParaRPr lang="en-US"/>
           </a:p>
@@ -1352,16 +1531,77 @@
             <p:ph type="sldNum" sz="quarter" idx="12"/>
           </p:nvPr>
         </p:nvSpPr>
-        <p:spPr/>
+        <p:spPr>
+          <a:xfrm>
+            <a:off x="8641080" y="6514568"/>
+            <a:ext cx="464288" cy="274320"/>
+          </a:xfrm>
+        </p:spPr>
         <p:txBody>
           <a:bodyPr/>
-          <a:lstStyle/>
+          <a:lstStyle>
+            <a:extLst/>
+          </a:lstStyle>
           <a:p>
             <a:fld id="{4CBFCD2A-2603-42ED-B016-630ECA9A0BFA}" type="slidenum">
               <a:rPr lang="en-US" smtClean="0"/>
               <a:t>‹#›</a:t>
             </a:fld>
             <a:endParaRPr lang="en-US"/>
+          </a:p>
+        </p:txBody>
+      </p:sp>
+      <p:sp>
+        <p:nvSpPr>
+          <p:cNvPr id="10" name="Rectangle 9"/>
+          <p:cNvSpPr/>
+          <p:nvPr/>
+        </p:nvSpPr>
+        <p:spPr>
+          <a:xfrm>
+            <a:off x="588392" y="1424588"/>
+            <a:ext cx="8001000" cy="9144"/>
+          </a:xfrm>
+          <a:prstGeom prst="rect">
+            <a:avLst/>
+          </a:prstGeom>
+          <a:solidFill>
+            <a:schemeClr val="accent1"/>
+          </a:solidFill>
+          <a:ln w="38100" cap="rnd" cmpd="sng" algn="ctr">
+            <a:noFill/>
+            <a:prstDash val="solid"/>
+          </a:ln>
+          <a:effectLst>
+            <a:outerShdw blurRad="12700" dist="12900" dir="5400000" algn="tl" rotWithShape="0">
+              <a:srgbClr val="000000">
+                <a:alpha val="75000"/>
+              </a:srgbClr>
+            </a:outerShdw>
+          </a:effectLst>
+        </p:spPr>
+        <p:style>
+          <a:lnRef idx="3">
+            <a:schemeClr val="lt1"/>
+          </a:lnRef>
+          <a:fillRef idx="1">
+            <a:schemeClr val="accent1"/>
+          </a:fillRef>
+          <a:effectRef idx="1">
+            <a:schemeClr val="accent1"/>
+          </a:effectRef>
+          <a:fontRef idx="minor">
+            <a:schemeClr val="lt1"/>
+          </a:fontRef>
+        </p:style>
+        <p:txBody>
+          <a:bodyPr anchor="ctr"/>
+          <a:lstStyle>
+            <a:extLst/>
+          </a:lstStyle>
+          <a:p>
+            <a:pPr algn="ctr" eaLnBrk="1" latinLnBrk="0" hangingPunct="1"/>
+            <a:endParaRPr kumimoji="0" lang="en-US"/>
           </a:p>
         </p:txBody>
       </p:sp>
@@ -1392,6 +1632,114 @@
       </p:grpSpPr>
       <p:sp>
         <p:nvSpPr>
+          <p:cNvPr id="10" name="Rectangle 9"/>
+          <p:cNvSpPr/>
+          <p:nvPr/>
+        </p:nvSpPr>
+        <p:spPr>
+          <a:xfrm>
+            <a:off x="616744" y="2165216"/>
+            <a:ext cx="3749040" cy="9144"/>
+          </a:xfrm>
+          <a:prstGeom prst="rect">
+            <a:avLst/>
+          </a:prstGeom>
+          <a:solidFill>
+            <a:schemeClr val="accent1"/>
+          </a:solidFill>
+          <a:ln w="38100" cap="rnd" cmpd="sng" algn="ctr">
+            <a:noFill/>
+            <a:prstDash val="solid"/>
+          </a:ln>
+          <a:effectLst>
+            <a:outerShdw blurRad="12700" dist="12900" dir="5400000" algn="tl" rotWithShape="0">
+              <a:srgbClr val="000000">
+                <a:alpha val="75000"/>
+              </a:srgbClr>
+            </a:outerShdw>
+          </a:effectLst>
+        </p:spPr>
+        <p:style>
+          <a:lnRef idx="3">
+            <a:schemeClr val="lt1"/>
+          </a:lnRef>
+          <a:fillRef idx="1">
+            <a:schemeClr val="accent1"/>
+          </a:fillRef>
+          <a:effectRef idx="1">
+            <a:schemeClr val="accent1"/>
+          </a:effectRef>
+          <a:fontRef idx="minor">
+            <a:schemeClr val="lt1"/>
+          </a:fontRef>
+        </p:style>
+        <p:txBody>
+          <a:bodyPr anchor="b"/>
+          <a:lstStyle>
+            <a:extLst/>
+          </a:lstStyle>
+          <a:p>
+            <a:pPr algn="ctr" eaLnBrk="1" latinLnBrk="0" hangingPunct="1"/>
+            <a:endParaRPr kumimoji="0" lang="en-US"/>
+          </a:p>
+        </p:txBody>
+      </p:sp>
+      <p:sp>
+        <p:nvSpPr>
+          <p:cNvPr id="11" name="Rectangle 10"/>
+          <p:cNvSpPr/>
+          <p:nvPr/>
+        </p:nvSpPr>
+        <p:spPr>
+          <a:xfrm>
+            <a:off x="4800600" y="2165216"/>
+            <a:ext cx="3749040" cy="9144"/>
+          </a:xfrm>
+          <a:prstGeom prst="rect">
+            <a:avLst/>
+          </a:prstGeom>
+          <a:solidFill>
+            <a:schemeClr val="accent1"/>
+          </a:solidFill>
+          <a:ln w="38100" cap="rnd" cmpd="sng" algn="ctr">
+            <a:noFill/>
+            <a:prstDash val="solid"/>
+          </a:ln>
+          <a:effectLst>
+            <a:outerShdw blurRad="12700" dist="12900" dir="5400000" algn="tl" rotWithShape="0">
+              <a:srgbClr val="000000">
+                <a:alpha val="75000"/>
+              </a:srgbClr>
+            </a:outerShdw>
+          </a:effectLst>
+        </p:spPr>
+        <p:style>
+          <a:lnRef idx="3">
+            <a:schemeClr val="lt1"/>
+          </a:lnRef>
+          <a:fillRef idx="1">
+            <a:schemeClr val="accent1"/>
+          </a:fillRef>
+          <a:effectRef idx="1">
+            <a:schemeClr val="accent1"/>
+          </a:effectRef>
+          <a:fontRef idx="minor">
+            <a:schemeClr val="lt1"/>
+          </a:fontRef>
+        </p:style>
+        <p:txBody>
+          <a:bodyPr anchor="b"/>
+          <a:lstStyle>
+            <a:extLst/>
+          </a:lstStyle>
+          <a:p>
+            <a:pPr algn="ctr" eaLnBrk="1" latinLnBrk="0" hangingPunct="1"/>
+            <a:endParaRPr kumimoji="0" lang="en-US"/>
+          </a:p>
+        </p:txBody>
+      </p:sp>
+      <p:sp>
+        <p:nvSpPr>
           <p:cNvPr id="2" name="Title 1"/>
           <p:cNvSpPr>
             <a:spLocks noGrp="1"/>
@@ -1400,20 +1748,26 @@
             <p:ph type="title"/>
           </p:nvPr>
         </p:nvSpPr>
-        <p:spPr/>
-        <p:txBody>
-          <a:bodyPr/>
+        <p:spPr>
+          <a:xfrm>
+            <a:off x="457200" y="251948"/>
+            <a:ext cx="8229600" cy="1143000"/>
+          </a:xfrm>
+        </p:spPr>
+        <p:txBody>
+          <a:bodyPr anchor="b"/>
           <a:lstStyle>
             <a:lvl1pPr>
               <a:defRPr/>
             </a:lvl1pPr>
-          </a:lstStyle>
-          <a:p>
-            <a:r>
-              <a:rPr lang="en-US" smtClean="0"/>
+            <a:extLst/>
+          </a:lstStyle>
+          <a:p>
+            <a:r>
+              <a:rPr kumimoji="0" lang="en-US" smtClean="0"/>
               <a:t>Click to edit Master title style</a:t>
             </a:r>
-            <a:endParaRPr lang="en-US"/>
+            <a:endParaRPr kumimoji="0" lang="en-US"/>
           </a:p>
         </p:txBody>
       </p:sp>
@@ -1434,49 +1788,94 @@
           </a:xfrm>
         </p:spPr>
         <p:txBody>
-          <a:bodyPr anchor="b"/>
-          <a:lstStyle>
-            <a:lvl1pPr marL="0" indent="0">
+          <a:bodyPr anchor="b">
+            <a:noAutofit/>
+          </a:bodyPr>
+          <a:lstStyle>
+            <a:lvl1pPr marL="91440" indent="0" algn="l">
+              <a:spcBef>
+                <a:spcPts val="0"/>
+              </a:spcBef>
               <a:buNone/>
-              <a:defRPr sz="2400" b="1"/>
+              <a:defRPr sz="2200" b="0" cap="all" baseline="0"/>
             </a:lvl1pPr>
-            <a:lvl2pPr marL="457200" indent="0">
+            <a:lvl2pPr>
               <a:buNone/>
               <a:defRPr sz="2000" b="1"/>
             </a:lvl2pPr>
-            <a:lvl3pPr marL="914400" indent="0">
+            <a:lvl3pPr>
               <a:buNone/>
               <a:defRPr sz="1800" b="1"/>
             </a:lvl3pPr>
-            <a:lvl4pPr marL="1371600" indent="0">
+            <a:lvl4pPr>
               <a:buNone/>
               <a:defRPr sz="1600" b="1"/>
             </a:lvl4pPr>
-            <a:lvl5pPr marL="1828800" indent="0">
+            <a:lvl5pPr>
               <a:buNone/>
               <a:defRPr sz="1600" b="1"/>
             </a:lvl5pPr>
-            <a:lvl6pPr marL="2286000" indent="0">
+            <a:extLst/>
+          </a:lstStyle>
+          <a:p>
+            <a:pPr lvl="0" eaLnBrk="1" latinLnBrk="0" hangingPunct="1"/>
+            <a:r>
+              <a:rPr kumimoji="0" lang="en-US" smtClean="0"/>
+              <a:t>Click to edit Master text styles</a:t>
+            </a:r>
+          </a:p>
+        </p:txBody>
+      </p:sp>
+      <p:sp>
+        <p:nvSpPr>
+          <p:cNvPr id="4" name="Text Placeholder 3"/>
+          <p:cNvSpPr>
+            <a:spLocks noGrp="1"/>
+          </p:cNvSpPr>
+          <p:nvPr>
+            <p:ph type="body" sz="half" idx="3"/>
+          </p:nvPr>
+        </p:nvSpPr>
+        <p:spPr>
+          <a:xfrm>
+            <a:off x="4645025" y="1535113"/>
+            <a:ext cx="4041775" cy="639762"/>
+          </a:xfrm>
+        </p:spPr>
+        <p:txBody>
+          <a:bodyPr anchor="b">
+            <a:noAutofit/>
+          </a:bodyPr>
+          <a:lstStyle>
+            <a:lvl1pPr marL="91440" indent="0" algn="l">
+              <a:spcBef>
+                <a:spcPts val="0"/>
+              </a:spcBef>
+              <a:buNone/>
+              <a:defRPr sz="2200" b="0" cap="all" baseline="0"/>
+            </a:lvl1pPr>
+            <a:lvl2pPr>
+              <a:buNone/>
+              <a:defRPr sz="2000" b="1"/>
+            </a:lvl2pPr>
+            <a:lvl3pPr>
+              <a:buNone/>
+              <a:defRPr sz="1800" b="1"/>
+            </a:lvl3pPr>
+            <a:lvl4pPr>
               <a:buNone/>
               <a:defRPr sz="1600" b="1"/>
-            </a:lvl6pPr>
-            <a:lvl7pPr marL="2743200" indent="0">
+            </a:lvl4pPr>
+            <a:lvl5pPr>
               <a:buNone/>
               <a:defRPr sz="1600" b="1"/>
-            </a:lvl7pPr>
-            <a:lvl8pPr marL="3200400" indent="0">
-              <a:buNone/>
-              <a:defRPr sz="1600" b="1"/>
-            </a:lvl8pPr>
-            <a:lvl9pPr marL="3657600" indent="0">
-              <a:buNone/>
-              <a:defRPr sz="1600" b="1"/>
-            </a:lvl9pPr>
-          </a:lstStyle>
-          <a:p>
-            <a:pPr lvl="0"/>
-            <a:r>
-              <a:rPr lang="en-US" smtClean="0"/>
+            </a:lvl5pPr>
+            <a:extLst/>
+          </a:lstStyle>
+          <a:p>
+            <a:pPr lvl="0" eaLnBrk="1" latinLnBrk="0" hangingPunct="1"/>
+            <a:r>
+              <a:rPr kumimoji="0" lang="en-US" smtClean="0"/>
               <a:t>Click to edit Master text styles</a:t>
             </a:r>
           </a:p>
@@ -1484,25 +1883,25 @@
       </p:sp>
       <p:sp>
         <p:nvSpPr>
-          <p:cNvPr id="4" name="Content Placeholder 3"/>
-          <p:cNvSpPr>
-            <a:spLocks noGrp="1"/>
-          </p:cNvSpPr>
-          <p:nvPr>
-            <p:ph sz="half" idx="2"/>
-          </p:nvPr>
-        </p:nvSpPr>
-        <p:spPr>
-          <a:xfrm>
-            <a:off x="457200" y="2174875"/>
-            <a:ext cx="4040188" cy="3951288"/>
-          </a:xfrm>
-        </p:spPr>
-        <p:txBody>
-          <a:bodyPr/>
+          <p:cNvPr id="5" name="Content Placeholder 4"/>
+          <p:cNvSpPr>
+            <a:spLocks noGrp="1"/>
+          </p:cNvSpPr>
+          <p:nvPr>
+            <p:ph sz="quarter" idx="2"/>
+          </p:nvPr>
+        </p:nvSpPr>
+        <p:spPr>
+          <a:xfrm>
+            <a:off x="457200" y="2362200"/>
+            <a:ext cx="4040188" cy="3941763"/>
+          </a:xfrm>
+        </p:spPr>
+        <p:txBody>
+          <a:bodyPr lIns="91440"/>
           <a:lstStyle>
             <a:lvl1pPr>
-              <a:defRPr sz="2400"/>
+              <a:defRPr sz="2200"/>
             </a:lvl1pPr>
             <a:lvl2pPr>
               <a:defRPr sz="2000"/>
@@ -1516,119 +1915,43 @@
             <a:lvl5pPr>
               <a:defRPr sz="1600"/>
             </a:lvl5pPr>
-            <a:lvl6pPr>
-              <a:defRPr sz="1600"/>
-            </a:lvl6pPr>
-            <a:lvl7pPr>
-              <a:defRPr sz="1600"/>
-            </a:lvl7pPr>
-            <a:lvl8pPr>
-              <a:defRPr sz="1600"/>
-            </a:lvl8pPr>
-            <a:lvl9pPr>
-              <a:defRPr sz="1600"/>
-            </a:lvl9pPr>
-          </a:lstStyle>
-          <a:p>
-            <a:pPr lvl="0"/>
+            <a:extLst/>
+          </a:lstStyle>
+          <a:p>
+            <a:pPr lvl="0" eaLnBrk="1" latinLnBrk="0" hangingPunct="1"/>
             <a:r>
               <a:rPr lang="en-US" smtClean="0"/>
               <a:t>Click to edit Master text styles</a:t>
             </a:r>
           </a:p>
           <a:p>
-            <a:pPr lvl="1"/>
+            <a:pPr lvl="1" eaLnBrk="1" latinLnBrk="0" hangingPunct="1"/>
             <a:r>
               <a:rPr lang="en-US" smtClean="0"/>
               <a:t>Second level</a:t>
             </a:r>
           </a:p>
           <a:p>
-            <a:pPr lvl="2"/>
+            <a:pPr lvl="2" eaLnBrk="1" latinLnBrk="0" hangingPunct="1"/>
             <a:r>
               <a:rPr lang="en-US" smtClean="0"/>
               <a:t>Third level</a:t>
             </a:r>
           </a:p>
           <a:p>
-            <a:pPr lvl="3"/>
+            <a:pPr lvl="3" eaLnBrk="1" latinLnBrk="0" hangingPunct="1"/>
             <a:r>
               <a:rPr lang="en-US" smtClean="0"/>
               <a:t>Fourth level</a:t>
             </a:r>
           </a:p>
           <a:p>
-            <a:pPr lvl="4"/>
+            <a:pPr lvl="4" eaLnBrk="1" latinLnBrk="0" hangingPunct="1"/>
             <a:r>
               <a:rPr lang="en-US" smtClean="0"/>
               <a:t>Fifth level</a:t>
             </a:r>
-            <a:endParaRPr lang="en-US"/>
-          </a:p>
-        </p:txBody>
-      </p:sp>
-      <p:sp>
-        <p:nvSpPr>
-          <p:cNvPr id="5" name="Text Placeholder 4"/>
-          <p:cNvSpPr>
-            <a:spLocks noGrp="1"/>
-          </p:cNvSpPr>
-          <p:nvPr>
-            <p:ph type="body" sz="quarter" idx="3"/>
-          </p:nvPr>
-        </p:nvSpPr>
-        <p:spPr>
-          <a:xfrm>
-            <a:off x="4645025" y="1535113"/>
-            <a:ext cx="4041775" cy="639762"/>
-          </a:xfrm>
-        </p:spPr>
-        <p:txBody>
-          <a:bodyPr anchor="b"/>
-          <a:lstStyle>
-            <a:lvl1pPr marL="0" indent="0">
-              <a:buNone/>
-              <a:defRPr sz="2400" b="1"/>
-            </a:lvl1pPr>
-            <a:lvl2pPr marL="457200" indent="0">
-              <a:buNone/>
-              <a:defRPr sz="2000" b="1"/>
-            </a:lvl2pPr>
-            <a:lvl3pPr marL="914400" indent="0">
-              <a:buNone/>
-              <a:defRPr sz="1800" b="1"/>
-            </a:lvl3pPr>
-            <a:lvl4pPr marL="1371600" indent="0">
-              <a:buNone/>
-              <a:defRPr sz="1600" b="1"/>
-            </a:lvl4pPr>
-            <a:lvl5pPr marL="1828800" indent="0">
-              <a:buNone/>
-              <a:defRPr sz="1600" b="1"/>
-            </a:lvl5pPr>
-            <a:lvl6pPr marL="2286000" indent="0">
-              <a:buNone/>
-              <a:defRPr sz="1600" b="1"/>
-            </a:lvl6pPr>
-            <a:lvl7pPr marL="2743200" indent="0">
-              <a:buNone/>
-              <a:defRPr sz="1600" b="1"/>
-            </a:lvl7pPr>
-            <a:lvl8pPr marL="3200400" indent="0">
-              <a:buNone/>
-              <a:defRPr sz="1600" b="1"/>
-            </a:lvl8pPr>
-            <a:lvl9pPr marL="3657600" indent="0">
-              <a:buNone/>
-              <a:defRPr sz="1600" b="1"/>
-            </a:lvl9pPr>
-          </a:lstStyle>
-          <a:p>
-            <a:pPr lvl="0"/>
-            <a:r>
-              <a:rPr lang="en-US" smtClean="0"/>
-              <a:t>Click to edit Master text styles</a:t>
-            </a:r>
+            <a:endParaRPr kumimoji="0" lang="en-US"/>
           </a:p>
         </p:txBody>
       </p:sp>
@@ -1644,15 +1967,15 @@
         </p:nvSpPr>
         <p:spPr>
           <a:xfrm>
-            <a:off x="4645025" y="2174875"/>
-            <a:ext cx="4041775" cy="3951288"/>
+            <a:off x="4645025" y="2362200"/>
+            <a:ext cx="4041775" cy="3941763"/>
           </a:xfrm>
         </p:spPr>
         <p:txBody>
           <a:bodyPr/>
           <a:lstStyle>
             <a:lvl1pPr>
-              <a:defRPr sz="2400"/>
+              <a:defRPr sz="2200"/>
             </a:lvl1pPr>
             <a:lvl2pPr>
               <a:defRPr sz="2000"/>
@@ -1666,54 +1989,43 @@
             <a:lvl5pPr>
               <a:defRPr sz="1600"/>
             </a:lvl5pPr>
-            <a:lvl6pPr>
-              <a:defRPr sz="1600"/>
-            </a:lvl6pPr>
-            <a:lvl7pPr>
-              <a:defRPr sz="1600"/>
-            </a:lvl7pPr>
-            <a:lvl8pPr>
-              <a:defRPr sz="1600"/>
-            </a:lvl8pPr>
-            <a:lvl9pPr>
-              <a:defRPr sz="1600"/>
-            </a:lvl9pPr>
-          </a:lstStyle>
-          <a:p>
-            <a:pPr lvl="0"/>
+            <a:extLst/>
+          </a:lstStyle>
+          <a:p>
+            <a:pPr lvl="0" eaLnBrk="1" latinLnBrk="0" hangingPunct="1"/>
             <a:r>
               <a:rPr lang="en-US" smtClean="0"/>
               <a:t>Click to edit Master text styles</a:t>
             </a:r>
           </a:p>
           <a:p>
-            <a:pPr lvl="1"/>
+            <a:pPr lvl="1" eaLnBrk="1" latinLnBrk="0" hangingPunct="1"/>
             <a:r>
               <a:rPr lang="en-US" smtClean="0"/>
               <a:t>Second level</a:t>
             </a:r>
           </a:p>
           <a:p>
-            <a:pPr lvl="2"/>
+            <a:pPr lvl="2" eaLnBrk="1" latinLnBrk="0" hangingPunct="1"/>
             <a:r>
               <a:rPr lang="en-US" smtClean="0"/>
               <a:t>Third level</a:t>
             </a:r>
           </a:p>
           <a:p>
-            <a:pPr lvl="3"/>
+            <a:pPr lvl="3" eaLnBrk="1" latinLnBrk="0" hangingPunct="1"/>
             <a:r>
               <a:rPr lang="en-US" smtClean="0"/>
               <a:t>Fourth level</a:t>
             </a:r>
           </a:p>
           <a:p>
-            <a:pPr lvl="4"/>
+            <a:pPr lvl="4" eaLnBrk="1" latinLnBrk="0" hangingPunct="1"/>
             <a:r>
               <a:rPr lang="en-US" smtClean="0"/>
               <a:t>Fifth level</a:t>
             </a:r>
-            <a:endParaRPr lang="en-US"/>
+            <a:endParaRPr kumimoji="0" lang="en-US"/>
           </a:p>
         </p:txBody>
       </p:sp>
@@ -1730,7 +2042,9 @@
         <p:spPr/>
         <p:txBody>
           <a:bodyPr/>
-          <a:lstStyle/>
+          <a:lstStyle>
+            <a:extLst/>
+          </a:lstStyle>
           <a:p>
             <a:fld id="{678577BD-1F2F-4A43-85B9-1805CBCE89E2}" type="datetimeFigureOut">
               <a:rPr lang="en-US" smtClean="0"/>
@@ -1753,7 +2067,9 @@
         <p:spPr/>
         <p:txBody>
           <a:bodyPr/>
-          <a:lstStyle/>
+          <a:lstStyle>
+            <a:extLst/>
+          </a:lstStyle>
           <a:p>
             <a:endParaRPr lang="en-US"/>
           </a:p>
@@ -1769,10 +2085,17 @@
             <p:ph type="sldNum" sz="quarter" idx="12"/>
           </p:nvPr>
         </p:nvSpPr>
-        <p:spPr/>
+        <p:spPr>
+          <a:xfrm>
+            <a:off x="8641080" y="6514568"/>
+            <a:ext cx="464288" cy="274320"/>
+          </a:xfrm>
+        </p:spPr>
         <p:txBody>
           <a:bodyPr/>
-          <a:lstStyle/>
+          <a:lstStyle>
+            <a:extLst/>
+          </a:lstStyle>
           <a:p>
             <a:fld id="{4CBFCD2A-2603-42ED-B016-630ECA9A0BFA}" type="slidenum">
               <a:rPr lang="en-US" smtClean="0"/>
@@ -1817,33 +2140,42 @@
             <p:ph type="title"/>
           </p:nvPr>
         </p:nvSpPr>
+        <p:spPr>
+          <a:xfrm>
+            <a:off x="457200" y="253218"/>
+            <a:ext cx="8229600" cy="1143000"/>
+          </a:xfrm>
+        </p:spPr>
+        <p:txBody>
+          <a:bodyPr/>
+          <a:lstStyle>
+            <a:extLst/>
+          </a:lstStyle>
+          <a:p>
+            <a:r>
+              <a:rPr kumimoji="0" lang="en-US" smtClean="0"/>
+              <a:t>Click to edit Master title style</a:t>
+            </a:r>
+            <a:endParaRPr kumimoji="0" lang="en-US"/>
+          </a:p>
+        </p:txBody>
+      </p:sp>
+      <p:sp>
+        <p:nvSpPr>
+          <p:cNvPr id="3" name="Date Placeholder 2"/>
+          <p:cNvSpPr>
+            <a:spLocks noGrp="1"/>
+          </p:cNvSpPr>
+          <p:nvPr>
+            <p:ph type="dt" sz="half" idx="10"/>
+          </p:nvPr>
+        </p:nvSpPr>
         <p:spPr/>
         <p:txBody>
           <a:bodyPr/>
-          <a:lstStyle/>
-          <a:p>
-            <a:r>
-              <a:rPr lang="en-US" smtClean="0"/>
-              <a:t>Click to edit Master title style</a:t>
-            </a:r>
-            <a:endParaRPr lang="en-US"/>
-          </a:p>
-        </p:txBody>
-      </p:sp>
-      <p:sp>
-        <p:nvSpPr>
-          <p:cNvPr id="3" name="Date Placeholder 2"/>
-          <p:cNvSpPr>
-            <a:spLocks noGrp="1"/>
-          </p:cNvSpPr>
-          <p:nvPr>
-            <p:ph type="dt" sz="half" idx="10"/>
-          </p:nvPr>
-        </p:nvSpPr>
-        <p:spPr/>
-        <p:txBody>
-          <a:bodyPr/>
-          <a:lstStyle/>
+          <a:lstStyle>
+            <a:extLst/>
+          </a:lstStyle>
           <a:p>
             <a:fld id="{678577BD-1F2F-4A43-85B9-1805CBCE89E2}" type="datetimeFigureOut">
               <a:rPr lang="en-US" smtClean="0"/>
@@ -1866,7 +2198,9 @@
         <p:spPr/>
         <p:txBody>
           <a:bodyPr/>
-          <a:lstStyle/>
+          <a:lstStyle>
+            <a:extLst/>
+          </a:lstStyle>
           <a:p>
             <a:endParaRPr lang="en-US"/>
           </a:p>
@@ -1885,13 +2219,69 @@
         <p:spPr/>
         <p:txBody>
           <a:bodyPr/>
-          <a:lstStyle/>
+          <a:lstStyle>
+            <a:extLst/>
+          </a:lstStyle>
           <a:p>
             <a:fld id="{4CBFCD2A-2603-42ED-B016-630ECA9A0BFA}" type="slidenum">
               <a:rPr lang="en-US" smtClean="0"/>
               <a:t>‹#›</a:t>
             </a:fld>
             <a:endParaRPr lang="en-US"/>
+          </a:p>
+        </p:txBody>
+      </p:sp>
+      <p:sp>
+        <p:nvSpPr>
+          <p:cNvPr id="7" name="Rectangle 6"/>
+          <p:cNvSpPr/>
+          <p:nvPr/>
+        </p:nvSpPr>
+        <p:spPr>
+          <a:xfrm>
+            <a:off x="588392" y="1424588"/>
+            <a:ext cx="8001000" cy="9144"/>
+          </a:xfrm>
+          <a:prstGeom prst="rect">
+            <a:avLst/>
+          </a:prstGeom>
+          <a:solidFill>
+            <a:schemeClr val="accent1"/>
+          </a:solidFill>
+          <a:ln w="38100" cap="rnd" cmpd="sng" algn="ctr">
+            <a:noFill/>
+            <a:prstDash val="solid"/>
+          </a:ln>
+          <a:effectLst>
+            <a:outerShdw blurRad="12700" dist="12900" dir="5400000" algn="tl" rotWithShape="0">
+              <a:srgbClr val="000000">
+                <a:alpha val="75000"/>
+              </a:srgbClr>
+            </a:outerShdw>
+          </a:effectLst>
+        </p:spPr>
+        <p:style>
+          <a:lnRef idx="3">
+            <a:schemeClr val="lt1"/>
+          </a:lnRef>
+          <a:fillRef idx="1">
+            <a:schemeClr val="accent1"/>
+          </a:fillRef>
+          <a:effectRef idx="1">
+            <a:schemeClr val="accent1"/>
+          </a:effectRef>
+          <a:fontRef idx="minor">
+            <a:schemeClr val="lt1"/>
+          </a:fontRef>
+        </p:style>
+        <p:txBody>
+          <a:bodyPr anchor="ctr"/>
+          <a:lstStyle>
+            <a:extLst/>
+          </a:lstStyle>
+          <a:p>
+            <a:pPr algn="ctr" eaLnBrk="1" latinLnBrk="0" hangingPunct="1"/>
+            <a:endParaRPr kumimoji="0" lang="en-US"/>
           </a:p>
         </p:txBody>
       </p:sp>
@@ -1933,7 +2323,9 @@
         <p:spPr/>
         <p:txBody>
           <a:bodyPr/>
-          <a:lstStyle/>
+          <a:lstStyle>
+            <a:extLst/>
+          </a:lstStyle>
           <a:p>
             <a:fld id="{678577BD-1F2F-4A43-85B9-1805CBCE89E2}" type="datetimeFigureOut">
               <a:rPr lang="en-US" smtClean="0"/>
@@ -1956,7 +2348,9 @@
         <p:spPr/>
         <p:txBody>
           <a:bodyPr/>
-          <a:lstStyle/>
+          <a:lstStyle>
+            <a:extLst/>
+          </a:lstStyle>
           <a:p>
             <a:endParaRPr lang="en-US"/>
           </a:p>
@@ -1975,7 +2369,9 @@
         <p:spPr/>
         <p:txBody>
           <a:bodyPr/>
-          <a:lstStyle/>
+          <a:lstStyle>
+            <a:extLst/>
+          </a:lstStyle>
           <a:p>
             <a:fld id="{4CBFCD2A-2603-42ED-B016-630ECA9A0BFA}" type="slidenum">
               <a:rPr lang="en-US" smtClean="0"/>
@@ -1994,531 +2390,11 @@
 </file>
 
 <file path=ppt/slideLayouts/slideLayout8.xml><?xml version="1.0" encoding="utf-8"?>
-<p:sldLayout xmlns:a="http://schemas.openxmlformats.org/drawingml/2006/main" xmlns:r="http://schemas.openxmlformats.org/officeDocument/2006/relationships" xmlns:p="http://schemas.openxmlformats.org/presentationml/2006/main" type="objTx" preserve="1">
+<p:sldLayout xmlns:a="http://schemas.openxmlformats.org/drawingml/2006/main" xmlns:r="http://schemas.openxmlformats.org/officeDocument/2006/relationships" xmlns:p="http://schemas.openxmlformats.org/presentationml/2006/main" showMasterSp="0" type="objTx" preserve="1">
   <p:cSld name="Content with Caption">
-    <p:spTree>
-      <p:nvGrpSpPr>
-        <p:cNvPr id="1" name=""/>
-        <p:cNvGrpSpPr/>
-        <p:nvPr/>
-      </p:nvGrpSpPr>
-      <p:grpSpPr>
-        <a:xfrm>
-          <a:off x="0" y="0"/>
-          <a:ext cx="0" cy="0"/>
-          <a:chOff x="0" y="0"/>
-          <a:chExt cx="0" cy="0"/>
-        </a:xfrm>
-      </p:grpSpPr>
-      <p:sp>
-        <p:nvSpPr>
-          <p:cNvPr id="2" name="Title 1"/>
-          <p:cNvSpPr>
-            <a:spLocks noGrp="1"/>
-          </p:cNvSpPr>
-          <p:nvPr>
-            <p:ph type="title"/>
-          </p:nvPr>
-        </p:nvSpPr>
-        <p:spPr>
-          <a:xfrm>
-            <a:off x="457200" y="273050"/>
-            <a:ext cx="3008313" cy="1162050"/>
-          </a:xfrm>
-        </p:spPr>
-        <p:txBody>
-          <a:bodyPr anchor="b"/>
-          <a:lstStyle>
-            <a:lvl1pPr algn="l">
-              <a:defRPr sz="2000" b="1"/>
-            </a:lvl1pPr>
-          </a:lstStyle>
-          <a:p>
-            <a:r>
-              <a:rPr lang="en-US" smtClean="0"/>
-              <a:t>Click to edit Master title style</a:t>
-            </a:r>
-            <a:endParaRPr lang="en-US"/>
-          </a:p>
-        </p:txBody>
-      </p:sp>
-      <p:sp>
-        <p:nvSpPr>
-          <p:cNvPr id="3" name="Content Placeholder 2"/>
-          <p:cNvSpPr>
-            <a:spLocks noGrp="1"/>
-          </p:cNvSpPr>
-          <p:nvPr>
-            <p:ph idx="1"/>
-          </p:nvPr>
-        </p:nvSpPr>
-        <p:spPr>
-          <a:xfrm>
-            <a:off x="3575050" y="273050"/>
-            <a:ext cx="5111750" cy="5853113"/>
-          </a:xfrm>
-        </p:spPr>
-        <p:txBody>
-          <a:bodyPr/>
-          <a:lstStyle>
-            <a:lvl1pPr>
-              <a:defRPr sz="3200"/>
-            </a:lvl1pPr>
-            <a:lvl2pPr>
-              <a:defRPr sz="2800"/>
-            </a:lvl2pPr>
-            <a:lvl3pPr>
-              <a:defRPr sz="2400"/>
-            </a:lvl3pPr>
-            <a:lvl4pPr>
-              <a:defRPr sz="2000"/>
-            </a:lvl4pPr>
-            <a:lvl5pPr>
-              <a:defRPr sz="2000"/>
-            </a:lvl5pPr>
-            <a:lvl6pPr>
-              <a:defRPr sz="2000"/>
-            </a:lvl6pPr>
-            <a:lvl7pPr>
-              <a:defRPr sz="2000"/>
-            </a:lvl7pPr>
-            <a:lvl8pPr>
-              <a:defRPr sz="2000"/>
-            </a:lvl8pPr>
-            <a:lvl9pPr>
-              <a:defRPr sz="2000"/>
-            </a:lvl9pPr>
-          </a:lstStyle>
-          <a:p>
-            <a:pPr lvl="0"/>
-            <a:r>
-              <a:rPr lang="en-US" smtClean="0"/>
-              <a:t>Click to edit Master text styles</a:t>
-            </a:r>
-          </a:p>
-          <a:p>
-            <a:pPr lvl="1"/>
-            <a:r>
-              <a:rPr lang="en-US" smtClean="0"/>
-              <a:t>Second level</a:t>
-            </a:r>
-          </a:p>
-          <a:p>
-            <a:pPr lvl="2"/>
-            <a:r>
-              <a:rPr lang="en-US" smtClean="0"/>
-              <a:t>Third level</a:t>
-            </a:r>
-          </a:p>
-          <a:p>
-            <a:pPr lvl="3"/>
-            <a:r>
-              <a:rPr lang="en-US" smtClean="0"/>
-              <a:t>Fourth level</a:t>
-            </a:r>
-          </a:p>
-          <a:p>
-            <a:pPr lvl="4"/>
-            <a:r>
-              <a:rPr lang="en-US" smtClean="0"/>
-              <a:t>Fifth level</a:t>
-            </a:r>
-            <a:endParaRPr lang="en-US"/>
-          </a:p>
-        </p:txBody>
-      </p:sp>
-      <p:sp>
-        <p:nvSpPr>
-          <p:cNvPr id="4" name="Text Placeholder 3"/>
-          <p:cNvSpPr>
-            <a:spLocks noGrp="1"/>
-          </p:cNvSpPr>
-          <p:nvPr>
-            <p:ph type="body" sz="half" idx="2"/>
-          </p:nvPr>
-        </p:nvSpPr>
-        <p:spPr>
-          <a:xfrm>
-            <a:off x="457200" y="1435100"/>
-            <a:ext cx="3008313" cy="4691063"/>
-          </a:xfrm>
-        </p:spPr>
-        <p:txBody>
-          <a:bodyPr/>
-          <a:lstStyle>
-            <a:lvl1pPr marL="0" indent="0">
-              <a:buNone/>
-              <a:defRPr sz="1400"/>
-            </a:lvl1pPr>
-            <a:lvl2pPr marL="457200" indent="0">
-              <a:buNone/>
-              <a:defRPr sz="1200"/>
-            </a:lvl2pPr>
-            <a:lvl3pPr marL="914400" indent="0">
-              <a:buNone/>
-              <a:defRPr sz="1000"/>
-            </a:lvl3pPr>
-            <a:lvl4pPr marL="1371600" indent="0">
-              <a:buNone/>
-              <a:defRPr sz="900"/>
-            </a:lvl4pPr>
-            <a:lvl5pPr marL="1828800" indent="0">
-              <a:buNone/>
-              <a:defRPr sz="900"/>
-            </a:lvl5pPr>
-            <a:lvl6pPr marL="2286000" indent="0">
-              <a:buNone/>
-              <a:defRPr sz="900"/>
-            </a:lvl6pPr>
-            <a:lvl7pPr marL="2743200" indent="0">
-              <a:buNone/>
-              <a:defRPr sz="900"/>
-            </a:lvl7pPr>
-            <a:lvl8pPr marL="3200400" indent="0">
-              <a:buNone/>
-              <a:defRPr sz="900"/>
-            </a:lvl8pPr>
-            <a:lvl9pPr marL="3657600" indent="0">
-              <a:buNone/>
-              <a:defRPr sz="900"/>
-            </a:lvl9pPr>
-          </a:lstStyle>
-          <a:p>
-            <a:pPr lvl="0"/>
-            <a:r>
-              <a:rPr lang="en-US" smtClean="0"/>
-              <a:t>Click to edit Master text styles</a:t>
-            </a:r>
-          </a:p>
-        </p:txBody>
-      </p:sp>
-      <p:sp>
-        <p:nvSpPr>
-          <p:cNvPr id="5" name="Date Placeholder 4"/>
-          <p:cNvSpPr>
-            <a:spLocks noGrp="1"/>
-          </p:cNvSpPr>
-          <p:nvPr>
-            <p:ph type="dt" sz="half" idx="10"/>
-          </p:nvPr>
-        </p:nvSpPr>
-        <p:spPr/>
-        <p:txBody>
-          <a:bodyPr/>
-          <a:lstStyle/>
-          <a:p>
-            <a:fld id="{678577BD-1F2F-4A43-85B9-1805CBCE89E2}" type="datetimeFigureOut">
-              <a:rPr lang="en-US" smtClean="0"/>
-              <a:t>2/15/2018</a:t>
-            </a:fld>
-            <a:endParaRPr lang="en-US"/>
-          </a:p>
-        </p:txBody>
-      </p:sp>
-      <p:sp>
-        <p:nvSpPr>
-          <p:cNvPr id="6" name="Footer Placeholder 5"/>
-          <p:cNvSpPr>
-            <a:spLocks noGrp="1"/>
-          </p:cNvSpPr>
-          <p:nvPr>
-            <p:ph type="ftr" sz="quarter" idx="11"/>
-          </p:nvPr>
-        </p:nvSpPr>
-        <p:spPr/>
-        <p:txBody>
-          <a:bodyPr/>
-          <a:lstStyle/>
-          <a:p>
-            <a:endParaRPr lang="en-US"/>
-          </a:p>
-        </p:txBody>
-      </p:sp>
-      <p:sp>
-        <p:nvSpPr>
-          <p:cNvPr id="7" name="Slide Number Placeholder 6"/>
-          <p:cNvSpPr>
-            <a:spLocks noGrp="1"/>
-          </p:cNvSpPr>
-          <p:nvPr>
-            <p:ph type="sldNum" sz="quarter" idx="12"/>
-          </p:nvPr>
-        </p:nvSpPr>
-        <p:spPr/>
-        <p:txBody>
-          <a:bodyPr/>
-          <a:lstStyle/>
-          <a:p>
-            <a:fld id="{4CBFCD2A-2603-42ED-B016-630ECA9A0BFA}" type="slidenum">
-              <a:rPr lang="en-US" smtClean="0"/>
-              <a:t>‹#›</a:t>
-            </a:fld>
-            <a:endParaRPr lang="en-US"/>
-          </a:p>
-        </p:txBody>
-      </p:sp>
-    </p:spTree>
-  </p:cSld>
-  <p:clrMapOvr>
-    <a:masterClrMapping/>
-  </p:clrMapOvr>
-</p:sldLayout>
-</file>
-
-<file path=ppt/slideLayouts/slideLayout9.xml><?xml version="1.0" encoding="utf-8"?>
-<p:sldLayout xmlns:a="http://schemas.openxmlformats.org/drawingml/2006/main" xmlns:r="http://schemas.openxmlformats.org/officeDocument/2006/relationships" xmlns:p="http://schemas.openxmlformats.org/presentationml/2006/main" type="picTx" preserve="1">
-  <p:cSld name="Picture with Caption">
-    <p:spTree>
-      <p:nvGrpSpPr>
-        <p:cNvPr id="1" name=""/>
-        <p:cNvGrpSpPr/>
-        <p:nvPr/>
-      </p:nvGrpSpPr>
-      <p:grpSpPr>
-        <a:xfrm>
-          <a:off x="0" y="0"/>
-          <a:ext cx="0" cy="0"/>
-          <a:chOff x="0" y="0"/>
-          <a:chExt cx="0" cy="0"/>
-        </a:xfrm>
-      </p:grpSpPr>
-      <p:sp>
-        <p:nvSpPr>
-          <p:cNvPr id="2" name="Title 1"/>
-          <p:cNvSpPr>
-            <a:spLocks noGrp="1"/>
-          </p:cNvSpPr>
-          <p:nvPr>
-            <p:ph type="title"/>
-          </p:nvPr>
-        </p:nvSpPr>
-        <p:spPr>
-          <a:xfrm>
-            <a:off x="1792288" y="4800600"/>
-            <a:ext cx="5486400" cy="566738"/>
-          </a:xfrm>
-        </p:spPr>
-        <p:txBody>
-          <a:bodyPr anchor="b"/>
-          <a:lstStyle>
-            <a:lvl1pPr algn="l">
-              <a:defRPr sz="2000" b="1"/>
-            </a:lvl1pPr>
-          </a:lstStyle>
-          <a:p>
-            <a:r>
-              <a:rPr lang="en-US" smtClean="0"/>
-              <a:t>Click to edit Master title style</a:t>
-            </a:r>
-            <a:endParaRPr lang="en-US"/>
-          </a:p>
-        </p:txBody>
-      </p:sp>
-      <p:sp>
-        <p:nvSpPr>
-          <p:cNvPr id="3" name="Picture Placeholder 2"/>
-          <p:cNvSpPr>
-            <a:spLocks noGrp="1"/>
-          </p:cNvSpPr>
-          <p:nvPr>
-            <p:ph type="pic" idx="1"/>
-          </p:nvPr>
-        </p:nvSpPr>
-        <p:spPr>
-          <a:xfrm>
-            <a:off x="1792288" y="612775"/>
-            <a:ext cx="5486400" cy="4114800"/>
-          </a:xfrm>
-        </p:spPr>
-        <p:txBody>
-          <a:bodyPr/>
-          <a:lstStyle>
-            <a:lvl1pPr marL="0" indent="0">
-              <a:buNone/>
-              <a:defRPr sz="3200"/>
-            </a:lvl1pPr>
-            <a:lvl2pPr marL="457200" indent="0">
-              <a:buNone/>
-              <a:defRPr sz="2800"/>
-            </a:lvl2pPr>
-            <a:lvl3pPr marL="914400" indent="0">
-              <a:buNone/>
-              <a:defRPr sz="2400"/>
-            </a:lvl3pPr>
-            <a:lvl4pPr marL="1371600" indent="0">
-              <a:buNone/>
-              <a:defRPr sz="2000"/>
-            </a:lvl4pPr>
-            <a:lvl5pPr marL="1828800" indent="0">
-              <a:buNone/>
-              <a:defRPr sz="2000"/>
-            </a:lvl5pPr>
-            <a:lvl6pPr marL="2286000" indent="0">
-              <a:buNone/>
-              <a:defRPr sz="2000"/>
-            </a:lvl6pPr>
-            <a:lvl7pPr marL="2743200" indent="0">
-              <a:buNone/>
-              <a:defRPr sz="2000"/>
-            </a:lvl7pPr>
-            <a:lvl8pPr marL="3200400" indent="0">
-              <a:buNone/>
-              <a:defRPr sz="2000"/>
-            </a:lvl8pPr>
-            <a:lvl9pPr marL="3657600" indent="0">
-              <a:buNone/>
-              <a:defRPr sz="2000"/>
-            </a:lvl9pPr>
-          </a:lstStyle>
-          <a:p>
-            <a:endParaRPr lang="en-US"/>
-          </a:p>
-        </p:txBody>
-      </p:sp>
-      <p:sp>
-        <p:nvSpPr>
-          <p:cNvPr id="4" name="Text Placeholder 3"/>
-          <p:cNvSpPr>
-            <a:spLocks noGrp="1"/>
-          </p:cNvSpPr>
-          <p:nvPr>
-            <p:ph type="body" sz="half" idx="2"/>
-          </p:nvPr>
-        </p:nvSpPr>
-        <p:spPr>
-          <a:xfrm>
-            <a:off x="1792288" y="5367338"/>
-            <a:ext cx="5486400" cy="804862"/>
-          </a:xfrm>
-        </p:spPr>
-        <p:txBody>
-          <a:bodyPr/>
-          <a:lstStyle>
-            <a:lvl1pPr marL="0" indent="0">
-              <a:buNone/>
-              <a:defRPr sz="1400"/>
-            </a:lvl1pPr>
-            <a:lvl2pPr marL="457200" indent="0">
-              <a:buNone/>
-              <a:defRPr sz="1200"/>
-            </a:lvl2pPr>
-            <a:lvl3pPr marL="914400" indent="0">
-              <a:buNone/>
-              <a:defRPr sz="1000"/>
-            </a:lvl3pPr>
-            <a:lvl4pPr marL="1371600" indent="0">
-              <a:buNone/>
-              <a:defRPr sz="900"/>
-            </a:lvl4pPr>
-            <a:lvl5pPr marL="1828800" indent="0">
-              <a:buNone/>
-              <a:defRPr sz="900"/>
-            </a:lvl5pPr>
-            <a:lvl6pPr marL="2286000" indent="0">
-              <a:buNone/>
-              <a:defRPr sz="900"/>
-            </a:lvl6pPr>
-            <a:lvl7pPr marL="2743200" indent="0">
-              <a:buNone/>
-              <a:defRPr sz="900"/>
-            </a:lvl7pPr>
-            <a:lvl8pPr marL="3200400" indent="0">
-              <a:buNone/>
-              <a:defRPr sz="900"/>
-            </a:lvl8pPr>
-            <a:lvl9pPr marL="3657600" indent="0">
-              <a:buNone/>
-              <a:defRPr sz="900"/>
-            </a:lvl9pPr>
-          </a:lstStyle>
-          <a:p>
-            <a:pPr lvl="0"/>
-            <a:r>
-              <a:rPr lang="en-US" smtClean="0"/>
-              <a:t>Click to edit Master text styles</a:t>
-            </a:r>
-          </a:p>
-        </p:txBody>
-      </p:sp>
-      <p:sp>
-        <p:nvSpPr>
-          <p:cNvPr id="5" name="Date Placeholder 4"/>
-          <p:cNvSpPr>
-            <a:spLocks noGrp="1"/>
-          </p:cNvSpPr>
-          <p:nvPr>
-            <p:ph type="dt" sz="half" idx="10"/>
-          </p:nvPr>
-        </p:nvSpPr>
-        <p:spPr/>
-        <p:txBody>
-          <a:bodyPr/>
-          <a:lstStyle/>
-          <a:p>
-            <a:fld id="{678577BD-1F2F-4A43-85B9-1805CBCE89E2}" type="datetimeFigureOut">
-              <a:rPr lang="en-US" smtClean="0"/>
-              <a:t>2/15/2018</a:t>
-            </a:fld>
-            <a:endParaRPr lang="en-US"/>
-          </a:p>
-        </p:txBody>
-      </p:sp>
-      <p:sp>
-        <p:nvSpPr>
-          <p:cNvPr id="6" name="Footer Placeholder 5"/>
-          <p:cNvSpPr>
-            <a:spLocks noGrp="1"/>
-          </p:cNvSpPr>
-          <p:nvPr>
-            <p:ph type="ftr" sz="quarter" idx="11"/>
-          </p:nvPr>
-        </p:nvSpPr>
-        <p:spPr/>
-        <p:txBody>
-          <a:bodyPr/>
-          <a:lstStyle/>
-          <a:p>
-            <a:endParaRPr lang="en-US"/>
-          </a:p>
-        </p:txBody>
-      </p:sp>
-      <p:sp>
-        <p:nvSpPr>
-          <p:cNvPr id="7" name="Slide Number Placeholder 6"/>
-          <p:cNvSpPr>
-            <a:spLocks noGrp="1"/>
-          </p:cNvSpPr>
-          <p:nvPr>
-            <p:ph type="sldNum" sz="quarter" idx="12"/>
-          </p:nvPr>
-        </p:nvSpPr>
-        <p:spPr/>
-        <p:txBody>
-          <a:bodyPr/>
-          <a:lstStyle/>
-          <a:p>
-            <a:fld id="{4CBFCD2A-2603-42ED-B016-630ECA9A0BFA}" type="slidenum">
-              <a:rPr lang="en-US" smtClean="0"/>
-              <a:t>‹#›</a:t>
-            </a:fld>
-            <a:endParaRPr lang="en-US"/>
-          </a:p>
-        </p:txBody>
-      </p:sp>
-    </p:spTree>
-  </p:cSld>
-  <p:clrMapOvr>
-    <a:masterClrMapping/>
-  </p:clrMapOvr>
-</p:sldLayout>
-</file>
-
-<file path=ppt/slideMasters/slideMaster1.xml><?xml version="1.0" encoding="utf-8"?>
-<p:sldMaster xmlns:a="http://schemas.openxmlformats.org/drawingml/2006/main" xmlns:r="http://schemas.openxmlformats.org/officeDocument/2006/relationships" xmlns:p="http://schemas.openxmlformats.org/presentationml/2006/main">
-  <p:cSld>
     <p:bg>
       <p:bgRef idx="1001">
-        <a:schemeClr val="bg1"/>
+        <a:schemeClr val="bg2"/>
       </p:bgRef>
     </p:bg>
     <p:spTree>
@@ -2537,130 +2413,536 @@
       </p:grpSpPr>
       <p:sp>
         <p:nvSpPr>
-          <p:cNvPr id="2" name="Title Placeholder 1"/>
-          <p:cNvSpPr>
-            <a:spLocks noGrp="1"/>
-          </p:cNvSpPr>
-          <p:nvPr>
-            <p:ph type="title"/>
-          </p:nvPr>
-        </p:nvSpPr>
-        <p:spPr>
-          <a:xfrm>
-            <a:off x="457200" y="274638"/>
-            <a:ext cx="8229600" cy="1143000"/>
+          <p:cNvPr id="8" name="Rectangle 7"/>
+          <p:cNvSpPr/>
+          <p:nvPr/>
+        </p:nvSpPr>
+        <p:spPr>
+          <a:xfrm>
+            <a:off x="5057552" y="1057656"/>
+            <a:ext cx="3749040" cy="9144"/>
           </a:xfrm>
           <a:prstGeom prst="rect">
             <a:avLst/>
           </a:prstGeom>
-        </p:spPr>
-        <p:txBody>
-          <a:bodyPr vert="horz" lIns="91440" tIns="45720" rIns="91440" bIns="45720" rtlCol="0" anchor="ctr">
-            <a:normAutofit/>
-          </a:bodyPr>
-          <a:lstStyle/>
-          <a:p>
-            <a:r>
-              <a:rPr lang="en-US" smtClean="0"/>
+          <a:solidFill>
+            <a:schemeClr val="accent1"/>
+          </a:solidFill>
+          <a:ln w="38100" cap="rnd" cmpd="sng" algn="ctr">
+            <a:noFill/>
+            <a:prstDash val="solid"/>
+          </a:ln>
+          <a:effectLst>
+            <a:outerShdw blurRad="12700" dist="12900" dir="5400000" algn="tl" rotWithShape="0">
+              <a:srgbClr val="000000">
+                <a:alpha val="75000"/>
+              </a:srgbClr>
+            </a:outerShdw>
+          </a:effectLst>
+        </p:spPr>
+        <p:style>
+          <a:lnRef idx="3">
+            <a:schemeClr val="lt1"/>
+          </a:lnRef>
+          <a:fillRef idx="1">
+            <a:schemeClr val="accent1"/>
+          </a:fillRef>
+          <a:effectRef idx="1">
+            <a:schemeClr val="accent1"/>
+          </a:effectRef>
+          <a:fontRef idx="minor">
+            <a:schemeClr val="lt1"/>
+          </a:fontRef>
+        </p:style>
+        <p:txBody>
+          <a:bodyPr anchor="ctr"/>
+          <a:lstStyle>
+            <a:extLst/>
+          </a:lstStyle>
+          <a:p>
+            <a:pPr algn="ctr" eaLnBrk="1" latinLnBrk="0" hangingPunct="1"/>
+            <a:endParaRPr kumimoji="0" lang="en-US"/>
+          </a:p>
+        </p:txBody>
+      </p:sp>
+      <p:sp>
+        <p:nvSpPr>
+          <p:cNvPr id="2" name="Title 1"/>
+          <p:cNvSpPr>
+            <a:spLocks noGrp="1"/>
+          </p:cNvSpPr>
+          <p:nvPr>
+            <p:ph type="title"/>
+          </p:nvPr>
+        </p:nvSpPr>
+        <p:spPr>
+          <a:xfrm>
+            <a:off x="4963136" y="304800"/>
+            <a:ext cx="3931920" cy="762000"/>
+          </a:xfrm>
+        </p:spPr>
+        <p:txBody>
+          <a:bodyPr anchor="b"/>
+          <a:lstStyle>
+            <a:lvl1pPr marL="0" algn="r">
+              <a:buNone/>
+              <a:defRPr sz="2000" b="1"/>
+            </a:lvl1pPr>
+            <a:extLst/>
+          </a:lstStyle>
+          <a:p>
+            <a:r>
+              <a:rPr kumimoji="0" lang="en-US" smtClean="0"/>
               <a:t>Click to edit Master title style</a:t>
             </a:r>
+            <a:endParaRPr kumimoji="0" lang="en-US"/>
+          </a:p>
+        </p:txBody>
+      </p:sp>
+      <p:sp>
+        <p:nvSpPr>
+          <p:cNvPr id="3" name="Text Placeholder 2"/>
+          <p:cNvSpPr>
+            <a:spLocks noGrp="1"/>
+          </p:cNvSpPr>
+          <p:nvPr>
+            <p:ph type="body" idx="2"/>
+          </p:nvPr>
+        </p:nvSpPr>
+        <p:spPr>
+          <a:xfrm>
+            <a:off x="4963136" y="1107560"/>
+            <a:ext cx="3931920" cy="1066800"/>
+          </a:xfrm>
+        </p:spPr>
+        <p:txBody>
+          <a:bodyPr/>
+          <a:lstStyle>
+            <a:lvl1pPr marL="0" indent="0" algn="r">
+              <a:spcBef>
+                <a:spcPts val="0"/>
+              </a:spcBef>
+              <a:buNone/>
+              <a:defRPr sz="1400"/>
+            </a:lvl1pPr>
+            <a:lvl2pPr>
+              <a:buNone/>
+              <a:defRPr sz="1200"/>
+            </a:lvl2pPr>
+            <a:lvl3pPr>
+              <a:buNone/>
+              <a:defRPr sz="1000"/>
+            </a:lvl3pPr>
+            <a:lvl4pPr>
+              <a:buNone/>
+              <a:defRPr sz="900"/>
+            </a:lvl4pPr>
+            <a:lvl5pPr>
+              <a:buNone/>
+              <a:defRPr sz="900"/>
+            </a:lvl5pPr>
+            <a:extLst/>
+          </a:lstStyle>
+          <a:p>
+            <a:pPr lvl="0" eaLnBrk="1" latinLnBrk="0" hangingPunct="1"/>
+            <a:r>
+              <a:rPr kumimoji="0" lang="en-US" smtClean="0"/>
+              <a:t>Click to edit Master text styles</a:t>
+            </a:r>
+          </a:p>
+        </p:txBody>
+      </p:sp>
+      <p:sp>
+        <p:nvSpPr>
+          <p:cNvPr id="4" name="Content Placeholder 3"/>
+          <p:cNvSpPr>
+            <a:spLocks noGrp="1"/>
+          </p:cNvSpPr>
+          <p:nvPr>
+            <p:ph sz="half" idx="1"/>
+          </p:nvPr>
+        </p:nvSpPr>
+        <p:spPr>
+          <a:xfrm>
+            <a:off x="228600" y="2209800"/>
+            <a:ext cx="8666456" cy="3977640"/>
+          </a:xfrm>
+        </p:spPr>
+        <p:txBody>
+          <a:bodyPr/>
+          <a:lstStyle>
+            <a:lvl1pPr marL="292608">
+              <a:defRPr sz="3200"/>
+            </a:lvl1pPr>
+            <a:lvl2pPr marL="594360">
+              <a:defRPr sz="2800"/>
+            </a:lvl2pPr>
+            <a:lvl3pPr marL="822960">
+              <a:defRPr sz="2400"/>
+            </a:lvl3pPr>
+            <a:lvl4pPr marL="1051560">
+              <a:defRPr sz="2000"/>
+            </a:lvl4pPr>
+            <a:lvl5pPr marL="1261872">
+              <a:defRPr sz="2000"/>
+            </a:lvl5pPr>
+            <a:extLst/>
+          </a:lstStyle>
+          <a:p>
+            <a:pPr lvl="0" eaLnBrk="1" latinLnBrk="0" hangingPunct="1"/>
+            <a:r>
+              <a:rPr lang="en-US" smtClean="0"/>
+              <a:t>Click to edit Master text styles</a:t>
+            </a:r>
+          </a:p>
+          <a:p>
+            <a:pPr lvl="1" eaLnBrk="1" latinLnBrk="0" hangingPunct="1"/>
+            <a:r>
+              <a:rPr lang="en-US" smtClean="0"/>
+              <a:t>Second level</a:t>
+            </a:r>
+          </a:p>
+          <a:p>
+            <a:pPr lvl="2" eaLnBrk="1" latinLnBrk="0" hangingPunct="1"/>
+            <a:r>
+              <a:rPr lang="en-US" smtClean="0"/>
+              <a:t>Third level</a:t>
+            </a:r>
+          </a:p>
+          <a:p>
+            <a:pPr lvl="3" eaLnBrk="1" latinLnBrk="0" hangingPunct="1"/>
+            <a:r>
+              <a:rPr lang="en-US" smtClean="0"/>
+              <a:t>Fourth level</a:t>
+            </a:r>
+          </a:p>
+          <a:p>
+            <a:pPr lvl="4" eaLnBrk="1" latinLnBrk="0" hangingPunct="1"/>
+            <a:r>
+              <a:rPr lang="en-US" smtClean="0"/>
+              <a:t>Fifth level</a:t>
+            </a:r>
+            <a:endParaRPr kumimoji="0" lang="en-US"/>
+          </a:p>
+        </p:txBody>
+      </p:sp>
+      <p:sp>
+        <p:nvSpPr>
+          <p:cNvPr id="9" name="Date Placeholder 8"/>
+          <p:cNvSpPr>
+            <a:spLocks noGrp="1"/>
+          </p:cNvSpPr>
+          <p:nvPr>
+            <p:ph type="dt" sz="half" idx="10"/>
+          </p:nvPr>
+        </p:nvSpPr>
+        <p:spPr>
+          <a:xfrm>
+            <a:off x="5562600" y="6513670"/>
+            <a:ext cx="3002280" cy="274320"/>
+          </a:xfrm>
+        </p:spPr>
+        <p:txBody>
+          <a:bodyPr vert="horz" rtlCol="0"/>
+          <a:lstStyle>
+            <a:extLst/>
+          </a:lstStyle>
+          <a:p>
+            <a:fld id="{678577BD-1F2F-4A43-85B9-1805CBCE89E2}" type="datetimeFigureOut">
+              <a:rPr lang="en-US" smtClean="0"/>
+              <a:t>2/15/2018</a:t>
+            </a:fld>
             <a:endParaRPr lang="en-US"/>
           </a:p>
         </p:txBody>
       </p:sp>
       <p:sp>
         <p:nvSpPr>
-          <p:cNvPr id="3" name="Text Placeholder 2"/>
-          <p:cNvSpPr>
-            <a:spLocks noGrp="1"/>
-          </p:cNvSpPr>
-          <p:nvPr>
-            <p:ph type="body" idx="1"/>
-          </p:nvPr>
-        </p:nvSpPr>
-        <p:spPr>
-          <a:xfrm>
-            <a:off x="457200" y="1600200"/>
-            <a:ext cx="8229600" cy="4525963"/>
-          </a:xfrm>
-          <a:prstGeom prst="rect">
-            <a:avLst/>
-          </a:prstGeom>
-        </p:spPr>
-        <p:txBody>
-          <a:bodyPr vert="horz" lIns="91440" tIns="45720" rIns="91440" bIns="45720" rtlCol="0">
-            <a:normAutofit/>
-          </a:bodyPr>
-          <a:lstStyle/>
-          <a:p>
-            <a:pPr lvl="0"/>
-            <a:r>
-              <a:rPr lang="en-US" smtClean="0"/>
-              <a:t>Click to edit Master text styles</a:t>
-            </a:r>
-          </a:p>
-          <a:p>
-            <a:pPr lvl="1"/>
-            <a:r>
-              <a:rPr lang="en-US" smtClean="0"/>
-              <a:t>Second level</a:t>
-            </a:r>
-          </a:p>
-          <a:p>
-            <a:pPr lvl="2"/>
-            <a:r>
-              <a:rPr lang="en-US" smtClean="0"/>
-              <a:t>Third level</a:t>
-            </a:r>
-          </a:p>
-          <a:p>
-            <a:pPr lvl="3"/>
-            <a:r>
-              <a:rPr lang="en-US" smtClean="0"/>
-              <a:t>Fourth level</a:t>
-            </a:r>
-          </a:p>
-          <a:p>
-            <a:pPr lvl="4"/>
-            <a:r>
-              <a:rPr lang="en-US" smtClean="0"/>
-              <a:t>Fifth level</a:t>
-            </a:r>
-            <a:endParaRPr lang="en-US"/>
-          </a:p>
-        </p:txBody>
-      </p:sp>
-      <p:sp>
-        <p:nvSpPr>
-          <p:cNvPr id="4" name="Date Placeholder 3"/>
-          <p:cNvSpPr>
-            <a:spLocks noGrp="1"/>
-          </p:cNvSpPr>
-          <p:nvPr>
-            <p:ph type="dt" sz="half" idx="2"/>
-          </p:nvPr>
-        </p:nvSpPr>
-        <p:spPr>
-          <a:xfrm>
-            <a:off x="457200" y="6356350"/>
-            <a:ext cx="2133600" cy="365125"/>
-          </a:xfrm>
-          <a:prstGeom prst="rect">
-            <a:avLst/>
-          </a:prstGeom>
-        </p:spPr>
-        <p:txBody>
-          <a:bodyPr vert="horz" lIns="91440" tIns="45720" rIns="91440" bIns="45720" rtlCol="0" anchor="ctr"/>
-          <a:lstStyle>
-            <a:lvl1pPr algn="l">
-              <a:defRPr sz="1200">
+          <p:cNvPr id="10" name="Slide Number Placeholder 9"/>
+          <p:cNvSpPr>
+            <a:spLocks noGrp="1"/>
+          </p:cNvSpPr>
+          <p:nvPr>
+            <p:ph type="sldNum" sz="quarter" idx="11"/>
+          </p:nvPr>
+        </p:nvSpPr>
+        <p:spPr>
+          <a:xfrm>
+            <a:off x="8638952" y="6513670"/>
+            <a:ext cx="464288" cy="274320"/>
+          </a:xfrm>
+        </p:spPr>
+        <p:txBody>
+          <a:bodyPr vert="horz" rtlCol="0"/>
+          <a:lstStyle>
+            <a:lvl1pPr>
+              <a:defRPr>
                 <a:solidFill>
-                  <a:schemeClr val="tx1">
-                    <a:tint val="75000"/>
+                  <a:schemeClr val="tx2">
+                    <a:shade val="90000"/>
                   </a:schemeClr>
                 </a:solidFill>
               </a:defRPr>
             </a:lvl1pPr>
+            <a:extLst/>
+          </a:lstStyle>
+          <a:p>
+            <a:fld id="{4CBFCD2A-2603-42ED-B016-630ECA9A0BFA}" type="slidenum">
+              <a:rPr lang="en-US" smtClean="0"/>
+              <a:t>‹#›</a:t>
+            </a:fld>
+            <a:endParaRPr lang="en-US"/>
+          </a:p>
+        </p:txBody>
+      </p:sp>
+      <p:sp>
+        <p:nvSpPr>
+          <p:cNvPr id="11" name="Footer Placeholder 10"/>
+          <p:cNvSpPr>
+            <a:spLocks noGrp="1"/>
+          </p:cNvSpPr>
+          <p:nvPr>
+            <p:ph type="ftr" sz="quarter" idx="12"/>
+          </p:nvPr>
+        </p:nvSpPr>
+        <p:spPr>
+          <a:xfrm>
+            <a:off x="1600200" y="6513670"/>
+            <a:ext cx="3907464" cy="274320"/>
+          </a:xfrm>
+        </p:spPr>
+        <p:txBody>
+          <a:bodyPr vert="horz" rtlCol="0"/>
+          <a:lstStyle>
+            <a:extLst/>
+          </a:lstStyle>
+          <a:p>
+            <a:endParaRPr lang="en-US"/>
+          </a:p>
+        </p:txBody>
+      </p:sp>
+    </p:spTree>
+  </p:cSld>
+  <p:clrMapOvr>
+    <a:overrideClrMapping bg1="dk1" tx1="lt1" bg2="dk2" tx2="lt2" accent1="accent1" accent2="accent2" accent3="accent3" accent4="accent4" accent5="accent5" accent6="accent6" hlink="hlink" folHlink="folHlink"/>
+  </p:clrMapOvr>
+</p:sldLayout>
+</file>
+
+<file path=ppt/slideLayouts/slideLayout9.xml><?xml version="1.0" encoding="utf-8"?>
+<p:sldLayout xmlns:a="http://schemas.openxmlformats.org/drawingml/2006/main" xmlns:r="http://schemas.openxmlformats.org/officeDocument/2006/relationships" xmlns:p="http://schemas.openxmlformats.org/presentationml/2006/main" showMasterSp="0" type="picTx" preserve="1">
+  <p:cSld name="Picture with Caption">
+    <p:spTree>
+      <p:nvGrpSpPr>
+        <p:cNvPr id="1" name=""/>
+        <p:cNvGrpSpPr/>
+        <p:nvPr/>
+      </p:nvGrpSpPr>
+      <p:grpSpPr>
+        <a:xfrm>
+          <a:off x="0" y="0"/>
+          <a:ext cx="0" cy="0"/>
+          <a:chOff x="0" y="0"/>
+          <a:chExt cx="0" cy="0"/>
+        </a:xfrm>
+      </p:grpSpPr>
+      <p:sp>
+        <p:nvSpPr>
+          <p:cNvPr id="2" name="Title 1"/>
+          <p:cNvSpPr>
+            <a:spLocks noGrp="1"/>
+          </p:cNvSpPr>
+          <p:nvPr>
+            <p:ph type="title"/>
+          </p:nvPr>
+        </p:nvSpPr>
+        <p:spPr>
+          <a:xfrm>
+            <a:off x="3040443" y="4724400"/>
+            <a:ext cx="5486400" cy="664536"/>
+          </a:xfrm>
+        </p:spPr>
+        <p:txBody>
+          <a:bodyPr anchor="b"/>
+          <a:lstStyle>
+            <a:lvl1pPr marL="0" algn="r">
+              <a:buNone/>
+              <a:defRPr sz="2000" b="1"/>
+            </a:lvl1pPr>
+            <a:extLst/>
+          </a:lstStyle>
+          <a:p>
+            <a:r>
+              <a:rPr kumimoji="0" lang="en-US" smtClean="0"/>
+              <a:t>Click to edit Master title style</a:t>
+            </a:r>
+            <a:endParaRPr kumimoji="0" lang="en-US"/>
+          </a:p>
+        </p:txBody>
+      </p:sp>
+      <p:sp>
+        <p:nvSpPr>
+          <p:cNvPr id="4" name="Text Placeholder 3"/>
+          <p:cNvSpPr>
+            <a:spLocks noGrp="1"/>
+          </p:cNvSpPr>
+          <p:nvPr>
+            <p:ph type="body" sz="half" idx="2"/>
+          </p:nvPr>
+        </p:nvSpPr>
+        <p:spPr>
+          <a:xfrm>
+            <a:off x="3040443" y="5388936"/>
+            <a:ext cx="5486400" cy="912255"/>
+          </a:xfrm>
+        </p:spPr>
+        <p:txBody>
+          <a:bodyPr/>
+          <a:lstStyle>
+            <a:lvl1pPr marL="0" indent="0" algn="r">
+              <a:spcBef>
+                <a:spcPts val="0"/>
+              </a:spcBef>
+              <a:buNone/>
+              <a:defRPr sz="1400"/>
+            </a:lvl1pPr>
+            <a:lvl2pPr>
+              <a:defRPr sz="1200"/>
+            </a:lvl2pPr>
+            <a:lvl3pPr>
+              <a:defRPr sz="1000"/>
+            </a:lvl3pPr>
+            <a:lvl4pPr>
+              <a:defRPr sz="900"/>
+            </a:lvl4pPr>
+            <a:lvl5pPr>
+              <a:defRPr sz="900"/>
+            </a:lvl5pPr>
+            <a:extLst/>
+          </a:lstStyle>
+          <a:p>
+            <a:pPr lvl="0" eaLnBrk="1" latinLnBrk="0" hangingPunct="1"/>
+            <a:r>
+              <a:rPr kumimoji="0" lang="en-US" smtClean="0"/>
+              <a:t>Click to edit Master text styles</a:t>
+            </a:r>
+          </a:p>
+        </p:txBody>
+      </p:sp>
+      <p:sp>
+        <p:nvSpPr>
+          <p:cNvPr id="13" name="Picture Placeholder 12"/>
+          <p:cNvSpPr>
+            <a:spLocks noGrp="1"/>
+          </p:cNvSpPr>
+          <p:nvPr>
+            <p:ph type="pic" idx="1"/>
+          </p:nvPr>
+        </p:nvSpPr>
+        <p:spPr>
+          <a:xfrm>
+            <a:off x="304800" y="249864"/>
+            <a:ext cx="8534400" cy="4343400"/>
+          </a:xfrm>
+          <a:prstGeom prst="round2DiagRect">
+            <a:avLst>
+              <a:gd name="adj1" fmla="val 11403"/>
+              <a:gd name="adj2" fmla="val 0"/>
+            </a:avLst>
+          </a:prstGeom>
+          <a:solidFill>
+            <a:schemeClr val="bg2">
+              <a:tint val="85000"/>
+              <a:shade val="90000"/>
+              <a:satMod val="150000"/>
+              <a:alpha val="65000"/>
+            </a:schemeClr>
+          </a:solidFill>
+          <a:ln w="11000" cap="rnd" cmpd="sng" algn="ctr">
+            <a:solidFill>
+              <a:schemeClr val="bg2">
+                <a:tint val="78000"/>
+                <a:satMod val="180000"/>
+                <a:alpha val="88000"/>
+              </a:schemeClr>
+            </a:solidFill>
+            <a:prstDash val="solid"/>
+          </a:ln>
+          <a:effectLst>
+            <a:innerShdw blurRad="114300">
+              <a:srgbClr val="000000">
+                <a:alpha val="100000"/>
+              </a:srgbClr>
+            </a:innerShdw>
+          </a:effectLst>
+        </p:spPr>
+        <p:style>
+          <a:lnRef idx="3">
+            <a:schemeClr val="lt1"/>
+          </a:lnRef>
+          <a:fillRef idx="1">
+            <a:schemeClr val="accent1"/>
+          </a:fillRef>
+          <a:effectRef idx="1">
+            <a:schemeClr val="accent1"/>
+          </a:effectRef>
+          <a:fontRef idx="minor">
+            <a:schemeClr val="lt1"/>
+          </a:fontRef>
+        </p:style>
+        <p:txBody>
+          <a:bodyPr anchor="t"/>
+          <a:lstStyle>
+            <a:lvl1pPr indent="0">
+              <a:buNone/>
+              <a:defRPr sz="3200"/>
+            </a:lvl1pPr>
+            <a:extLst/>
+          </a:lstStyle>
+          <a:p>
+            <a:pPr marL="0" algn="l" rtl="0" eaLnBrk="1" latinLnBrk="0" hangingPunct="1"/>
+            <a:r>
+              <a:rPr kumimoji="0" lang="en-US" smtClean="0">
+                <a:solidFill>
+                  <a:schemeClr val="lt1"/>
+                </a:solidFill>
+                <a:latin typeface="+mn-lt"/>
+                <a:ea typeface="+mn-ea"/>
+                <a:cs typeface="+mn-cs"/>
+              </a:rPr>
+              <a:t>Click icon to add picture</a:t>
+            </a:r>
+            <a:endParaRPr kumimoji="0" lang="en-US" dirty="0">
+              <a:solidFill>
+                <a:schemeClr val="lt1"/>
+              </a:solidFill>
+              <a:latin typeface="+mn-lt"/>
+              <a:ea typeface="+mn-ea"/>
+              <a:cs typeface="+mn-cs"/>
+            </a:endParaRPr>
+          </a:p>
+        </p:txBody>
+      </p:sp>
+      <p:sp>
+        <p:nvSpPr>
+          <p:cNvPr id="8" name="Date Placeholder 7"/>
+          <p:cNvSpPr>
+            <a:spLocks noGrp="1"/>
+          </p:cNvSpPr>
+          <p:nvPr>
+            <p:ph type="dt" sz="half" idx="10"/>
+          </p:nvPr>
+        </p:nvSpPr>
+        <p:spPr>
+          <a:xfrm>
+            <a:off x="5562600" y="6509004"/>
+            <a:ext cx="3002280" cy="274320"/>
+          </a:xfrm>
+        </p:spPr>
+        <p:txBody>
+          <a:bodyPr vert="horz" rtlCol="0"/>
+          <a:lstStyle>
+            <a:extLst/>
           </a:lstStyle>
           <a:p>
             <a:fld id="{678577BD-1F2F-4A43-85B9-1805CBCE89E2}" type="datetimeFigureOut">
@@ -2673,72 +2955,282 @@
       </p:sp>
       <p:sp>
         <p:nvSpPr>
-          <p:cNvPr id="5" name="Footer Placeholder 4"/>
-          <p:cNvSpPr>
-            <a:spLocks noGrp="1"/>
-          </p:cNvSpPr>
-          <p:nvPr>
-            <p:ph type="ftr" sz="quarter" idx="3"/>
-          </p:nvPr>
-        </p:nvSpPr>
-        <p:spPr>
-          <a:xfrm>
-            <a:off x="3124200" y="6356350"/>
-            <a:ext cx="2895600" cy="365125"/>
-          </a:xfrm>
-          <a:prstGeom prst="rect">
-            <a:avLst/>
-          </a:prstGeom>
-        </p:spPr>
-        <p:txBody>
-          <a:bodyPr vert="horz" lIns="91440" tIns="45720" rIns="91440" bIns="45720" rtlCol="0" anchor="ctr"/>
-          <a:lstStyle>
-            <a:lvl1pPr algn="ctr">
-              <a:defRPr sz="1200">
+          <p:cNvPr id="9" name="Slide Number Placeholder 8"/>
+          <p:cNvSpPr>
+            <a:spLocks noGrp="1"/>
+          </p:cNvSpPr>
+          <p:nvPr>
+            <p:ph type="sldNum" sz="quarter" idx="11"/>
+          </p:nvPr>
+        </p:nvSpPr>
+        <p:spPr>
+          <a:xfrm>
+            <a:off x="8638952" y="6509004"/>
+            <a:ext cx="464288" cy="274320"/>
+          </a:xfrm>
+        </p:spPr>
+        <p:txBody>
+          <a:bodyPr vert="horz" rtlCol="0"/>
+          <a:lstStyle>
+            <a:lvl1pPr>
+              <a:defRPr>
                 <a:solidFill>
-                  <a:schemeClr val="tx1">
-                    <a:tint val="75000"/>
+                  <a:schemeClr val="tx2">
+                    <a:shade val="90000"/>
                   </a:schemeClr>
                 </a:solidFill>
               </a:defRPr>
             </a:lvl1pPr>
-          </a:lstStyle>
-          <a:p>
+            <a:extLst/>
+          </a:lstStyle>
+          <a:p>
+            <a:fld id="{4CBFCD2A-2603-42ED-B016-630ECA9A0BFA}" type="slidenum">
+              <a:rPr lang="en-US" smtClean="0"/>
+              <a:t>‹#›</a:t>
+            </a:fld>
             <a:endParaRPr lang="en-US"/>
           </a:p>
         </p:txBody>
       </p:sp>
       <p:sp>
         <p:nvSpPr>
-          <p:cNvPr id="6" name="Slide Number Placeholder 5"/>
-          <p:cNvSpPr>
-            <a:spLocks noGrp="1"/>
-          </p:cNvSpPr>
-          <p:nvPr>
-            <p:ph type="sldNum" sz="quarter" idx="4"/>
-          </p:nvPr>
-        </p:nvSpPr>
-        <p:spPr>
-          <a:xfrm>
-            <a:off x="6553200" y="6356350"/>
-            <a:ext cx="2133600" cy="365125"/>
+          <p:cNvPr id="10" name="Footer Placeholder 9"/>
+          <p:cNvSpPr>
+            <a:spLocks noGrp="1"/>
+          </p:cNvSpPr>
+          <p:nvPr>
+            <p:ph type="ftr" sz="quarter" idx="12"/>
+          </p:nvPr>
+        </p:nvSpPr>
+        <p:spPr>
+          <a:xfrm>
+            <a:off x="1600200" y="6509004"/>
+            <a:ext cx="3907464" cy="274320"/>
+          </a:xfrm>
+        </p:spPr>
+        <p:txBody>
+          <a:bodyPr vert="horz" rtlCol="0"/>
+          <a:lstStyle>
+            <a:extLst/>
+          </a:lstStyle>
+          <a:p>
+            <a:endParaRPr lang="en-US"/>
+          </a:p>
+        </p:txBody>
+      </p:sp>
+    </p:spTree>
+  </p:cSld>
+  <p:clrMapOvr>
+    <a:masterClrMapping/>
+  </p:clrMapOvr>
+</p:sldLayout>
+</file>
+
+<file path=ppt/slideMasters/slideMaster1.xml><?xml version="1.0" encoding="utf-8"?>
+<p:sldMaster xmlns:a="http://schemas.openxmlformats.org/drawingml/2006/main" xmlns:r="http://schemas.openxmlformats.org/officeDocument/2006/relationships" xmlns:p="http://schemas.openxmlformats.org/presentationml/2006/main">
+  <p:cSld>
+    <p:bg>
+      <p:bgRef idx="1003">
+        <a:schemeClr val="bg2"/>
+      </p:bgRef>
+    </p:bg>
+    <p:spTree>
+      <p:nvGrpSpPr>
+        <p:cNvPr id="1" name=""/>
+        <p:cNvGrpSpPr/>
+        <p:nvPr/>
+      </p:nvGrpSpPr>
+      <p:grpSpPr>
+        <a:xfrm>
+          <a:off x="0" y="0"/>
+          <a:ext cx="0" cy="0"/>
+          <a:chOff x="0" y="0"/>
+          <a:chExt cx="0" cy="0"/>
+        </a:xfrm>
+      </p:grpSpPr>
+      <p:sp>
+        <p:nvSpPr>
+          <p:cNvPr id="7" name="Round Diagonal Corner Rectangle 6"/>
+          <p:cNvSpPr/>
+          <p:nvPr/>
+        </p:nvSpPr>
+        <p:spPr>
+          <a:xfrm>
+            <a:off x="164592" y="147085"/>
+            <a:ext cx="8810846" cy="6565392"/>
+          </a:xfrm>
+          <a:prstGeom prst="round2DiagRect">
+            <a:avLst>
+              <a:gd name="adj1" fmla="val 11807"/>
+              <a:gd name="adj2" fmla="val 0"/>
+            </a:avLst>
+          </a:prstGeom>
+          <a:solidFill>
+            <a:schemeClr val="bg2">
+              <a:tint val="85000"/>
+              <a:shade val="90000"/>
+              <a:satMod val="150000"/>
+              <a:alpha val="65000"/>
+            </a:schemeClr>
+          </a:solidFill>
+          <a:ln w="11000" cap="rnd" cmpd="sng" algn="ctr">
+            <a:solidFill>
+              <a:schemeClr val="bg2">
+                <a:tint val="78000"/>
+                <a:satMod val="180000"/>
+                <a:alpha val="88000"/>
+              </a:schemeClr>
+            </a:solidFill>
+            <a:prstDash val="solid"/>
+          </a:ln>
+          <a:effectLst>
+            <a:innerShdw blurRad="114300">
+              <a:srgbClr val="000000">
+                <a:alpha val="100000"/>
+              </a:srgbClr>
+            </a:innerShdw>
+          </a:effectLst>
+        </p:spPr>
+        <p:style>
+          <a:lnRef idx="3">
+            <a:schemeClr val="lt1"/>
+          </a:lnRef>
+          <a:fillRef idx="1">
+            <a:schemeClr val="accent1"/>
+          </a:fillRef>
+          <a:effectRef idx="1">
+            <a:schemeClr val="accent1"/>
+          </a:effectRef>
+          <a:fontRef idx="minor">
+            <a:schemeClr val="lt1"/>
+          </a:fontRef>
+        </p:style>
+        <p:txBody>
+          <a:bodyPr anchor="ctr"/>
+          <a:lstStyle>
+            <a:extLst/>
+          </a:lstStyle>
+          <a:p>
+            <a:pPr algn="ctr" eaLnBrk="1" latinLnBrk="0" hangingPunct="1"/>
+            <a:endParaRPr kumimoji="0" lang="en-US"/>
+          </a:p>
+        </p:txBody>
+      </p:sp>
+      <p:sp>
+        <p:nvSpPr>
+          <p:cNvPr id="3" name="Footer Placeholder 2"/>
+          <p:cNvSpPr>
+            <a:spLocks noGrp="1"/>
+          </p:cNvSpPr>
+          <p:nvPr>
+            <p:ph type="ftr" sz="quarter" idx="3"/>
+          </p:nvPr>
+        </p:nvSpPr>
+        <p:spPr>
+          <a:xfrm>
+            <a:off x="1295400" y="6400800"/>
+            <a:ext cx="4212264" cy="274320"/>
           </a:xfrm>
           <a:prstGeom prst="rect">
             <a:avLst/>
           </a:prstGeom>
         </p:spPr>
         <p:txBody>
-          <a:bodyPr vert="horz" lIns="91440" tIns="45720" rIns="91440" bIns="45720" rtlCol="0" anchor="ctr"/>
-          <a:lstStyle>
-            <a:lvl1pPr algn="r">
-              <a:defRPr sz="1200">
+          <a:bodyPr/>
+          <a:lstStyle>
+            <a:lvl1pPr algn="r" eaLnBrk="1" latinLnBrk="0" hangingPunct="1">
+              <a:defRPr kumimoji="0" sz="1300">
                 <a:solidFill>
-                  <a:schemeClr val="tx1">
-                    <a:tint val="75000"/>
+                  <a:schemeClr val="bg2">
+                    <a:tint val="60000"/>
+                    <a:satMod val="155000"/>
                   </a:schemeClr>
                 </a:solidFill>
               </a:defRPr>
             </a:lvl1pPr>
+            <a:extLst/>
+          </a:lstStyle>
+          <a:p>
+            <a:endParaRPr lang="en-US"/>
+          </a:p>
+        </p:txBody>
+      </p:sp>
+      <p:sp>
+        <p:nvSpPr>
+          <p:cNvPr id="14" name="Date Placeholder 13"/>
+          <p:cNvSpPr>
+            <a:spLocks noGrp="1"/>
+          </p:cNvSpPr>
+          <p:nvPr>
+            <p:ph type="dt" sz="half" idx="2"/>
+          </p:nvPr>
+        </p:nvSpPr>
+        <p:spPr>
+          <a:xfrm>
+            <a:off x="5562600" y="6400800"/>
+            <a:ext cx="3002280" cy="274320"/>
+          </a:xfrm>
+          <a:prstGeom prst="rect">
+            <a:avLst/>
+          </a:prstGeom>
+        </p:spPr>
+        <p:txBody>
+          <a:bodyPr/>
+          <a:lstStyle>
+            <a:lvl1pPr algn="l" eaLnBrk="1" latinLnBrk="0" hangingPunct="1">
+              <a:defRPr kumimoji="0" sz="1300">
+                <a:solidFill>
+                  <a:schemeClr val="bg2">
+                    <a:tint val="60000"/>
+                    <a:satMod val="155000"/>
+                  </a:schemeClr>
+                </a:solidFill>
+              </a:defRPr>
+            </a:lvl1pPr>
+            <a:extLst/>
+          </a:lstStyle>
+          <a:p>
+            <a:fld id="{678577BD-1F2F-4A43-85B9-1805CBCE89E2}" type="datetimeFigureOut">
+              <a:rPr lang="en-US" smtClean="0"/>
+              <a:t>2/15/2018</a:t>
+            </a:fld>
+            <a:endParaRPr lang="en-US"/>
+          </a:p>
+        </p:txBody>
+      </p:sp>
+      <p:sp>
+        <p:nvSpPr>
+          <p:cNvPr id="23" name="Slide Number Placeholder 22"/>
+          <p:cNvSpPr>
+            <a:spLocks noGrp="1"/>
+          </p:cNvSpPr>
+          <p:nvPr>
+            <p:ph type="sldNum" sz="quarter" idx="4"/>
+          </p:nvPr>
+        </p:nvSpPr>
+        <p:spPr>
+          <a:xfrm>
+            <a:off x="8638952" y="6514568"/>
+            <a:ext cx="464288" cy="274320"/>
+          </a:xfrm>
+          <a:prstGeom prst="rect">
+            <a:avLst/>
+          </a:prstGeom>
+        </p:spPr>
+        <p:txBody>
+          <a:bodyPr anchor="ctr"/>
+          <a:lstStyle>
+            <a:lvl1pPr algn="r" eaLnBrk="1" latinLnBrk="0" hangingPunct="1">
+              <a:defRPr kumimoji="0" sz="1600">
+                <a:solidFill>
+                  <a:schemeClr val="tx2">
+                    <a:shade val="90000"/>
+                  </a:schemeClr>
+                </a:solidFill>
+                <a:effectLst/>
+              </a:defRPr>
+            </a:lvl1pPr>
+            <a:extLst/>
           </a:lstStyle>
           <a:p>
             <a:fld id="{4CBFCD2A-2603-42ED-B016-630ECA9A0BFA}" type="slidenum">
@@ -2749,47 +3241,173 @@
           </a:p>
         </p:txBody>
       </p:sp>
+      <p:sp>
+        <p:nvSpPr>
+          <p:cNvPr id="22" name="Title Placeholder 21"/>
+          <p:cNvSpPr>
+            <a:spLocks noGrp="1"/>
+          </p:cNvSpPr>
+          <p:nvPr>
+            <p:ph type="title"/>
+          </p:nvPr>
+        </p:nvSpPr>
+        <p:spPr>
+          <a:xfrm>
+            <a:off x="457200" y="253536"/>
+            <a:ext cx="8229600" cy="1143000"/>
+          </a:xfrm>
+          <a:prstGeom prst="rect">
+            <a:avLst/>
+          </a:prstGeom>
+        </p:spPr>
+        <p:txBody>
+          <a:bodyPr rIns="91440" anchor="b">
+            <a:normAutofit/>
+            <a:scene3d>
+              <a:camera prst="orthographicFront"/>
+              <a:lightRig rig="soft" dir="t">
+                <a:rot lat="0" lon="0" rev="2400000"/>
+              </a:lightRig>
+            </a:scene3d>
+            <a:sp3d>
+              <a:bevelT w="19050" h="12700"/>
+            </a:sp3d>
+          </a:bodyPr>
+          <a:lstStyle>
+            <a:extLst/>
+          </a:lstStyle>
+          <a:p>
+            <a:r>
+              <a:rPr kumimoji="0" lang="en-US" smtClean="0"/>
+              <a:t>Click to edit Master title style</a:t>
+            </a:r>
+            <a:endParaRPr kumimoji="0" lang="en-US"/>
+          </a:p>
+        </p:txBody>
+      </p:sp>
+      <p:sp>
+        <p:nvSpPr>
+          <p:cNvPr id="13" name="Text Placeholder 12"/>
+          <p:cNvSpPr>
+            <a:spLocks noGrp="1"/>
+          </p:cNvSpPr>
+          <p:nvPr>
+            <p:ph type="body" idx="1"/>
+          </p:nvPr>
+        </p:nvSpPr>
+        <p:spPr>
+          <a:xfrm>
+            <a:off x="457200" y="1646237"/>
+            <a:ext cx="8229600" cy="4526280"/>
+          </a:xfrm>
+          <a:prstGeom prst="rect">
+            <a:avLst/>
+          </a:prstGeom>
+        </p:spPr>
+        <p:txBody>
+          <a:bodyPr>
+            <a:normAutofit/>
+          </a:bodyPr>
+          <a:lstStyle>
+            <a:extLst/>
+          </a:lstStyle>
+          <a:p>
+            <a:pPr lvl="0" eaLnBrk="1" latinLnBrk="0" hangingPunct="1"/>
+            <a:r>
+              <a:rPr kumimoji="0" lang="en-US" smtClean="0"/>
+              <a:t>Click to edit Master text styles</a:t>
+            </a:r>
+          </a:p>
+          <a:p>
+            <a:pPr lvl="1" eaLnBrk="1" latinLnBrk="0" hangingPunct="1"/>
+            <a:r>
+              <a:rPr kumimoji="0" lang="en-US" smtClean="0"/>
+              <a:t>Second level</a:t>
+            </a:r>
+          </a:p>
+          <a:p>
+            <a:pPr lvl="2" eaLnBrk="1" latinLnBrk="0" hangingPunct="1"/>
+            <a:r>
+              <a:rPr kumimoji="0" lang="en-US" smtClean="0"/>
+              <a:t>Third level</a:t>
+            </a:r>
+          </a:p>
+          <a:p>
+            <a:pPr lvl="3" eaLnBrk="1" latinLnBrk="0" hangingPunct="1"/>
+            <a:r>
+              <a:rPr kumimoji="0" lang="en-US" smtClean="0"/>
+              <a:t>Fourth level</a:t>
+            </a:r>
+          </a:p>
+          <a:p>
+            <a:pPr lvl="4" eaLnBrk="1" latinLnBrk="0" hangingPunct="1"/>
+            <a:r>
+              <a:rPr kumimoji="0" lang="en-US" smtClean="0"/>
+              <a:t>Fifth level</a:t>
+            </a:r>
+            <a:endParaRPr kumimoji="0" lang="en-US"/>
+          </a:p>
+        </p:txBody>
+      </p:sp>
     </p:spTree>
   </p:cSld>
-  <p:clrMap bg1="lt1" tx1="dk1" bg2="lt2" tx2="dk2" accent1="accent1" accent2="accent2" accent3="accent3" accent4="accent4" accent5="accent5" accent6="accent6" hlink="hlink" folHlink="folHlink"/>
+  <p:clrMap bg1="dk1" tx1="lt1" bg2="dk2" tx2="lt2" accent1="accent1" accent2="accent2" accent3="accent3" accent4="accent4" accent5="accent5" accent6="accent6" hlink="hlink" folHlink="folHlink"/>
   <p:sldLayoutIdLst>
-    <p:sldLayoutId id="2147483649" r:id="rId1"/>
-    <p:sldLayoutId id="2147483650" r:id="rId2"/>
-    <p:sldLayoutId id="2147483651" r:id="rId3"/>
-    <p:sldLayoutId id="2147483652" r:id="rId4"/>
-    <p:sldLayoutId id="2147483653" r:id="rId5"/>
-    <p:sldLayoutId id="2147483654" r:id="rId6"/>
-    <p:sldLayoutId id="2147483655" r:id="rId7"/>
-    <p:sldLayoutId id="2147483656" r:id="rId8"/>
-    <p:sldLayoutId id="2147483657" r:id="rId9"/>
-    <p:sldLayoutId id="2147483658" r:id="rId10"/>
-    <p:sldLayoutId id="2147483659" r:id="rId11"/>
+    <p:sldLayoutId id="2147483697" r:id="rId1"/>
+    <p:sldLayoutId id="2147483698" r:id="rId2"/>
+    <p:sldLayoutId id="2147483699" r:id="rId3"/>
+    <p:sldLayoutId id="2147483700" r:id="rId4"/>
+    <p:sldLayoutId id="2147483701" r:id="rId5"/>
+    <p:sldLayoutId id="2147483702" r:id="rId6"/>
+    <p:sldLayoutId id="2147483703" r:id="rId7"/>
+    <p:sldLayoutId id="2147483704" r:id="rId8"/>
+    <p:sldLayoutId id="2147483705" r:id="rId9"/>
+    <p:sldLayoutId id="2147483706" r:id="rId10"/>
+    <p:sldLayoutId id="2147483707" r:id="rId11"/>
   </p:sldLayoutIdLst>
   <p:txStyles>
     <p:titleStyle>
-      <a:lvl1pPr algn="ctr" defTabSz="914400" rtl="0" eaLnBrk="1" latinLnBrk="0" hangingPunct="1">
+      <a:lvl1pPr marL="54864" algn="r" rtl="0" eaLnBrk="1" latinLnBrk="0" hangingPunct="1">
         <a:spcBef>
           <a:spcPct val="0"/>
         </a:spcBef>
         <a:buNone/>
-        <a:defRPr sz="4400" kern="1200">
+        <a:defRPr kumimoji="0" sz="4600" kern="1200">
           <a:solidFill>
-            <a:schemeClr val="tx1"/>
+            <a:schemeClr val="tx2">
+              <a:tint val="100000"/>
+              <a:shade val="90000"/>
+              <a:satMod val="250000"/>
+              <a:alpha val="100000"/>
+            </a:schemeClr>
           </a:solidFill>
+          <a:effectLst>
+            <a:outerShdw blurRad="38100" dist="25500" dir="5400000" algn="tl" rotWithShape="0">
+              <a:srgbClr val="000000">
+                <a:satMod val="180000"/>
+                <a:alpha val="75000"/>
+              </a:srgbClr>
+            </a:outerShdw>
+          </a:effectLst>
           <a:latin typeface="+mj-lt"/>
           <a:ea typeface="+mj-ea"/>
           <a:cs typeface="+mj-cs"/>
         </a:defRPr>
       </a:lvl1pPr>
+      <a:extLst/>
     </p:titleStyle>
     <p:bodyStyle>
-      <a:lvl1pPr marL="342900" indent="-342900" algn="l" defTabSz="914400" rtl="0" eaLnBrk="1" latinLnBrk="0" hangingPunct="1">
+      <a:lvl1pPr marL="292100" indent="-292100" algn="l" rtl="0" eaLnBrk="1" latinLnBrk="0" hangingPunct="1">
         <a:spcBef>
-          <a:spcPct val="20000"/>
+          <a:spcPts val="0"/>
         </a:spcBef>
-        <a:buFont typeface="Arial" pitchFamily="34" charset="0"/>
-        <a:buChar char="•"/>
-        <a:defRPr sz="3200" kern="1200">
+        <a:buClr>
+          <a:schemeClr val="accent1"/>
+        </a:buClr>
+        <a:buSzPct val="70000"/>
+        <a:buFont typeface="Wingdings 2"/>
+        <a:buChar char=""/>
+        <a:defRPr kumimoji="0" sz="3200" kern="1200">
           <a:solidFill>
             <a:schemeClr val="tx1"/>
           </a:solidFill>
@@ -2798,13 +3416,17 @@
           <a:cs typeface="+mn-cs"/>
         </a:defRPr>
       </a:lvl1pPr>
-      <a:lvl2pPr marL="742950" indent="-285750" algn="l" defTabSz="914400" rtl="0" eaLnBrk="1" latinLnBrk="0" hangingPunct="1">
+      <a:lvl2pPr marL="640080" indent="-228600" algn="l" rtl="0" eaLnBrk="1" latinLnBrk="0" hangingPunct="1">
         <a:spcBef>
-          <a:spcPct val="20000"/>
+          <a:spcPts val="400"/>
         </a:spcBef>
-        <a:buFont typeface="Arial" pitchFamily="34" charset="0"/>
-        <a:buChar char="–"/>
-        <a:defRPr sz="2800" kern="1200">
+        <a:buClr>
+          <a:schemeClr val="accent2"/>
+        </a:buClr>
+        <a:buSzPct val="90000"/>
+        <a:buFontTx/>
+        <a:buChar char="•"/>
+        <a:defRPr kumimoji="0" sz="2600" kern="1200">
           <a:solidFill>
             <a:schemeClr val="tx1"/>
           </a:solidFill>
@@ -2813,13 +3435,17 @@
           <a:cs typeface="+mn-cs"/>
         </a:defRPr>
       </a:lvl2pPr>
-      <a:lvl3pPr marL="1143000" indent="-228600" algn="l" defTabSz="914400" rtl="0" eaLnBrk="1" latinLnBrk="0" hangingPunct="1">
+      <a:lvl3pPr marL="822960" indent="-192024" algn="l" rtl="0" eaLnBrk="1" latinLnBrk="0" hangingPunct="1">
         <a:spcBef>
-          <a:spcPct val="20000"/>
+          <a:spcPts val="400"/>
         </a:spcBef>
-        <a:buFont typeface="Arial" pitchFamily="34" charset="0"/>
-        <a:buChar char="•"/>
-        <a:defRPr sz="2400" kern="1200">
+        <a:buClr>
+          <a:schemeClr val="accent3"/>
+        </a:buClr>
+        <a:buSzPct val="100000"/>
+        <a:buFont typeface="Wingdings 2"/>
+        <a:buChar char=""/>
+        <a:defRPr kumimoji="0" sz="2300" kern="1200">
           <a:solidFill>
             <a:schemeClr val="tx1"/>
           </a:solidFill>
@@ -2828,13 +3454,17 @@
           <a:cs typeface="+mn-cs"/>
         </a:defRPr>
       </a:lvl3pPr>
-      <a:lvl4pPr marL="1600200" indent="-228600" algn="l" defTabSz="914400" rtl="0" eaLnBrk="1" latinLnBrk="0" hangingPunct="1">
+      <a:lvl4pPr marL="1005840" indent="-182880" algn="l" rtl="0" eaLnBrk="1" latinLnBrk="0" hangingPunct="1">
         <a:spcBef>
-          <a:spcPct val="20000"/>
+          <a:spcPts val="400"/>
         </a:spcBef>
-        <a:buFont typeface="Arial" pitchFamily="34" charset="0"/>
-        <a:buChar char="–"/>
-        <a:defRPr sz="2000" kern="1200">
+        <a:buClr>
+          <a:schemeClr val="accent3"/>
+        </a:buClr>
+        <a:buSzPct val="100000"/>
+        <a:buFont typeface="Wingdings 2"/>
+        <a:buChar char=""/>
+        <a:defRPr kumimoji="0" sz="2000" kern="1200">
           <a:solidFill>
             <a:schemeClr val="tx1"/>
           </a:solidFill>
@@ -2843,13 +3473,17 @@
           <a:cs typeface="+mn-cs"/>
         </a:defRPr>
       </a:lvl4pPr>
-      <a:lvl5pPr marL="2057400" indent="-228600" algn="l" defTabSz="914400" rtl="0" eaLnBrk="1" latinLnBrk="0" hangingPunct="1">
+      <a:lvl5pPr marL="1188720" indent="-182880" algn="l" rtl="0" eaLnBrk="1" latinLnBrk="0" hangingPunct="1">
         <a:spcBef>
-          <a:spcPct val="20000"/>
+          <a:spcPts val="400"/>
         </a:spcBef>
-        <a:buFont typeface="Arial" pitchFamily="34" charset="0"/>
-        <a:buChar char="»"/>
-        <a:defRPr sz="2000" kern="1200">
+        <a:buClr>
+          <a:schemeClr val="accent3"/>
+        </a:buClr>
+        <a:buSzPct val="100000"/>
+        <a:buFont typeface="Wingdings 2"/>
+        <a:buChar char=""/>
+        <a:defRPr kumimoji="0" sz="1900" kern="1200">
           <a:solidFill>
             <a:schemeClr val="tx1"/>
           </a:solidFill>
@@ -2858,13 +3492,16 @@
           <a:cs typeface="+mn-cs"/>
         </a:defRPr>
       </a:lvl5pPr>
-      <a:lvl6pPr marL="2514600" indent="-228600" algn="l" defTabSz="914400" rtl="0" eaLnBrk="1" latinLnBrk="0" hangingPunct="1">
+      <a:lvl6pPr marL="1371600" indent="-173736" algn="l" rtl="0" eaLnBrk="1" latinLnBrk="0" hangingPunct="1">
         <a:spcBef>
-          <a:spcPct val="20000"/>
+          <a:spcPts val="400"/>
         </a:spcBef>
-        <a:buFont typeface="Arial" pitchFamily="34" charset="0"/>
-        <a:buChar char="•"/>
-        <a:defRPr sz="2000" kern="1200">
+        <a:buClr>
+          <a:schemeClr val="accent4"/>
+        </a:buClr>
+        <a:buFont typeface="Wingdings 2"/>
+        <a:buChar char=""/>
+        <a:defRPr kumimoji="0" sz="1800" kern="1200" baseline="0">
           <a:solidFill>
             <a:schemeClr val="tx1"/>
           </a:solidFill>
@@ -2873,13 +3510,16 @@
           <a:cs typeface="+mn-cs"/>
         </a:defRPr>
       </a:lvl6pPr>
-      <a:lvl7pPr marL="2971800" indent="-228600" algn="l" defTabSz="914400" rtl="0" eaLnBrk="1" latinLnBrk="0" hangingPunct="1">
+      <a:lvl7pPr marL="1554480" indent="-173736" algn="l" rtl="0" eaLnBrk="1" latinLnBrk="0" hangingPunct="1">
         <a:spcBef>
-          <a:spcPct val="20000"/>
+          <a:spcPts val="400"/>
         </a:spcBef>
-        <a:buFont typeface="Arial" pitchFamily="34" charset="0"/>
-        <a:buChar char="•"/>
-        <a:defRPr sz="2000" kern="1200">
+        <a:buClr>
+          <a:schemeClr val="accent4"/>
+        </a:buClr>
+        <a:buFont typeface="Wingdings 2"/>
+        <a:buChar char=""/>
+        <a:defRPr kumimoji="0" sz="1600" kern="1200" baseline="0">
           <a:solidFill>
             <a:schemeClr val="tx1"/>
           </a:solidFill>
@@ -2888,13 +3528,16 @@
           <a:cs typeface="+mn-cs"/>
         </a:defRPr>
       </a:lvl7pPr>
-      <a:lvl8pPr marL="3429000" indent="-228600" algn="l" defTabSz="914400" rtl="0" eaLnBrk="1" latinLnBrk="0" hangingPunct="1">
+      <a:lvl8pPr marL="1737360" indent="-173736" algn="l" rtl="0" eaLnBrk="1" latinLnBrk="0" hangingPunct="1">
         <a:spcBef>
-          <a:spcPct val="20000"/>
+          <a:spcPts val="400"/>
         </a:spcBef>
-        <a:buFont typeface="Arial" pitchFamily="34" charset="0"/>
-        <a:buChar char="•"/>
-        <a:defRPr sz="2000" kern="1200">
+        <a:buClr>
+          <a:schemeClr val="accent4"/>
+        </a:buClr>
+        <a:buFont typeface="Wingdings 2"/>
+        <a:buChar char=""/>
+        <a:defRPr kumimoji="0" sz="1600" kern="1200" baseline="0">
           <a:solidFill>
             <a:schemeClr val="tx1"/>
           </a:solidFill>
@@ -2903,13 +3546,16 @@
           <a:cs typeface="+mn-cs"/>
         </a:defRPr>
       </a:lvl8pPr>
-      <a:lvl9pPr marL="3886200" indent="-228600" algn="l" defTabSz="914400" rtl="0" eaLnBrk="1" latinLnBrk="0" hangingPunct="1">
+      <a:lvl9pPr marL="1920240" indent="-173736" algn="l" rtl="0" eaLnBrk="1" latinLnBrk="0" hangingPunct="1">
         <a:spcBef>
-          <a:spcPct val="20000"/>
+          <a:spcPts val="400"/>
         </a:spcBef>
-        <a:buFont typeface="Arial" pitchFamily="34" charset="0"/>
-        <a:buChar char="•"/>
-        <a:defRPr sz="2000" kern="1200">
+        <a:buClr>
+          <a:schemeClr val="accent4"/>
+        </a:buClr>
+        <a:buFont typeface="Wingdings 2"/>
+        <a:buChar char=""/>
+        <a:defRPr kumimoji="0" sz="1600" kern="1200" baseline="0">
           <a:solidFill>
             <a:schemeClr val="tx1"/>
           </a:solidFill>
@@ -2918,13 +3564,11 @@
           <a:cs typeface="+mn-cs"/>
         </a:defRPr>
       </a:lvl9pPr>
+      <a:extLst/>
     </p:bodyStyle>
     <p:otherStyle>
-      <a:defPPr>
-        <a:defRPr lang="en-US"/>
-      </a:defPPr>
-      <a:lvl1pPr marL="0" algn="l" defTabSz="914400" rtl="0" eaLnBrk="1" latinLnBrk="0" hangingPunct="1">
-        <a:defRPr sz="1800" kern="1200">
+      <a:lvl1pPr marL="0" algn="l" rtl="0" eaLnBrk="1" latinLnBrk="0" hangingPunct="1">
+        <a:defRPr kumimoji="0" kern="1200">
           <a:solidFill>
             <a:schemeClr val="tx1"/>
           </a:solidFill>
@@ -2933,8 +3577,8 @@
           <a:cs typeface="+mn-cs"/>
         </a:defRPr>
       </a:lvl1pPr>
-      <a:lvl2pPr marL="457200" algn="l" defTabSz="914400" rtl="0" eaLnBrk="1" latinLnBrk="0" hangingPunct="1">
-        <a:defRPr sz="1800" kern="1200">
+      <a:lvl2pPr marL="457200" algn="l" rtl="0" eaLnBrk="1" latinLnBrk="0" hangingPunct="1">
+        <a:defRPr kumimoji="0" kern="1200">
           <a:solidFill>
             <a:schemeClr val="tx1"/>
           </a:solidFill>
@@ -2943,8 +3587,8 @@
           <a:cs typeface="+mn-cs"/>
         </a:defRPr>
       </a:lvl2pPr>
-      <a:lvl3pPr marL="914400" algn="l" defTabSz="914400" rtl="0" eaLnBrk="1" latinLnBrk="0" hangingPunct="1">
-        <a:defRPr sz="1800" kern="1200">
+      <a:lvl3pPr marL="914400" algn="l" rtl="0" eaLnBrk="1" latinLnBrk="0" hangingPunct="1">
+        <a:defRPr kumimoji="0" kern="1200">
           <a:solidFill>
             <a:schemeClr val="tx1"/>
           </a:solidFill>
@@ -2953,8 +3597,8 @@
           <a:cs typeface="+mn-cs"/>
         </a:defRPr>
       </a:lvl3pPr>
-      <a:lvl4pPr marL="1371600" algn="l" defTabSz="914400" rtl="0" eaLnBrk="1" latinLnBrk="0" hangingPunct="1">
-        <a:defRPr sz="1800" kern="1200">
+      <a:lvl4pPr marL="1371600" algn="l" rtl="0" eaLnBrk="1" latinLnBrk="0" hangingPunct="1">
+        <a:defRPr kumimoji="0" kern="1200">
           <a:solidFill>
             <a:schemeClr val="tx1"/>
           </a:solidFill>
@@ -2963,8 +3607,8 @@
           <a:cs typeface="+mn-cs"/>
         </a:defRPr>
       </a:lvl4pPr>
-      <a:lvl5pPr marL="1828800" algn="l" defTabSz="914400" rtl="0" eaLnBrk="1" latinLnBrk="0" hangingPunct="1">
-        <a:defRPr sz="1800" kern="1200">
+      <a:lvl5pPr marL="1828800" algn="l" rtl="0" eaLnBrk="1" latinLnBrk="0" hangingPunct="1">
+        <a:defRPr kumimoji="0" kern="1200">
           <a:solidFill>
             <a:schemeClr val="tx1"/>
           </a:solidFill>
@@ -2973,8 +3617,8 @@
           <a:cs typeface="+mn-cs"/>
         </a:defRPr>
       </a:lvl5pPr>
-      <a:lvl6pPr marL="2286000" algn="l" defTabSz="914400" rtl="0" eaLnBrk="1" latinLnBrk="0" hangingPunct="1">
-        <a:defRPr sz="1800" kern="1200">
+      <a:lvl6pPr marL="2286000" algn="l" rtl="0" eaLnBrk="1" latinLnBrk="0" hangingPunct="1">
+        <a:defRPr kumimoji="0" kern="1200">
           <a:solidFill>
             <a:schemeClr val="tx1"/>
           </a:solidFill>
@@ -2983,8 +3627,8 @@
           <a:cs typeface="+mn-cs"/>
         </a:defRPr>
       </a:lvl6pPr>
-      <a:lvl7pPr marL="2743200" algn="l" defTabSz="914400" rtl="0" eaLnBrk="1" latinLnBrk="0" hangingPunct="1">
-        <a:defRPr sz="1800" kern="1200">
+      <a:lvl7pPr marL="2743200" algn="l" rtl="0" eaLnBrk="1" latinLnBrk="0" hangingPunct="1">
+        <a:defRPr kumimoji="0" kern="1200">
           <a:solidFill>
             <a:schemeClr val="tx1"/>
           </a:solidFill>
@@ -2993,8 +3637,8 @@
           <a:cs typeface="+mn-cs"/>
         </a:defRPr>
       </a:lvl7pPr>
-      <a:lvl8pPr marL="3200400" algn="l" defTabSz="914400" rtl="0" eaLnBrk="1" latinLnBrk="0" hangingPunct="1">
-        <a:defRPr sz="1800" kern="1200">
+      <a:lvl8pPr marL="3200400" algn="l" rtl="0" eaLnBrk="1" latinLnBrk="0" hangingPunct="1">
+        <a:defRPr kumimoji="0" kern="1200">
           <a:solidFill>
             <a:schemeClr val="tx1"/>
           </a:solidFill>
@@ -3003,8 +3647,8 @@
           <a:cs typeface="+mn-cs"/>
         </a:defRPr>
       </a:lvl8pPr>
-      <a:lvl9pPr marL="3657600" algn="l" defTabSz="914400" rtl="0" eaLnBrk="1" latinLnBrk="0" hangingPunct="1">
-        <a:defRPr sz="1800" kern="1200">
+      <a:lvl9pPr marL="3657600" algn="l" rtl="0" eaLnBrk="1" latinLnBrk="0" hangingPunct="1">
+        <a:defRPr kumimoji="0" kern="1200">
           <a:solidFill>
             <a:schemeClr val="tx1"/>
           </a:solidFill>
@@ -3013,6 +3657,7 @@
           <a:cs typeface="+mn-cs"/>
         </a:defRPr>
       </a:lvl9pPr>
+      <a:extLst/>
     </p:otherStyle>
   </p:txStyles>
 </p:sldMaster>
@@ -3050,7 +3695,26 @@
           <a:bodyPr/>
           <a:lstStyle/>
           <a:p>
-            <a:endParaRPr lang="en-US"/>
+            <a:r>
+              <a:rPr lang="en-US" dirty="0" err="1">
+                <a:latin typeface="AR JULIAN" pitchFamily="2" charset="0"/>
+              </a:rPr>
+              <a:t>Psychoinformatics</a:t>
+            </a:r>
+            <a:r>
+              <a:rPr lang="en-US" dirty="0">
+                <a:latin typeface="AR JULIAN" pitchFamily="2" charset="0"/>
+              </a:rPr>
+              <a:t/>
+            </a:r>
+            <a:br>
+              <a:rPr lang="en-US" dirty="0">
+                <a:latin typeface="AR JULIAN" pitchFamily="2" charset="0"/>
+              </a:rPr>
+            </a:br>
+            <a:endParaRPr lang="en-US" dirty="0">
+              <a:latin typeface="AR JULIAN" pitchFamily="2" charset="0"/>
+            </a:endParaRPr>
           </a:p>
         </p:txBody>
       </p:sp>
@@ -3069,22 +3733,68 @@
           <a:bodyPr/>
           <a:lstStyle/>
           <a:p>
-            <a:endParaRPr lang="en-US"/>
-          </a:p>
-        </p:txBody>
-      </p:sp>
+            <a:r>
+              <a:rPr lang="en-US" dirty="0" smtClean="0">
+                <a:latin typeface="AR JULIAN" pitchFamily="2" charset="0"/>
+              </a:rPr>
+              <a:t>Hayden N. Walters</a:t>
+            </a:r>
+            <a:endParaRPr lang="en-US" dirty="0">
+              <a:latin typeface="AR JULIAN" pitchFamily="2" charset="0"/>
+            </a:endParaRPr>
+          </a:p>
+        </p:txBody>
+      </p:sp>
+      <p:pic>
+        <p:nvPicPr>
+          <p:cNvPr id="1029" name="Picture 5" descr="F:\Documents\School\17-18\Tech. School\Documents &amp; Presentations\E-Day Assignments\Comic.JPG"/>
+          <p:cNvPicPr>
+            <a:picLocks noChangeAspect="1" noChangeArrowheads="1"/>
+          </p:cNvPicPr>
+          <p:nvPr/>
+        </p:nvPicPr>
+        <p:blipFill>
+          <a:blip r:embed="rId2" cstate="print"/>
+          <a:srcRect/>
+          <a:stretch>
+            <a:fillRect/>
+          </a:stretch>
+        </p:blipFill>
+        <p:spPr bwMode="auto">
+          <a:xfrm>
+            <a:off x="0" y="3452414"/>
+            <a:ext cx="4876800" cy="3405586"/>
+          </a:xfrm>
+          <a:prstGeom prst="rect">
+            <a:avLst/>
+          </a:prstGeom>
+          <a:ln>
+            <a:noFill/>
+          </a:ln>
+          <a:effectLst>
+            <a:softEdge rad="112500"/>
+          </a:effectLst>
+        </p:spPr>
+      </p:pic>
     </p:spTree>
   </p:cSld>
   <p:clrMapOvr>
     <a:masterClrMapping/>
   </p:clrMapOvr>
+  <p:timing>
+    <p:tnLst>
+      <p:par>
+        <p:cTn id="1" dur="indefinite" restart="never" nodeType="tmRoot"/>
+      </p:par>
+    </p:tnLst>
+  </p:timing>
 </p:sld>
 </file>
 
 <file path=ppt/theme/theme1.xml><?xml version="1.0" encoding="utf-8"?>
-<a:theme xmlns:a="http://schemas.openxmlformats.org/drawingml/2006/main" name="Office Theme">
+<a:theme xmlns:a="http://schemas.openxmlformats.org/drawingml/2006/main" name="Foundry">
   <a:themeElements>
-    <a:clrScheme name="Office">
+    <a:clrScheme name="Foundry">
       <a:dk1>
         <a:sysClr val="windowText" lastClr="000000"/>
       </a:dk1>
@@ -3092,48 +3802,86 @@
         <a:sysClr val="window" lastClr="FFFFFF"/>
       </a:lt1>
       <a:dk2>
-        <a:srgbClr val="1F497D"/>
+        <a:srgbClr val="676A55"/>
       </a:dk2>
       <a:lt2>
-        <a:srgbClr val="EEECE1"/>
+        <a:srgbClr val="EAEBDE"/>
       </a:lt2>
       <a:accent1>
-        <a:srgbClr val="4F81BD"/>
+        <a:srgbClr val="72A376"/>
       </a:accent1>
       <a:accent2>
-        <a:srgbClr val="C0504D"/>
+        <a:srgbClr val="B0CCB0"/>
       </a:accent2>
       <a:accent3>
-        <a:srgbClr val="9BBB59"/>
+        <a:srgbClr val="A8CDD7"/>
       </a:accent3>
       <a:accent4>
-        <a:srgbClr val="8064A2"/>
+        <a:srgbClr val="C0BEAF"/>
       </a:accent4>
       <a:accent5>
-        <a:srgbClr val="4BACC6"/>
+        <a:srgbClr val="CEC597"/>
       </a:accent5>
       <a:accent6>
-        <a:srgbClr val="F79646"/>
+        <a:srgbClr val="E8B7B7"/>
       </a:accent6>
       <a:hlink>
-        <a:srgbClr val="0000FF"/>
+        <a:srgbClr val="DB5353"/>
       </a:hlink>
       <a:folHlink>
-        <a:srgbClr val="800080"/>
+        <a:srgbClr val="903638"/>
       </a:folHlink>
     </a:clrScheme>
-    <a:fontScheme name="Office">
+    <a:fontScheme name="Foundry">
       <a:majorFont>
-        <a:latin typeface="Calibri"/>
+        <a:latin typeface="Rockwell"/>
         <a:ea typeface=""/>
         <a:cs typeface=""/>
-        <a:font script="Jpan" typeface="ＭＳ Ｐゴシック"/>
-        <a:font script="Hang" typeface="맑은 고딕"/>
-        <a:font script="Hans" typeface="宋体"/>
-        <a:font script="Hant" typeface="新細明體"/>
+        <a:font script="Grek" typeface="Cambria"/>
+        <a:font script="Cyrl" typeface="Cambria"/>
+        <a:font script="Jpan" typeface="HG明朝B"/>
+        <a:font script="Hang" typeface="바탕"/>
+        <a:font script="Hans" typeface="方正姚体"/>
+        <a:font script="Hant" typeface="微軟正黑體"/>
         <a:font script="Arab" typeface="Times New Roman"/>
-        <a:font script="Hebr" typeface="Times New Roman"/>
-        <a:font script="Thai" typeface="Angsana New"/>
+        <a:font script="Hebr" typeface="David"/>
+        <a:font script="Thai" typeface="JasmineUPC"/>
+        <a:font script="Ethi" typeface="Nyala"/>
+        <a:font script="Beng" typeface="Vrinda"/>
+        <a:font script="Gujr" typeface="Shruti"/>
+        <a:font script="Khmr" typeface="MoolBoran"/>
+        <a:font script="Knda" typeface="Tunga"/>
+        <a:font script="Guru" typeface="Raavi"/>
+        <a:font script="Cans" typeface="Euphemia"/>
+        <a:font script="Cher" typeface="Plantagenet Cherokee"/>
+        <a:font script="Yiii" typeface="Microsoft Yi Baiti"/>
+        <a:font script="Tibt" typeface="Microsoft Himalaya"/>
+        <a:font script="Thaa" typeface="MV Boli"/>
+        <a:font script="Deva" typeface="Mangal"/>
+        <a:font script="Telu" typeface="Gautami"/>
+        <a:font script="Taml" typeface="Latha"/>
+        <a:font script="Syrc" typeface="Estrangelo Edessa"/>
+        <a:font script="Orya" typeface="Kalinga"/>
+        <a:font script="Mlym" typeface="Kartika"/>
+        <a:font script="Laoo" typeface="DokChampa"/>
+        <a:font script="Sinh" typeface="Iskoola Pota"/>
+        <a:font script="Mong" typeface="Mongolian Baiti"/>
+        <a:font script="Viet" typeface="Arial"/>
+        <a:font script="Uigh" typeface="Microsoft Uighur"/>
+      </a:majorFont>
+      <a:minorFont>
+        <a:latin typeface="Rockwell"/>
+        <a:ea typeface=""/>
+        <a:cs typeface=""/>
+        <a:font script="Grek" typeface="Cambria"/>
+        <a:font script="Cyrl" typeface="Cambria"/>
+        <a:font script="Jpan" typeface="HG明朝B"/>
+        <a:font script="Hang" typeface="바탕"/>
+        <a:font script="Hans" typeface="方正姚体"/>
+        <a:font script="Hant" typeface="標楷體"/>
+        <a:font script="Arab" typeface="Times New Roman"/>
+        <a:font script="Hebr" typeface="David"/>
+        <a:font script="Thai" typeface="JasmineUPC"/>
         <a:font script="Ethi" typeface="Nyala"/>
         <a:font script="Beng" typeface="Vrinda"/>
         <a:font script="Gujr" typeface="Shruti"/>
@@ -3156,43 +3904,9 @@
         <a:font script="Mong" typeface="Mongolian Baiti"/>
         <a:font script="Viet" typeface="Times New Roman"/>
         <a:font script="Uigh" typeface="Microsoft Uighur"/>
-      </a:majorFont>
-      <a:minorFont>
-        <a:latin typeface="Calibri"/>
-        <a:ea typeface=""/>
-        <a:cs typeface=""/>
-        <a:font script="Jpan" typeface="ＭＳ Ｐゴシック"/>
-        <a:font script="Hang" typeface="맑은 고딕"/>
-        <a:font script="Hans" typeface="宋体"/>
-        <a:font script="Hant" typeface="新細明體"/>
-        <a:font script="Arab" typeface="Arial"/>
-        <a:font script="Hebr" typeface="Arial"/>
-        <a:font script="Thai" typeface="Cordia New"/>
-        <a:font script="Ethi" typeface="Nyala"/>
-        <a:font script="Beng" typeface="Vrinda"/>
-        <a:font script="Gujr" typeface="Shruti"/>
-        <a:font script="Khmr" typeface="DaunPenh"/>
-        <a:font script="Knda" typeface="Tunga"/>
-        <a:font script="Guru" typeface="Raavi"/>
-        <a:font script="Cans" typeface="Euphemia"/>
-        <a:font script="Cher" typeface="Plantagenet Cherokee"/>
-        <a:font script="Yiii" typeface="Microsoft Yi Baiti"/>
-        <a:font script="Tibt" typeface="Microsoft Himalaya"/>
-        <a:font script="Thaa" typeface="MV Boli"/>
-        <a:font script="Deva" typeface="Mangal"/>
-        <a:font script="Telu" typeface="Gautami"/>
-        <a:font script="Taml" typeface="Latha"/>
-        <a:font script="Syrc" typeface="Estrangelo Edessa"/>
-        <a:font script="Orya" typeface="Kalinga"/>
-        <a:font script="Mlym" typeface="Kartika"/>
-        <a:font script="Laoo" typeface="DokChampa"/>
-        <a:font script="Sinh" typeface="Iskoola Pota"/>
-        <a:font script="Mong" typeface="Mongolian Baiti"/>
-        <a:font script="Viet" typeface="Arial"/>
-        <a:font script="Uigh" typeface="Microsoft Uighur"/>
       </a:minorFont>
     </a:fontScheme>
-    <a:fmtScheme name="Office">
+    <a:fmtScheme name="Foundry">
       <a:fillStyleLst>
         <a:solidFill>
           <a:schemeClr val="phClr"/>
@@ -3201,43 +3915,43 @@
           <a:gsLst>
             <a:gs pos="0">
               <a:schemeClr val="phClr">
-                <a:tint val="50000"/>
-                <a:satMod val="300000"/>
+                <a:tint val="70000"/>
+                <a:satMod val="180000"/>
               </a:schemeClr>
             </a:gs>
-            <a:gs pos="35000">
+            <a:gs pos="62000">
               <a:schemeClr val="phClr">
-                <a:tint val="37000"/>
-                <a:satMod val="300000"/>
+                <a:tint val="30000"/>
+                <a:satMod val="180000"/>
               </a:schemeClr>
             </a:gs>
             <a:gs pos="100000">
               <a:schemeClr val="phClr">
-                <a:tint val="15000"/>
-                <a:satMod val="350000"/>
+                <a:tint val="22000"/>
+                <a:satMod val="180000"/>
               </a:schemeClr>
             </a:gs>
           </a:gsLst>
-          <a:lin ang="16200000" scaled="1"/>
+          <a:lin ang="16200000" scaled="0"/>
         </a:gradFill>
         <a:gradFill rotWithShape="1">
           <a:gsLst>
             <a:gs pos="0">
               <a:schemeClr val="phClr">
-                <a:shade val="51000"/>
-                <a:satMod val="130000"/>
+                <a:shade val="58000"/>
+                <a:satMod val="150000"/>
               </a:schemeClr>
             </a:gs>
-            <a:gs pos="80000">
+            <a:gs pos="72000">
               <a:schemeClr val="phClr">
-                <a:shade val="93000"/>
-                <a:satMod val="130000"/>
+                <a:tint val="90000"/>
+                <a:satMod val="135000"/>
               </a:schemeClr>
             </a:gs>
             <a:gs pos="100000">
               <a:schemeClr val="phClr">
-                <a:shade val="94000"/>
-                <a:satMod val="135000"/>
+                <a:tint val="80000"/>
+                <a:satMod val="155000"/>
               </a:schemeClr>
             </a:gs>
           </a:gsLst>
@@ -3248,13 +3962,12 @@
         <a:ln w="9525" cap="flat" cmpd="sng" algn="ctr">
           <a:solidFill>
             <a:schemeClr val="phClr">
-              <a:shade val="95000"/>
-              <a:satMod val="105000"/>
+              <a:shade val="80000"/>
             </a:schemeClr>
           </a:solidFill>
           <a:prstDash val="solid"/>
         </a:ln>
-        <a:ln w="25400" cap="flat" cmpd="sng" algn="ctr">
+        <a:ln w="38100" cap="flat" cmpd="sng" algn="ctr">
           <a:solidFill>
             <a:schemeClr val="phClr"/>
           </a:solidFill>
@@ -3270,40 +3983,40 @@
       <a:effectStyleLst>
         <a:effectStyle>
           <a:effectLst>
-            <a:outerShdw blurRad="40000" dist="20000" dir="5400000" rotWithShape="0">
+            <a:outerShdw blurRad="50800" dist="38100" dir="5400000" rotWithShape="0">
               <a:srgbClr val="000000">
-                <a:alpha val="38000"/>
+                <a:alpha val="43137"/>
               </a:srgbClr>
             </a:outerShdw>
           </a:effectLst>
         </a:effectStyle>
         <a:effectStyle>
           <a:effectLst>
-            <a:outerShdw blurRad="40000" dist="23000" dir="5400000" rotWithShape="0">
+            <a:outerShdw blurRad="50800" dist="38100" dir="5400000" rotWithShape="0">
               <a:srgbClr val="000000">
-                <a:alpha val="35000"/>
+                <a:alpha val="43137"/>
               </a:srgbClr>
             </a:outerShdw>
           </a:effectLst>
         </a:effectStyle>
         <a:effectStyle>
           <a:effectLst>
-            <a:outerShdw blurRad="40000" dist="23000" dir="5400000" rotWithShape="0">
+            <a:outerShdw blurRad="50800" dist="38100" dir="5400000" rotWithShape="0">
               <a:srgbClr val="000000">
-                <a:alpha val="35000"/>
+                <a:alpha val="43137"/>
               </a:srgbClr>
             </a:outerShdw>
           </a:effectLst>
           <a:scene3d>
-            <a:camera prst="orthographicFront">
+            <a:camera prst="orthographicFront" fov="0">
               <a:rot lat="0" lon="0" rev="0"/>
             </a:camera>
-            <a:lightRig rig="threePt" dir="t">
-              <a:rot lat="0" lon="0" rev="1200000"/>
+            <a:lightRig rig="soft" dir="tl">
+              <a:rot lat="0" lon="0" rev="20000000"/>
             </a:lightRig>
           </a:scene3d>
-          <a:sp3d>
-            <a:bevelT w="63500" h="25400"/>
+          <a:sp3d prstMaterial="matte">
+            <a:bevelT w="63500" h="63500" prst="coolSlant"/>
           </a:sp3d>
         </a:effectStyle>
       </a:effectStyleLst>
@@ -3315,47 +4028,43 @@
           <a:gsLst>
             <a:gs pos="0">
               <a:schemeClr val="phClr">
-                <a:tint val="40000"/>
-                <a:satMod val="350000"/>
+                <a:tint val="75000"/>
+                <a:satMod val="400000"/>
               </a:schemeClr>
             </a:gs>
-            <a:gs pos="40000">
+            <a:gs pos="20000">
               <a:schemeClr val="phClr">
-                <a:tint val="45000"/>
-                <a:shade val="99000"/>
-                <a:satMod val="350000"/>
+                <a:tint val="80000"/>
+                <a:satMod val="355000"/>
               </a:schemeClr>
             </a:gs>
             <a:gs pos="100000">
               <a:schemeClr val="phClr">
-                <a:shade val="20000"/>
-                <a:satMod val="255000"/>
+                <a:tint val="95000"/>
+                <a:shade val="55000"/>
+                <a:satMod val="355000"/>
               </a:schemeClr>
             </a:gs>
           </a:gsLst>
           <a:path path="circle">
-            <a:fillToRect l="50000" t="-80000" r="50000" b="180000"/>
+            <a:fillToRect l="67500" t="35000" r="32500" b="65000"/>
           </a:path>
         </a:gradFill>
-        <a:gradFill rotWithShape="1">
-          <a:gsLst>
-            <a:gs pos="0">
-              <a:schemeClr val="phClr">
-                <a:tint val="80000"/>
-                <a:satMod val="300000"/>
-              </a:schemeClr>
-            </a:gs>
-            <a:gs pos="100000">
+        <a:blipFill>
+          <a:blip xmlns:r="http://schemas.openxmlformats.org/officeDocument/2006/relationships" r:embed="rId1">
+            <a:duotone>
               <a:schemeClr val="phClr">
                 <a:shade val="30000"/>
-                <a:satMod val="200000"/>
+                <a:satMod val="120000"/>
               </a:schemeClr>
-            </a:gs>
-          </a:gsLst>
-          <a:path path="circle">
-            <a:fillToRect l="50000" t="50000" r="50000" b="50000"/>
-          </a:path>
-        </a:gradFill>
+              <a:schemeClr val="phClr">
+                <a:tint val="70000"/>
+                <a:satMod val="250000"/>
+              </a:schemeClr>
+            </a:duotone>
+          </a:blip>
+          <a:tile tx="0" ty="0" sx="50000" sy="50000" flip="none" algn="t"/>
+        </a:blipFill>
       </a:bgFillStyleLst>
     </a:fmtScheme>
   </a:themeElements>

--- a/Documents & Presentations/E-Day Assignments/Career Path.pptx
+++ b/Documents & Presentations/E-Day Assignments/Career Path.pptx
@@ -6,6 +6,17 @@
   </p:sldMasterIdLst>
   <p:sldIdLst>
     <p:sldId id="256" r:id="rId2"/>
+    <p:sldId id="257" r:id="rId3"/>
+    <p:sldId id="258" r:id="rId4"/>
+    <p:sldId id="259" r:id="rId5"/>
+    <p:sldId id="260" r:id="rId6"/>
+    <p:sldId id="262" r:id="rId7"/>
+    <p:sldId id="263" r:id="rId8"/>
+    <p:sldId id="264" r:id="rId9"/>
+    <p:sldId id="261" r:id="rId10"/>
+    <p:sldId id="265" r:id="rId11"/>
+    <p:sldId id="266" r:id="rId12"/>
+    <p:sldId id="267" r:id="rId13"/>
   </p:sldIdLst>
   <p:sldSz cx="9144000" cy="6858000" type="screen4x3"/>
   <p:notesSz cx="6858000" cy="9144000"/>
@@ -314,7 +325,8 @@
           <a:p>
             <a:fld id="{678577BD-1F2F-4A43-85B9-1805CBCE89E2}" type="datetimeFigureOut">
               <a:rPr lang="en-US" smtClean="0"/>
-              <a:t>2/15/2018</a:t>
+              <a:pPr/>
+              <a:t>2/17/2018</a:t>
             </a:fld>
             <a:endParaRPr lang="en-US"/>
           </a:p>
@@ -353,6 +365,7 @@
           <a:p>
             <a:fld id="{4CBFCD2A-2603-42ED-B016-630ECA9A0BFA}" type="slidenum">
               <a:rPr lang="en-US" smtClean="0"/>
+              <a:pPr/>
               <a:t>‹#›</a:t>
             </a:fld>
             <a:endParaRPr lang="en-US"/>
@@ -508,7 +521,8 @@
           <a:p>
             <a:fld id="{678577BD-1F2F-4A43-85B9-1805CBCE89E2}" type="datetimeFigureOut">
               <a:rPr lang="en-US" smtClean="0"/>
-              <a:t>2/15/2018</a:t>
+              <a:pPr/>
+              <a:t>2/17/2018</a:t>
             </a:fld>
             <a:endParaRPr lang="en-US"/>
           </a:p>
@@ -554,6 +568,7 @@
           <a:p>
             <a:fld id="{4CBFCD2A-2603-42ED-B016-630ECA9A0BFA}" type="slidenum">
               <a:rPr lang="en-US" smtClean="0"/>
+              <a:pPr/>
               <a:t>‹#›</a:t>
             </a:fld>
             <a:endParaRPr lang="en-US"/>
@@ -696,7 +711,8 @@
           <a:p>
             <a:fld id="{678577BD-1F2F-4A43-85B9-1805CBCE89E2}" type="datetimeFigureOut">
               <a:rPr lang="en-US" smtClean="0"/>
-              <a:t>2/15/2018</a:t>
+              <a:pPr/>
+              <a:t>2/17/2018</a:t>
             </a:fld>
             <a:endParaRPr lang="en-US"/>
           </a:p>
@@ -742,6 +758,7 @@
           <a:p>
             <a:fld id="{4CBFCD2A-2603-42ED-B016-630ECA9A0BFA}" type="slidenum">
               <a:rPr lang="en-US" smtClean="0"/>
+              <a:pPr/>
               <a:t>‹#›</a:t>
             </a:fld>
             <a:endParaRPr lang="en-US"/>
@@ -925,7 +942,8 @@
           <a:p>
             <a:fld id="{678577BD-1F2F-4A43-85B9-1805CBCE89E2}" type="datetimeFigureOut">
               <a:rPr lang="en-US" smtClean="0"/>
-              <a:t>2/15/2018</a:t>
+              <a:pPr/>
+              <a:t>2/17/2018</a:t>
             </a:fld>
             <a:endParaRPr lang="en-US"/>
           </a:p>
@@ -971,6 +989,7 @@
           <a:p>
             <a:fld id="{4CBFCD2A-2603-42ED-B016-630ECA9A0BFA}" type="slidenum">
               <a:rPr lang="en-US" smtClean="0"/>
+              <a:pPr/>
               <a:t>‹#›</a:t>
             </a:fld>
             <a:endParaRPr lang="en-US"/>
@@ -1206,7 +1225,8 @@
           <a:p>
             <a:fld id="{678577BD-1F2F-4A43-85B9-1805CBCE89E2}" type="datetimeFigureOut">
               <a:rPr lang="en-US" smtClean="0"/>
-              <a:t>2/15/2018</a:t>
+              <a:pPr/>
+              <a:t>2/17/2018</a:t>
             </a:fld>
             <a:endParaRPr lang="en-US"/>
           </a:p>
@@ -1245,6 +1265,7 @@
           <a:p>
             <a:fld id="{4CBFCD2A-2603-42ED-B016-630ECA9A0BFA}" type="slidenum">
               <a:rPr lang="en-US" smtClean="0"/>
+              <a:pPr/>
               <a:t>‹#›</a:t>
             </a:fld>
             <a:endParaRPr lang="en-US"/>
@@ -1494,7 +1515,8 @@
           <a:p>
             <a:fld id="{678577BD-1F2F-4A43-85B9-1805CBCE89E2}" type="datetimeFigureOut">
               <a:rPr lang="en-US" smtClean="0"/>
-              <a:t>2/15/2018</a:t>
+              <a:pPr/>
+              <a:t>2/17/2018</a:t>
             </a:fld>
             <a:endParaRPr lang="en-US"/>
           </a:p>
@@ -1545,6 +1567,7 @@
           <a:p>
             <a:fld id="{4CBFCD2A-2603-42ED-B016-630ECA9A0BFA}" type="slidenum">
               <a:rPr lang="en-US" smtClean="0"/>
+              <a:pPr/>
               <a:t>‹#›</a:t>
             </a:fld>
             <a:endParaRPr lang="en-US"/>
@@ -2048,7 +2071,8 @@
           <a:p>
             <a:fld id="{678577BD-1F2F-4A43-85B9-1805CBCE89E2}" type="datetimeFigureOut">
               <a:rPr lang="en-US" smtClean="0"/>
-              <a:t>2/15/2018</a:t>
+              <a:pPr/>
+              <a:t>2/17/2018</a:t>
             </a:fld>
             <a:endParaRPr lang="en-US"/>
           </a:p>
@@ -2099,6 +2123,7 @@
           <a:p>
             <a:fld id="{4CBFCD2A-2603-42ED-B016-630ECA9A0BFA}" type="slidenum">
               <a:rPr lang="en-US" smtClean="0"/>
+              <a:pPr/>
               <a:t>‹#›</a:t>
             </a:fld>
             <a:endParaRPr lang="en-US"/>
@@ -2179,7 +2204,8 @@
           <a:p>
             <a:fld id="{678577BD-1F2F-4A43-85B9-1805CBCE89E2}" type="datetimeFigureOut">
               <a:rPr lang="en-US" smtClean="0"/>
-              <a:t>2/15/2018</a:t>
+              <a:pPr/>
+              <a:t>2/17/2018</a:t>
             </a:fld>
             <a:endParaRPr lang="en-US"/>
           </a:p>
@@ -2225,6 +2251,7 @@
           <a:p>
             <a:fld id="{4CBFCD2A-2603-42ED-B016-630ECA9A0BFA}" type="slidenum">
               <a:rPr lang="en-US" smtClean="0"/>
+              <a:pPr/>
               <a:t>‹#›</a:t>
             </a:fld>
             <a:endParaRPr lang="en-US"/>
@@ -2329,7 +2356,8 @@
           <a:p>
             <a:fld id="{678577BD-1F2F-4A43-85B9-1805CBCE89E2}" type="datetimeFigureOut">
               <a:rPr lang="en-US" smtClean="0"/>
-              <a:t>2/15/2018</a:t>
+              <a:pPr/>
+              <a:t>2/17/2018</a:t>
             </a:fld>
             <a:endParaRPr lang="en-US"/>
           </a:p>
@@ -2375,6 +2403,7 @@
           <a:p>
             <a:fld id="{4CBFCD2A-2603-42ED-B016-630ECA9A0BFA}" type="slidenum">
               <a:rPr lang="en-US" smtClean="0"/>
+              <a:pPr/>
               <a:t>‹#›</a:t>
             </a:fld>
             <a:endParaRPr lang="en-US"/>
@@ -2650,7 +2679,8 @@
           <a:p>
             <a:fld id="{678577BD-1F2F-4A43-85B9-1805CBCE89E2}" type="datetimeFigureOut">
               <a:rPr lang="en-US" smtClean="0"/>
-              <a:t>2/15/2018</a:t>
+              <a:pPr/>
+              <a:t>2/17/2018</a:t>
             </a:fld>
             <a:endParaRPr lang="en-US"/>
           </a:p>
@@ -2689,6 +2719,7 @@
           <a:p>
             <a:fld id="{4CBFCD2A-2603-42ED-B016-630ECA9A0BFA}" type="slidenum">
               <a:rPr lang="en-US" smtClean="0"/>
+              <a:pPr/>
               <a:t>‹#›</a:t>
             </a:fld>
             <a:endParaRPr lang="en-US"/>
@@ -2947,7 +2978,8 @@
           <a:p>
             <a:fld id="{678577BD-1F2F-4A43-85B9-1805CBCE89E2}" type="datetimeFigureOut">
               <a:rPr lang="en-US" smtClean="0"/>
-              <a:t>2/15/2018</a:t>
+              <a:pPr/>
+              <a:t>2/17/2018</a:t>
             </a:fld>
             <a:endParaRPr lang="en-US"/>
           </a:p>
@@ -2986,6 +3018,7 @@
           <a:p>
             <a:fld id="{4CBFCD2A-2603-42ED-B016-630ECA9A0BFA}" type="slidenum">
               <a:rPr lang="en-US" smtClean="0"/>
+              <a:pPr/>
               <a:t>‹#›</a:t>
             </a:fld>
             <a:endParaRPr lang="en-US"/>
@@ -3192,7 +3225,8 @@
           <a:p>
             <a:fld id="{678577BD-1F2F-4A43-85B9-1805CBCE89E2}" type="datetimeFigureOut">
               <a:rPr lang="en-US" smtClean="0"/>
-              <a:t>2/15/2018</a:t>
+              <a:pPr/>
+              <a:t>2/17/2018</a:t>
             </a:fld>
             <a:endParaRPr lang="en-US"/>
           </a:p>
@@ -3235,6 +3269,7 @@
           <a:p>
             <a:fld id="{4CBFCD2A-2603-42ED-B016-630ECA9A0BFA}" type="slidenum">
               <a:rPr lang="en-US" smtClean="0"/>
+              <a:pPr/>
               <a:t>‹#›</a:t>
             </a:fld>
             <a:endParaRPr lang="en-US"/>
@@ -3696,16 +3731,10 @@
           <a:lstStyle/>
           <a:p>
             <a:r>
-              <a:rPr lang="en-US" dirty="0" err="1">
+              <a:rPr lang="en-US" dirty="0">
                 <a:latin typeface="AR JULIAN" pitchFamily="2" charset="0"/>
               </a:rPr>
               <a:t>Psychoinformatics</a:t>
-            </a:r>
-            <a:r>
-              <a:rPr lang="en-US" dirty="0">
-                <a:latin typeface="AR JULIAN" pitchFamily="2" charset="0"/>
-              </a:rPr>
-              <a:t/>
             </a:r>
             <a:br>
               <a:rPr lang="en-US" dirty="0">
@@ -3764,6 +3793,1839 @@
           <a:xfrm>
             <a:off x="0" y="3452414"/>
             <a:ext cx="4876800" cy="3405586"/>
+          </a:xfrm>
+          <a:prstGeom prst="rect">
+            <a:avLst/>
+          </a:prstGeom>
+          <a:ln>
+            <a:noFill/>
+          </a:ln>
+          <a:effectLst>
+            <a:softEdge rad="112500"/>
+          </a:effectLst>
+        </p:spPr>
+      </p:pic>
+    </p:spTree>
+  </p:cSld>
+  <p:clrMapOvr>
+    <a:masterClrMapping/>
+  </p:clrMapOvr>
+  <p:timing>
+    <p:tnLst>
+      <p:par>
+        <p:cTn id="1" dur="indefinite" restart="never" nodeType="tmRoot"/>
+      </p:par>
+    </p:tnLst>
+  </p:timing>
+</p:sld>
+</file>
+
+<file path=ppt/slides/slide10.xml><?xml version="1.0" encoding="utf-8"?>
+<p:sld xmlns:a="http://schemas.openxmlformats.org/drawingml/2006/main" xmlns:r="http://schemas.openxmlformats.org/officeDocument/2006/relationships" xmlns:p="http://schemas.openxmlformats.org/presentationml/2006/main">
+  <p:cSld>
+    <p:spTree>
+      <p:nvGrpSpPr>
+        <p:cNvPr id="1" name=""/>
+        <p:cNvGrpSpPr/>
+        <p:nvPr/>
+      </p:nvGrpSpPr>
+      <p:grpSpPr>
+        <a:xfrm>
+          <a:off x="0" y="0"/>
+          <a:ext cx="0" cy="0"/>
+          <a:chOff x="0" y="0"/>
+          <a:chExt cx="0" cy="0"/>
+        </a:xfrm>
+      </p:grpSpPr>
+      <p:sp>
+        <p:nvSpPr>
+          <p:cNvPr id="2" name="Title 1"/>
+          <p:cNvSpPr>
+            <a:spLocks noGrp="1"/>
+          </p:cNvSpPr>
+          <p:nvPr>
+            <p:ph type="title"/>
+          </p:nvPr>
+        </p:nvSpPr>
+        <p:spPr/>
+        <p:txBody>
+          <a:bodyPr/>
+          <a:lstStyle/>
+          <a:p>
+            <a:r>
+              <a:rPr lang="en-US" dirty="0" smtClean="0">
+                <a:effectLst>
+                  <a:outerShdw blurRad="38100" dist="38100" dir="2700000" algn="tl">
+                    <a:srgbClr val="000000">
+                      <a:alpha val="43137"/>
+                    </a:srgbClr>
+                  </a:outerShdw>
+                </a:effectLst>
+              </a:rPr>
+              <a:t>Annual Average Salary</a:t>
+            </a:r>
+            <a:endParaRPr lang="en-US" dirty="0">
+              <a:effectLst>
+                <a:outerShdw blurRad="38100" dist="38100" dir="2700000" algn="tl">
+                  <a:srgbClr val="000000">
+                    <a:alpha val="43137"/>
+                  </a:srgbClr>
+                </a:outerShdw>
+              </a:effectLst>
+            </a:endParaRPr>
+          </a:p>
+        </p:txBody>
+      </p:sp>
+      <p:sp>
+        <p:nvSpPr>
+          <p:cNvPr id="3" name="Content Placeholder 2"/>
+          <p:cNvSpPr>
+            <a:spLocks noGrp="1"/>
+          </p:cNvSpPr>
+          <p:nvPr>
+            <p:ph idx="1"/>
+          </p:nvPr>
+        </p:nvSpPr>
+        <p:spPr/>
+        <p:txBody>
+          <a:bodyPr/>
+          <a:lstStyle/>
+          <a:p>
+            <a:r>
+              <a:rPr lang="en-US" dirty="0" smtClean="0"/>
+              <a:t>Hanford, </a:t>
+            </a:r>
+            <a:r>
+              <a:rPr lang="en-US" dirty="0" smtClean="0"/>
+              <a:t>CA- $109,900*</a:t>
+            </a:r>
+          </a:p>
+          <a:p>
+            <a:r>
+              <a:rPr lang="en-US" dirty="0" smtClean="0"/>
+              <a:t>San Luis Obispo, </a:t>
+            </a:r>
+            <a:r>
+              <a:rPr lang="en-US" dirty="0" smtClean="0"/>
+              <a:t>CA- </a:t>
+            </a:r>
+            <a:r>
+              <a:rPr lang="en-US" dirty="0" smtClean="0"/>
+              <a:t> $</a:t>
+            </a:r>
+            <a:r>
+              <a:rPr lang="en-US" dirty="0" smtClean="0"/>
+              <a:t>105,780*</a:t>
+            </a:r>
+          </a:p>
+          <a:p>
+            <a:r>
+              <a:rPr lang="en-US" dirty="0" smtClean="0"/>
+              <a:t>United Kingdom- </a:t>
+            </a:r>
+            <a:r>
+              <a:rPr lang="en-US" dirty="0" smtClean="0"/>
+              <a:t>£58,217 ~</a:t>
+            </a:r>
+            <a:r>
+              <a:rPr lang="en-US" dirty="0" smtClean="0"/>
+              <a:t> $81,666 </a:t>
+            </a:r>
+          </a:p>
+          <a:p>
+            <a:pPr>
+              <a:buNone/>
+            </a:pPr>
+            <a:r>
+              <a:rPr lang="en-US" dirty="0" smtClean="0"/>
+              <a:t>	</a:t>
+            </a:r>
+            <a:r>
+              <a:rPr lang="en-US" dirty="0" smtClean="0"/>
+              <a:t>(on average)</a:t>
+            </a:r>
+          </a:p>
+          <a:p>
+            <a:pPr>
+              <a:buNone/>
+            </a:pPr>
+            <a:endParaRPr lang="en-US" dirty="0" smtClean="0"/>
+          </a:p>
+          <a:p>
+            <a:endParaRPr lang="en-US" dirty="0" smtClean="0"/>
+          </a:p>
+          <a:p>
+            <a:endParaRPr lang="en-US" dirty="0" smtClean="0"/>
+          </a:p>
+          <a:p>
+            <a:endParaRPr lang="en-US" dirty="0"/>
+          </a:p>
+        </p:txBody>
+      </p:sp>
+      <p:pic>
+        <p:nvPicPr>
+          <p:cNvPr id="5122" name="Picture 2" descr="F:\Documents\School\17-18\Tech. School\Documents &amp; Presentations\E-Day Assignments\pound-dollar2.jpg"/>
+          <p:cNvPicPr>
+            <a:picLocks noChangeAspect="1" noChangeArrowheads="1"/>
+          </p:cNvPicPr>
+          <p:nvPr/>
+        </p:nvPicPr>
+        <p:blipFill>
+          <a:blip r:embed="rId2" cstate="print"/>
+          <a:srcRect/>
+          <a:stretch>
+            <a:fillRect/>
+          </a:stretch>
+        </p:blipFill>
+        <p:spPr bwMode="auto">
+          <a:xfrm>
+            <a:off x="4495800" y="3276600"/>
+            <a:ext cx="4048125" cy="2686050"/>
+          </a:xfrm>
+          <a:prstGeom prst="ellipse">
+            <a:avLst/>
+          </a:prstGeom>
+          <a:ln w="63500" cap="rnd">
+            <a:solidFill>
+              <a:srgbClr val="333333"/>
+            </a:solidFill>
+          </a:ln>
+          <a:effectLst>
+            <a:outerShdw blurRad="381000" dist="292100" dir="5400000" sx="-80000" sy="-18000" rotWithShape="0">
+              <a:srgbClr val="000000">
+                <a:alpha val="22000"/>
+              </a:srgbClr>
+            </a:outerShdw>
+          </a:effectLst>
+          <a:scene3d>
+            <a:camera prst="orthographicFront"/>
+            <a:lightRig rig="contrasting" dir="t">
+              <a:rot lat="0" lon="0" rev="3000000"/>
+            </a:lightRig>
+          </a:scene3d>
+          <a:sp3d contourW="7620">
+            <a:bevelT w="95250" h="31750"/>
+            <a:contourClr>
+              <a:srgbClr val="333333"/>
+            </a:contourClr>
+          </a:sp3d>
+        </p:spPr>
+      </p:pic>
+      <p:sp>
+        <p:nvSpPr>
+          <p:cNvPr id="5" name="TextBox 4"/>
+          <p:cNvSpPr txBox="1"/>
+          <p:nvPr/>
+        </p:nvSpPr>
+        <p:spPr>
+          <a:xfrm>
+            <a:off x="152400" y="6019800"/>
+            <a:ext cx="6324600" cy="646331"/>
+          </a:xfrm>
+          <a:prstGeom prst="rect">
+            <a:avLst/>
+          </a:prstGeom>
+          <a:noFill/>
+        </p:spPr>
+        <p:txBody>
+          <a:bodyPr wrap="square" rtlCol="0">
+            <a:spAutoFit/>
+          </a:bodyPr>
+          <a:lstStyle/>
+          <a:p>
+            <a:r>
+              <a:rPr lang="en-US" dirty="0" smtClean="0"/>
+              <a:t>*Earnings based on normal psychologist salary (actual expected salary would be higher)</a:t>
+            </a:r>
+          </a:p>
+        </p:txBody>
+      </p:sp>
+    </p:spTree>
+  </p:cSld>
+  <p:clrMapOvr>
+    <a:masterClrMapping/>
+  </p:clrMapOvr>
+  <p:timing>
+    <p:tnLst>
+      <p:par>
+        <p:cTn id="1" dur="indefinite" restart="never" nodeType="tmRoot"/>
+      </p:par>
+    </p:tnLst>
+  </p:timing>
+</p:sld>
+</file>
+
+<file path=ppt/slides/slide11.xml><?xml version="1.0" encoding="utf-8"?>
+<p:sld xmlns:a="http://schemas.openxmlformats.org/drawingml/2006/main" xmlns:r="http://schemas.openxmlformats.org/officeDocument/2006/relationships" xmlns:p="http://schemas.openxmlformats.org/presentationml/2006/main">
+  <p:cSld>
+    <p:spTree>
+      <p:nvGrpSpPr>
+        <p:cNvPr id="1" name=""/>
+        <p:cNvGrpSpPr/>
+        <p:nvPr/>
+      </p:nvGrpSpPr>
+      <p:grpSpPr>
+        <a:xfrm>
+          <a:off x="0" y="0"/>
+          <a:ext cx="0" cy="0"/>
+          <a:chOff x="0" y="0"/>
+          <a:chExt cx="0" cy="0"/>
+        </a:xfrm>
+      </p:grpSpPr>
+      <p:sp>
+        <p:nvSpPr>
+          <p:cNvPr id="2" name="Title 1"/>
+          <p:cNvSpPr>
+            <a:spLocks noGrp="1"/>
+          </p:cNvSpPr>
+          <p:nvPr>
+            <p:ph type="title"/>
+          </p:nvPr>
+        </p:nvSpPr>
+        <p:spPr/>
+        <p:txBody>
+          <a:bodyPr/>
+          <a:lstStyle/>
+          <a:p>
+            <a:r>
+              <a:rPr lang="en-US" dirty="0" smtClean="0"/>
+              <a:t>Cost of Living</a:t>
+            </a:r>
+            <a:endParaRPr lang="en-US" dirty="0"/>
+          </a:p>
+        </p:txBody>
+      </p:sp>
+      <p:sp>
+        <p:nvSpPr>
+          <p:cNvPr id="3" name="Content Placeholder 2"/>
+          <p:cNvSpPr>
+            <a:spLocks noGrp="1"/>
+          </p:cNvSpPr>
+          <p:nvPr>
+            <p:ph idx="1"/>
+          </p:nvPr>
+        </p:nvSpPr>
+        <p:spPr/>
+        <p:txBody>
+          <a:bodyPr/>
+          <a:lstStyle/>
+          <a:p>
+            <a:r>
+              <a:rPr lang="en-US" dirty="0" smtClean="0"/>
+              <a:t>Hanford, </a:t>
+            </a:r>
+            <a:r>
+              <a:rPr lang="en-US" dirty="0" smtClean="0"/>
+              <a:t>CA (Apartment Rent)- $934.00</a:t>
+            </a:r>
+          </a:p>
+          <a:p>
+            <a:r>
+              <a:rPr lang="en-US" dirty="0" smtClean="0"/>
+              <a:t>San Luis Obispo, </a:t>
+            </a:r>
+            <a:r>
+              <a:rPr lang="en-US" dirty="0" smtClean="0"/>
+              <a:t>CA (Apartment Rent)- $1,275.00 </a:t>
+            </a:r>
+          </a:p>
+          <a:p>
+            <a:r>
+              <a:rPr lang="en-US" dirty="0" smtClean="0"/>
+              <a:t>United </a:t>
+            </a:r>
+            <a:r>
+              <a:rPr lang="en-US" dirty="0" smtClean="0"/>
+              <a:t>Kingdom (Flat Rent)- £</a:t>
+            </a:r>
+            <a:r>
+              <a:rPr lang="en-US" dirty="0" smtClean="0"/>
+              <a:t>350 -£500 ~ $ 420 -$ </a:t>
+            </a:r>
+            <a:r>
+              <a:rPr lang="en-US" dirty="0" smtClean="0"/>
+              <a:t>700</a:t>
+            </a:r>
+            <a:r>
+              <a:rPr lang="en-US" dirty="0" smtClean="0"/>
+              <a:t/>
+            </a:r>
+            <a:br>
+              <a:rPr lang="en-US" dirty="0" smtClean="0"/>
+            </a:br>
+            <a:endParaRPr lang="en-US" dirty="0"/>
+          </a:p>
+        </p:txBody>
+      </p:sp>
+      <p:pic>
+        <p:nvPicPr>
+          <p:cNvPr id="7170" name="Picture 2" descr="F:\Documents\School\17-18\Tech. School\Documents &amp; Presentations\E-Day Assignments\flat.jpg"/>
+          <p:cNvPicPr>
+            <a:picLocks noChangeAspect="1" noChangeArrowheads="1"/>
+          </p:cNvPicPr>
+          <p:nvPr/>
+        </p:nvPicPr>
+        <p:blipFill>
+          <a:blip r:embed="rId2" cstate="print"/>
+          <a:srcRect/>
+          <a:stretch>
+            <a:fillRect/>
+          </a:stretch>
+        </p:blipFill>
+        <p:spPr bwMode="auto">
+          <a:xfrm>
+            <a:off x="4572000" y="3810000"/>
+            <a:ext cx="3810000" cy="2148072"/>
+          </a:xfrm>
+          <a:prstGeom prst="roundRect">
+            <a:avLst>
+              <a:gd name="adj" fmla="val 8594"/>
+            </a:avLst>
+          </a:prstGeom>
+          <a:solidFill>
+            <a:srgbClr val="FFFFFF">
+              <a:shade val="85000"/>
+            </a:srgbClr>
+          </a:solidFill>
+          <a:ln>
+            <a:noFill/>
+          </a:ln>
+          <a:effectLst>
+            <a:reflection blurRad="12700" stA="38000" endPos="28000" dist="5000" dir="5400000" sy="-100000" algn="bl" rotWithShape="0"/>
+          </a:effectLst>
+        </p:spPr>
+      </p:pic>
+    </p:spTree>
+  </p:cSld>
+  <p:clrMapOvr>
+    <a:masterClrMapping/>
+  </p:clrMapOvr>
+  <p:timing>
+    <p:tnLst>
+      <p:par>
+        <p:cTn id="1" dur="indefinite" restart="never" nodeType="tmRoot"/>
+      </p:par>
+    </p:tnLst>
+  </p:timing>
+</p:sld>
+</file>
+
+<file path=ppt/slides/slide12.xml><?xml version="1.0" encoding="utf-8"?>
+<p:sld xmlns:a="http://schemas.openxmlformats.org/drawingml/2006/main" xmlns:r="http://schemas.openxmlformats.org/officeDocument/2006/relationships" xmlns:p="http://schemas.openxmlformats.org/presentationml/2006/main">
+  <p:cSld>
+    <p:spTree>
+      <p:nvGrpSpPr>
+        <p:cNvPr id="1" name=""/>
+        <p:cNvGrpSpPr/>
+        <p:nvPr/>
+      </p:nvGrpSpPr>
+      <p:grpSpPr>
+        <a:xfrm>
+          <a:off x="0" y="0"/>
+          <a:ext cx="0" cy="0"/>
+          <a:chOff x="0" y="0"/>
+          <a:chExt cx="0" cy="0"/>
+        </a:xfrm>
+      </p:grpSpPr>
+      <p:pic>
+        <p:nvPicPr>
+          <p:cNvPr id="6147" name="Picture 3" descr="F:\Documents\School\17-18\Tech. School\Documents &amp; Presentations\E-Day Assignments\333381_10_800.jpeg"/>
+          <p:cNvPicPr>
+            <a:picLocks noChangeAspect="1" noChangeArrowheads="1"/>
+          </p:cNvPicPr>
+          <p:nvPr/>
+        </p:nvPicPr>
+        <p:blipFill>
+          <a:blip r:embed="rId2" cstate="print"/>
+          <a:srcRect/>
+          <a:stretch>
+            <a:fillRect/>
+          </a:stretch>
+        </p:blipFill>
+        <p:spPr bwMode="auto">
+          <a:xfrm>
+            <a:off x="3657600" y="1752600"/>
+            <a:ext cx="4572000" cy="4572000"/>
+          </a:xfrm>
+          <a:prstGeom prst="rect">
+            <a:avLst/>
+          </a:prstGeom>
+          <a:ln w="228600" cap="sq" cmpd="thickThin">
+            <a:solidFill>
+              <a:srgbClr val="000000"/>
+            </a:solidFill>
+            <a:prstDash val="solid"/>
+            <a:miter lim="800000"/>
+          </a:ln>
+          <a:effectLst>
+            <a:innerShdw blurRad="76200">
+              <a:srgbClr val="000000"/>
+            </a:innerShdw>
+          </a:effectLst>
+        </p:spPr>
+      </p:pic>
+      <p:sp>
+        <p:nvSpPr>
+          <p:cNvPr id="2" name="Title 1"/>
+          <p:cNvSpPr>
+            <a:spLocks noGrp="1"/>
+          </p:cNvSpPr>
+          <p:nvPr>
+            <p:ph type="title"/>
+          </p:nvPr>
+        </p:nvSpPr>
+        <p:spPr/>
+        <p:txBody>
+          <a:bodyPr/>
+          <a:lstStyle/>
+          <a:p>
+            <a:r>
+              <a:rPr lang="en-US" dirty="0" smtClean="0"/>
+              <a:t>Works Cited</a:t>
+            </a:r>
+            <a:endParaRPr lang="en-US" dirty="0"/>
+          </a:p>
+        </p:txBody>
+      </p:sp>
+      <p:sp>
+        <p:nvSpPr>
+          <p:cNvPr id="3" name="Content Placeholder 2"/>
+          <p:cNvSpPr>
+            <a:spLocks noGrp="1"/>
+          </p:cNvSpPr>
+          <p:nvPr>
+            <p:ph idx="1"/>
+          </p:nvPr>
+        </p:nvSpPr>
+        <p:spPr>
+          <a:xfrm>
+            <a:off x="457200" y="1371600"/>
+            <a:ext cx="3048000" cy="4648516"/>
+          </a:xfrm>
+        </p:spPr>
+        <p:txBody>
+          <a:bodyPr>
+            <a:noAutofit/>
+          </a:bodyPr>
+          <a:lstStyle/>
+          <a:p>
+            <a:r>
+              <a:rPr lang="en-US" sz="1700" dirty="0" smtClean="0">
+                <a:hlinkClick r:id="rId3"/>
+              </a:rPr>
+              <a:t>https://</a:t>
+            </a:r>
+            <a:r>
+              <a:rPr lang="en-US" sz="1700" dirty="0" smtClean="0">
+                <a:hlinkClick r:id="rId3"/>
+              </a:rPr>
+              <a:t>www.valuepenguin.com/2015/12/best-cities-psychologists</a:t>
+            </a:r>
+            <a:endParaRPr lang="en-US" sz="1700" dirty="0" smtClean="0"/>
+          </a:p>
+          <a:p>
+            <a:r>
+              <a:rPr lang="en-US" sz="1700" dirty="0" smtClean="0">
+                <a:hlinkClick r:id="rId4"/>
+              </a:rPr>
+              <a:t>http://</a:t>
+            </a:r>
+            <a:r>
+              <a:rPr lang="en-US" sz="1700" dirty="0" smtClean="0">
+                <a:hlinkClick r:id="rId4"/>
+              </a:rPr>
+              <a:t>journals.sagepub.com/doi/abs/10.1177/0963721412457362</a:t>
+            </a:r>
+            <a:endParaRPr lang="en-US" sz="1700" dirty="0" smtClean="0"/>
+          </a:p>
+          <a:p>
+            <a:r>
+              <a:rPr lang="en-US" sz="1700" dirty="0" smtClean="0">
+                <a:hlinkClick r:id="rId5"/>
+              </a:rPr>
+              <a:t>https://</a:t>
+            </a:r>
+            <a:r>
+              <a:rPr lang="en-US" sz="1700" dirty="0" smtClean="0">
+                <a:hlinkClick r:id="rId5"/>
+              </a:rPr>
+              <a:t>www.ncbi.nlm.nih.gov/pubmed/27403204</a:t>
+            </a:r>
+            <a:endParaRPr lang="en-US" sz="1700" dirty="0" smtClean="0"/>
+          </a:p>
+          <a:p>
+            <a:r>
+              <a:rPr lang="en-US" sz="1700" dirty="0" smtClean="0">
+                <a:hlinkClick r:id="rId6"/>
+              </a:rPr>
+              <a:t>https://www.meetup.com/action_design_ATX/messages/67108112/?_</a:t>
+            </a:r>
+            <a:r>
+              <a:rPr lang="en-US" sz="1700" dirty="0" smtClean="0">
+                <a:hlinkClick r:id="rId6"/>
+              </a:rPr>
+              <a:t>cookie-check=tW-MSjFjYsPSYbRp</a:t>
+            </a:r>
+            <a:endParaRPr lang="en-US" sz="1700" dirty="0" smtClean="0"/>
+          </a:p>
+          <a:p>
+            <a:r>
+              <a:rPr lang="en-US" sz="1700" dirty="0" smtClean="0">
+                <a:hlinkClick r:id="rId7"/>
+              </a:rPr>
+              <a:t>http</a:t>
+            </a:r>
+            <a:r>
+              <a:rPr lang="en-US" sz="1700" dirty="0" smtClean="0">
+                <a:hlinkClick r:id="rId7"/>
+              </a:rPr>
+              <a:t>://pilab.psy.utexas.edu</a:t>
+            </a:r>
+            <a:r>
+              <a:rPr lang="en-US" sz="1700" dirty="0" smtClean="0">
+                <a:hlinkClick r:id="rId7"/>
+              </a:rPr>
+              <a:t>/</a:t>
+            </a:r>
+            <a:endParaRPr lang="en-US" sz="1700" dirty="0" smtClean="0"/>
+          </a:p>
+          <a:p>
+            <a:r>
+              <a:rPr lang="en-US" sz="1700" dirty="0" smtClean="0">
+                <a:hlinkClick r:id="rId8"/>
+              </a:rPr>
+              <a:t>https://</a:t>
+            </a:r>
+            <a:r>
+              <a:rPr lang="en-US" sz="1700" dirty="0" smtClean="0">
+                <a:hlinkClick r:id="rId8"/>
+              </a:rPr>
+              <a:t>twitter.com/siliconhbo</a:t>
+            </a:r>
+            <a:endParaRPr lang="en-US" sz="1700" dirty="0" smtClean="0"/>
+          </a:p>
+          <a:p>
+            <a:r>
+              <a:rPr lang="en-US" sz="1700" dirty="0" smtClean="0">
+                <a:hlinkClick r:id="rId9"/>
+              </a:rPr>
+              <a:t>https://</a:t>
+            </a:r>
+            <a:r>
+              <a:rPr lang="en-US" sz="1700" dirty="0" smtClean="0">
+                <a:hlinkClick r:id="rId9"/>
+              </a:rPr>
+              <a:t>www.poundsterlinglive.com/usd/2087-investment-and-dollar-sterling-454354</a:t>
+            </a:r>
+            <a:endParaRPr lang="en-US" sz="1700" dirty="0" smtClean="0"/>
+          </a:p>
+          <a:p>
+            <a:endParaRPr lang="en-US" sz="1700" dirty="0" smtClean="0"/>
+          </a:p>
+          <a:p>
+            <a:endParaRPr lang="en-US" sz="1700" dirty="0" smtClean="0"/>
+          </a:p>
+          <a:p>
+            <a:endParaRPr lang="en-US" sz="1700" dirty="0"/>
+          </a:p>
+        </p:txBody>
+      </p:sp>
+    </p:spTree>
+  </p:cSld>
+  <p:clrMapOvr>
+    <a:masterClrMapping/>
+  </p:clrMapOvr>
+  <p:timing>
+    <p:tnLst>
+      <p:par>
+        <p:cTn id="1" dur="indefinite" restart="never" nodeType="tmRoot"/>
+      </p:par>
+    </p:tnLst>
+  </p:timing>
+</p:sld>
+</file>
+
+<file path=ppt/slides/slide2.xml><?xml version="1.0" encoding="utf-8"?>
+<p:sld xmlns:a="http://schemas.openxmlformats.org/drawingml/2006/main" xmlns:r="http://schemas.openxmlformats.org/officeDocument/2006/relationships" xmlns:p="http://schemas.openxmlformats.org/presentationml/2006/main">
+  <p:cSld>
+    <p:spTree>
+      <p:nvGrpSpPr>
+        <p:cNvPr id="1" name=""/>
+        <p:cNvGrpSpPr/>
+        <p:nvPr/>
+      </p:nvGrpSpPr>
+      <p:grpSpPr>
+        <a:xfrm>
+          <a:off x="0" y="0"/>
+          <a:ext cx="0" cy="0"/>
+          <a:chOff x="0" y="0"/>
+          <a:chExt cx="0" cy="0"/>
+        </a:xfrm>
+      </p:grpSpPr>
+      <p:sp>
+        <p:nvSpPr>
+          <p:cNvPr id="2" name="Title 1"/>
+          <p:cNvSpPr>
+            <a:spLocks noGrp="1"/>
+          </p:cNvSpPr>
+          <p:nvPr>
+            <p:ph type="title"/>
+          </p:nvPr>
+        </p:nvSpPr>
+        <p:spPr>
+          <a:xfrm>
+            <a:off x="533400" y="914400"/>
+            <a:ext cx="8229600" cy="1143000"/>
+          </a:xfrm>
+        </p:spPr>
+        <p:txBody>
+          <a:bodyPr>
+            <a:normAutofit fontScale="90000"/>
+          </a:bodyPr>
+          <a:lstStyle/>
+          <a:p>
+            <a:r>
+              <a:rPr lang="en-US" dirty="0" smtClean="0">
+                <a:effectLst>
+                  <a:outerShdw blurRad="38100" dist="38100" dir="2700000" algn="tl">
+                    <a:srgbClr val="000000">
+                      <a:alpha val="43137"/>
+                    </a:srgbClr>
+                  </a:outerShdw>
+                </a:effectLst>
+              </a:rPr>
+              <a:t>What is Psychoinformatics?</a:t>
+            </a:r>
+            <a:br>
+              <a:rPr lang="en-US" dirty="0" smtClean="0">
+                <a:effectLst>
+                  <a:outerShdw blurRad="38100" dist="38100" dir="2700000" algn="tl">
+                    <a:srgbClr val="000000">
+                      <a:alpha val="43137"/>
+                    </a:srgbClr>
+                  </a:outerShdw>
+                </a:effectLst>
+              </a:rPr>
+            </a:br>
+            <a:r>
+              <a:rPr lang="en-US" dirty="0" smtClean="0">
+                <a:effectLst>
+                  <a:outerShdw blurRad="38100" dist="38100" dir="2700000" algn="tl">
+                    <a:srgbClr val="000000">
+                      <a:alpha val="43137"/>
+                    </a:srgbClr>
+                  </a:outerShdw>
+                </a:effectLst>
+              </a:rPr>
+              <a:t> </a:t>
+            </a:r>
+            <a:endParaRPr lang="en-US" dirty="0">
+              <a:effectLst>
+                <a:outerShdw blurRad="38100" dist="38100" dir="2700000" algn="tl">
+                  <a:srgbClr val="000000">
+                    <a:alpha val="43137"/>
+                  </a:srgbClr>
+                </a:outerShdw>
+              </a:effectLst>
+            </a:endParaRPr>
+          </a:p>
+        </p:txBody>
+      </p:sp>
+      <p:sp>
+        <p:nvSpPr>
+          <p:cNvPr id="3" name="Content Placeholder 2"/>
+          <p:cNvSpPr>
+            <a:spLocks noGrp="1"/>
+          </p:cNvSpPr>
+          <p:nvPr>
+            <p:ph idx="1"/>
+          </p:nvPr>
+        </p:nvSpPr>
+        <p:spPr/>
+        <p:txBody>
+          <a:bodyPr/>
+          <a:lstStyle/>
+          <a:p>
+            <a:r>
+              <a:rPr lang="en-US" dirty="0" smtClean="0"/>
+              <a:t>A model for measuring randomized behaviour</a:t>
+            </a:r>
+          </a:p>
+          <a:p>
+            <a:r>
+              <a:rPr lang="en-US" dirty="0" smtClean="0"/>
+              <a:t>Essentially psychoanalyzing data sets that represent human actions</a:t>
+            </a:r>
+          </a:p>
+          <a:p>
+            <a:endParaRPr lang="en-US" dirty="0" smtClean="0"/>
+          </a:p>
+          <a:p>
+            <a:endParaRPr lang="en-US" dirty="0"/>
+          </a:p>
+        </p:txBody>
+      </p:sp>
+      <p:pic>
+        <p:nvPicPr>
+          <p:cNvPr id="1026" name="Picture 2" descr="F:\Documents\School\17-18\Tech. School\Documents &amp; Presentations\E-Day Assignments\digital brain.jpg"/>
+          <p:cNvPicPr>
+            <a:picLocks noChangeAspect="1" noChangeArrowheads="1"/>
+          </p:cNvPicPr>
+          <p:nvPr/>
+        </p:nvPicPr>
+        <p:blipFill>
+          <a:blip r:embed="rId2" cstate="print"/>
+          <a:srcRect/>
+          <a:stretch>
+            <a:fillRect/>
+          </a:stretch>
+        </p:blipFill>
+        <p:spPr bwMode="auto">
+          <a:xfrm>
+            <a:off x="4800600" y="3810000"/>
+            <a:ext cx="3897630" cy="2794000"/>
+          </a:xfrm>
+          <a:prstGeom prst="ellipse">
+            <a:avLst/>
+          </a:prstGeom>
+          <a:ln>
+            <a:noFill/>
+          </a:ln>
+          <a:effectLst>
+            <a:softEdge rad="112500"/>
+          </a:effectLst>
+        </p:spPr>
+      </p:pic>
+    </p:spTree>
+  </p:cSld>
+  <p:clrMapOvr>
+    <a:masterClrMapping/>
+  </p:clrMapOvr>
+  <p:timing>
+    <p:tnLst>
+      <p:par>
+        <p:cTn id="1" dur="indefinite" restart="never" nodeType="tmRoot"/>
+      </p:par>
+    </p:tnLst>
+  </p:timing>
+</p:sld>
+</file>
+
+<file path=ppt/slides/slide3.xml><?xml version="1.0" encoding="utf-8"?>
+<p:sld xmlns:a="http://schemas.openxmlformats.org/drawingml/2006/main" xmlns:r="http://schemas.openxmlformats.org/officeDocument/2006/relationships" xmlns:p="http://schemas.openxmlformats.org/presentationml/2006/main">
+  <p:cSld>
+    <p:spTree>
+      <p:nvGrpSpPr>
+        <p:cNvPr id="1" name=""/>
+        <p:cNvGrpSpPr/>
+        <p:nvPr/>
+      </p:nvGrpSpPr>
+      <p:grpSpPr>
+        <a:xfrm>
+          <a:off x="0" y="0"/>
+          <a:ext cx="0" cy="0"/>
+          <a:chOff x="0" y="0"/>
+          <a:chExt cx="0" cy="0"/>
+        </a:xfrm>
+      </p:grpSpPr>
+      <p:sp>
+        <p:nvSpPr>
+          <p:cNvPr id="2" name="Title 1"/>
+          <p:cNvSpPr>
+            <a:spLocks noGrp="1"/>
+          </p:cNvSpPr>
+          <p:nvPr>
+            <p:ph type="title"/>
+          </p:nvPr>
+        </p:nvSpPr>
+        <p:spPr/>
+        <p:txBody>
+          <a:bodyPr>
+            <a:normAutofit/>
+          </a:bodyPr>
+          <a:lstStyle/>
+          <a:p>
+            <a:r>
+              <a:rPr lang="en-US" dirty="0" smtClean="0">
+                <a:effectLst>
+                  <a:outerShdw blurRad="38100" dist="38100" dir="2700000" algn="tl">
+                    <a:srgbClr val="000000">
+                      <a:alpha val="43137"/>
+                    </a:srgbClr>
+                  </a:outerShdw>
+                </a:effectLst>
+              </a:rPr>
+              <a:t>What is Psychoinformatics?</a:t>
+            </a:r>
+            <a:endParaRPr lang="en-US" dirty="0"/>
+          </a:p>
+        </p:txBody>
+      </p:sp>
+      <p:sp>
+        <p:nvSpPr>
+          <p:cNvPr id="3" name="Content Placeholder 2"/>
+          <p:cNvSpPr>
+            <a:spLocks noGrp="1"/>
+          </p:cNvSpPr>
+          <p:nvPr>
+            <p:ph idx="1"/>
+          </p:nvPr>
+        </p:nvSpPr>
+        <p:spPr/>
+        <p:txBody>
+          <a:bodyPr/>
+          <a:lstStyle/>
+          <a:p>
+            <a:r>
+              <a:rPr lang="en-US" dirty="0" smtClean="0"/>
+              <a:t>Psychoinformatics is an emerging research discipline</a:t>
+            </a:r>
+          </a:p>
+          <a:p>
+            <a:r>
+              <a:rPr lang="en-US" dirty="0" smtClean="0"/>
+              <a:t>Meaning few schools</a:t>
+            </a:r>
+          </a:p>
+          <a:p>
+            <a:pPr>
+              <a:buNone/>
+            </a:pPr>
+            <a:r>
+              <a:rPr lang="en-US" dirty="0" smtClean="0"/>
+              <a:t>	offer it as a single course</a:t>
+            </a:r>
+          </a:p>
+          <a:p>
+            <a:pPr>
+              <a:buNone/>
+            </a:pPr>
+            <a:r>
+              <a:rPr lang="en-US" dirty="0" smtClean="0"/>
+              <a:t> </a:t>
+            </a:r>
+          </a:p>
+          <a:p>
+            <a:endParaRPr lang="en-US" dirty="0" smtClean="0"/>
+          </a:p>
+          <a:p>
+            <a:endParaRPr lang="en-US" dirty="0"/>
+          </a:p>
+        </p:txBody>
+      </p:sp>
+      <p:pic>
+        <p:nvPicPr>
+          <p:cNvPr id="1028" name="Picture 4" descr="F:\Documents\School\17-18\Tech. School\Documents &amp; Presentations\E-Day Assignments\1200px-University_of_Texas_at_Austin_seal.svg.png"/>
+          <p:cNvPicPr>
+            <a:picLocks noChangeAspect="1" noChangeArrowheads="1"/>
+          </p:cNvPicPr>
+          <p:nvPr/>
+        </p:nvPicPr>
+        <p:blipFill>
+          <a:blip r:embed="rId2" cstate="print"/>
+          <a:srcRect/>
+          <a:stretch>
+            <a:fillRect/>
+          </a:stretch>
+        </p:blipFill>
+        <p:spPr bwMode="auto">
+          <a:xfrm rot="879611">
+            <a:off x="5644299" y="3282100"/>
+            <a:ext cx="3505200" cy="3505200"/>
+          </a:xfrm>
+          <a:prstGeom prst="rect">
+            <a:avLst/>
+          </a:prstGeom>
+          <a:noFill/>
+        </p:spPr>
+      </p:pic>
+    </p:spTree>
+  </p:cSld>
+  <p:clrMapOvr>
+    <a:masterClrMapping/>
+  </p:clrMapOvr>
+  <p:timing>
+    <p:tnLst>
+      <p:par>
+        <p:cTn id="1" dur="indefinite" restart="never" nodeType="tmRoot"/>
+      </p:par>
+    </p:tnLst>
+  </p:timing>
+</p:sld>
+</file>
+
+<file path=ppt/slides/slide4.xml><?xml version="1.0" encoding="utf-8"?>
+<p:sld xmlns:a="http://schemas.openxmlformats.org/drawingml/2006/main" xmlns:r="http://schemas.openxmlformats.org/officeDocument/2006/relationships" xmlns:p="http://schemas.openxmlformats.org/presentationml/2006/main">
+  <p:cSld>
+    <p:spTree>
+      <p:nvGrpSpPr>
+        <p:cNvPr id="1" name=""/>
+        <p:cNvGrpSpPr/>
+        <p:nvPr/>
+      </p:nvGrpSpPr>
+      <p:grpSpPr>
+        <a:xfrm>
+          <a:off x="0" y="0"/>
+          <a:ext cx="0" cy="0"/>
+          <a:chOff x="0" y="0"/>
+          <a:chExt cx="0" cy="0"/>
+        </a:xfrm>
+      </p:grpSpPr>
+      <p:sp>
+        <p:nvSpPr>
+          <p:cNvPr id="2" name="Title 1"/>
+          <p:cNvSpPr>
+            <a:spLocks noGrp="1"/>
+          </p:cNvSpPr>
+          <p:nvPr>
+            <p:ph type="title"/>
+          </p:nvPr>
+        </p:nvSpPr>
+        <p:spPr/>
+        <p:txBody>
+          <a:bodyPr>
+            <a:normAutofit fontScale="90000"/>
+          </a:bodyPr>
+          <a:lstStyle/>
+          <a:p>
+            <a:r>
+              <a:rPr lang="en-US" dirty="0" smtClean="0"/>
+              <a:t>What Courses You Should Take?</a:t>
+            </a:r>
+            <a:endParaRPr lang="en-US" dirty="0"/>
+          </a:p>
+        </p:txBody>
+      </p:sp>
+      <p:sp>
+        <p:nvSpPr>
+          <p:cNvPr id="3" name="Content Placeholder 2"/>
+          <p:cNvSpPr>
+            <a:spLocks noGrp="1"/>
+          </p:cNvSpPr>
+          <p:nvPr>
+            <p:ph idx="1"/>
+          </p:nvPr>
+        </p:nvSpPr>
+        <p:spPr/>
+        <p:txBody>
+          <a:bodyPr/>
+          <a:lstStyle/>
+          <a:p>
+            <a:r>
+              <a:rPr lang="en-US" dirty="0" smtClean="0"/>
+              <a:t>At the very least a minor in Computer Science (a bachelors degree is preferred)</a:t>
+            </a:r>
+          </a:p>
+          <a:p>
+            <a:r>
+              <a:rPr lang="en-US" dirty="0" smtClean="0"/>
+              <a:t> A Master of Science (M.S.) in Psychology</a:t>
+            </a:r>
+          </a:p>
+          <a:p>
+            <a:r>
+              <a:rPr lang="en-US" dirty="0" smtClean="0"/>
+              <a:t>A Bachelor of Science degree (B.S.) might also be accepted as this is an emerging field</a:t>
+            </a:r>
+          </a:p>
+          <a:p>
+            <a:r>
+              <a:rPr lang="en-US" dirty="0" smtClean="0"/>
+              <a:t>So lots of studying</a:t>
+            </a:r>
+            <a:endParaRPr lang="en-US" dirty="0"/>
+          </a:p>
+        </p:txBody>
+      </p:sp>
+      <p:pic>
+        <p:nvPicPr>
+          <p:cNvPr id="5" name="Picture 3" descr="F:\Documents\School\17-18\Tech. School\Documents &amp; Presentations\E-Day Assignments\Glasses Cat.JPG"/>
+          <p:cNvPicPr>
+            <a:picLocks noChangeAspect="1" noChangeArrowheads="1"/>
+          </p:cNvPicPr>
+          <p:nvPr/>
+        </p:nvPicPr>
+        <p:blipFill>
+          <a:blip r:embed="rId2" cstate="print"/>
+          <a:srcRect/>
+          <a:stretch>
+            <a:fillRect/>
+          </a:stretch>
+        </p:blipFill>
+        <p:spPr bwMode="auto">
+          <a:xfrm rot="700954">
+            <a:off x="7056208" y="4424069"/>
+            <a:ext cx="1877687" cy="2267308"/>
+          </a:xfrm>
+          <a:prstGeom prst="snip2DiagRect">
+            <a:avLst>
+              <a:gd name="adj1" fmla="val 18521"/>
+              <a:gd name="adj2" fmla="val 16667"/>
+            </a:avLst>
+          </a:prstGeom>
+          <a:solidFill>
+            <a:srgbClr val="FFFFFF">
+              <a:shade val="85000"/>
+            </a:srgbClr>
+          </a:solidFill>
+          <a:ln w="88900" cap="sq">
+            <a:solidFill>
+              <a:srgbClr val="FFFFFF"/>
+            </a:solidFill>
+            <a:miter lim="800000"/>
+          </a:ln>
+          <a:effectLst>
+            <a:outerShdw blurRad="88900" algn="tl" rotWithShape="0">
+              <a:srgbClr val="000000">
+                <a:alpha val="45000"/>
+              </a:srgbClr>
+            </a:outerShdw>
+          </a:effectLst>
+          <a:scene3d>
+            <a:camera prst="orthographicFront"/>
+            <a:lightRig rig="twoPt" dir="t">
+              <a:rot lat="0" lon="0" rev="7200000"/>
+            </a:lightRig>
+          </a:scene3d>
+          <a:sp3d>
+            <a:bevelT w="25400" h="19050"/>
+            <a:contourClr>
+              <a:srgbClr val="FFFFFF"/>
+            </a:contourClr>
+          </a:sp3d>
+        </p:spPr>
+      </p:pic>
+    </p:spTree>
+  </p:cSld>
+  <p:clrMapOvr>
+    <a:masterClrMapping/>
+  </p:clrMapOvr>
+  <p:timing>
+    <p:tnLst>
+      <p:par>
+        <p:cTn id="1" dur="indefinite" restart="never" nodeType="tmRoot"/>
+      </p:par>
+    </p:tnLst>
+  </p:timing>
+</p:sld>
+</file>
+
+<file path=ppt/slides/slide5.xml><?xml version="1.0" encoding="utf-8"?>
+<p:sld xmlns:a="http://schemas.openxmlformats.org/drawingml/2006/main" xmlns:r="http://schemas.openxmlformats.org/officeDocument/2006/relationships" xmlns:p="http://schemas.openxmlformats.org/presentationml/2006/main">
+  <p:cSld>
+    <p:spTree>
+      <p:nvGrpSpPr>
+        <p:cNvPr id="1" name=""/>
+        <p:cNvGrpSpPr/>
+        <p:nvPr/>
+      </p:nvGrpSpPr>
+      <p:grpSpPr>
+        <a:xfrm>
+          <a:off x="0" y="0"/>
+          <a:ext cx="0" cy="0"/>
+          <a:chOff x="0" y="0"/>
+          <a:chExt cx="0" cy="0"/>
+        </a:xfrm>
+      </p:grpSpPr>
+      <p:sp>
+        <p:nvSpPr>
+          <p:cNvPr id="2" name="Title 1"/>
+          <p:cNvSpPr>
+            <a:spLocks noGrp="1"/>
+          </p:cNvSpPr>
+          <p:nvPr>
+            <p:ph type="title"/>
+          </p:nvPr>
+        </p:nvSpPr>
+        <p:spPr/>
+        <p:txBody>
+          <a:bodyPr/>
+          <a:lstStyle/>
+          <a:p>
+            <a:r>
+              <a:rPr lang="en-US" dirty="0" smtClean="0"/>
+              <a:t>Where to Take </a:t>
+            </a:r>
+            <a:r>
+              <a:rPr lang="en-US" dirty="0" smtClean="0"/>
+              <a:t>T</a:t>
+            </a:r>
+            <a:r>
+              <a:rPr lang="en-US" dirty="0" smtClean="0"/>
+              <a:t>hese </a:t>
+            </a:r>
+            <a:r>
+              <a:rPr lang="en-US" dirty="0" smtClean="0"/>
+              <a:t>C</a:t>
+            </a:r>
+            <a:r>
+              <a:rPr lang="en-US" dirty="0" smtClean="0"/>
+              <a:t>ourses</a:t>
+            </a:r>
+            <a:endParaRPr lang="en-US" dirty="0"/>
+          </a:p>
+        </p:txBody>
+      </p:sp>
+      <p:sp>
+        <p:nvSpPr>
+          <p:cNvPr id="3" name="Content Placeholder 2"/>
+          <p:cNvSpPr>
+            <a:spLocks noGrp="1"/>
+          </p:cNvSpPr>
+          <p:nvPr>
+            <p:ph idx="1"/>
+          </p:nvPr>
+        </p:nvSpPr>
+        <p:spPr/>
+        <p:txBody>
+          <a:bodyPr/>
+          <a:lstStyle/>
+          <a:p>
+            <a:r>
+              <a:rPr lang="en-US" dirty="0" smtClean="0"/>
+              <a:t>The University </a:t>
+            </a:r>
+            <a:r>
+              <a:rPr lang="en-US" dirty="0" smtClean="0"/>
+              <a:t>of T</a:t>
+            </a:r>
+            <a:r>
+              <a:rPr lang="en-US" dirty="0" smtClean="0"/>
+              <a:t>exas </a:t>
+            </a:r>
+            <a:r>
+              <a:rPr lang="en-US" dirty="0" smtClean="0"/>
+              <a:t>at </a:t>
+            </a:r>
+            <a:r>
+              <a:rPr lang="en-US" dirty="0" smtClean="0"/>
+              <a:t>Austin actually has a Psychoinformatics Lab</a:t>
+            </a:r>
+          </a:p>
+          <a:p>
+            <a:r>
+              <a:rPr lang="en-US" dirty="0" smtClean="0"/>
+              <a:t>This course is part of the </a:t>
+            </a:r>
+            <a:r>
+              <a:rPr lang="en-US" dirty="0" smtClean="0"/>
+              <a:t>Department of </a:t>
+            </a:r>
+            <a:r>
+              <a:rPr lang="en-US" dirty="0" smtClean="0"/>
+              <a:t>Psychology, with courses in the Computer Science department</a:t>
+            </a:r>
+          </a:p>
+          <a:p>
+            <a:endParaRPr lang="en-US" dirty="0"/>
+          </a:p>
+        </p:txBody>
+      </p:sp>
+      <p:pic>
+        <p:nvPicPr>
+          <p:cNvPr id="1028" name="Picture 4" descr="F:\Documents\School\17-18\Tech. School\Documents &amp; Presentations\E-Day Assignments\brain.jpg"/>
+          <p:cNvPicPr>
+            <a:picLocks noChangeAspect="1" noChangeArrowheads="1"/>
+          </p:cNvPicPr>
+          <p:nvPr/>
+        </p:nvPicPr>
+        <p:blipFill>
+          <a:blip r:embed="rId2" cstate="print"/>
+          <a:srcRect/>
+          <a:stretch>
+            <a:fillRect/>
+          </a:stretch>
+        </p:blipFill>
+        <p:spPr bwMode="auto">
+          <a:xfrm rot="21392662">
+            <a:off x="6400617" y="3862811"/>
+            <a:ext cx="1830032" cy="2577510"/>
+          </a:xfrm>
+          <a:prstGeom prst="rect">
+            <a:avLst/>
+          </a:prstGeom>
+          <a:solidFill>
+            <a:srgbClr val="FFFFFF">
+              <a:shade val="85000"/>
+            </a:srgbClr>
+          </a:solidFill>
+          <a:ln w="190500" cap="sq">
+            <a:solidFill>
+              <a:srgbClr val="FFFFFF"/>
+            </a:solidFill>
+            <a:miter lim="800000"/>
+          </a:ln>
+          <a:effectLst>
+            <a:outerShdw blurRad="65000" dist="50800" dir="12900000" kx="195000" ky="145000" algn="tl" rotWithShape="0">
+              <a:srgbClr val="000000">
+                <a:alpha val="30000"/>
+              </a:srgbClr>
+            </a:outerShdw>
+          </a:effectLst>
+          <a:scene3d>
+            <a:camera prst="orthographicFront">
+              <a:rot lat="0" lon="0" rev="360000"/>
+            </a:camera>
+            <a:lightRig rig="twoPt" dir="t">
+              <a:rot lat="0" lon="0" rev="7200000"/>
+            </a:lightRig>
+          </a:scene3d>
+          <a:sp3d contourW="12700">
+            <a:bevelT w="25400" h="19050"/>
+            <a:contourClr>
+              <a:srgbClr val="969696"/>
+            </a:contourClr>
+          </a:sp3d>
+        </p:spPr>
+      </p:pic>
+    </p:spTree>
+  </p:cSld>
+  <p:clrMapOvr>
+    <a:masterClrMapping/>
+  </p:clrMapOvr>
+  <p:timing>
+    <p:tnLst>
+      <p:par>
+        <p:cTn id="1" dur="indefinite" restart="never" nodeType="tmRoot"/>
+      </p:par>
+    </p:tnLst>
+  </p:timing>
+</p:sld>
+</file>
+
+<file path=ppt/slides/slide6.xml><?xml version="1.0" encoding="utf-8"?>
+<p:sld xmlns:a="http://schemas.openxmlformats.org/drawingml/2006/main" xmlns:r="http://schemas.openxmlformats.org/officeDocument/2006/relationships" xmlns:p="http://schemas.openxmlformats.org/presentationml/2006/main">
+  <p:cSld>
+    <p:spTree>
+      <p:nvGrpSpPr>
+        <p:cNvPr id="1" name=""/>
+        <p:cNvGrpSpPr/>
+        <p:nvPr/>
+      </p:nvGrpSpPr>
+      <p:grpSpPr>
+        <a:xfrm>
+          <a:off x="0" y="0"/>
+          <a:ext cx="0" cy="0"/>
+          <a:chOff x="0" y="0"/>
+          <a:chExt cx="0" cy="0"/>
+        </a:xfrm>
+      </p:grpSpPr>
+      <p:sp>
+        <p:nvSpPr>
+          <p:cNvPr id="2" name="Title 1"/>
+          <p:cNvSpPr>
+            <a:spLocks noGrp="1"/>
+          </p:cNvSpPr>
+          <p:nvPr>
+            <p:ph type="title"/>
+          </p:nvPr>
+        </p:nvSpPr>
+        <p:spPr/>
+        <p:txBody>
+          <a:bodyPr/>
+          <a:lstStyle/>
+          <a:p>
+            <a:r>
+              <a:rPr lang="en-US" dirty="0" smtClean="0"/>
+              <a:t>Basic </a:t>
+            </a:r>
+            <a:r>
+              <a:rPr lang="en-US" dirty="0" smtClean="0"/>
+              <a:t>S</a:t>
+            </a:r>
+            <a:r>
+              <a:rPr lang="en-US" dirty="0" smtClean="0"/>
+              <a:t>kills Expected</a:t>
+            </a:r>
+            <a:endParaRPr lang="en-US" dirty="0"/>
+          </a:p>
+        </p:txBody>
+      </p:sp>
+      <p:sp>
+        <p:nvSpPr>
+          <p:cNvPr id="3" name="Content Placeholder 2"/>
+          <p:cNvSpPr>
+            <a:spLocks noGrp="1"/>
+          </p:cNvSpPr>
+          <p:nvPr>
+            <p:ph idx="1"/>
+          </p:nvPr>
+        </p:nvSpPr>
+        <p:spPr/>
+        <p:txBody>
+          <a:bodyPr/>
+          <a:lstStyle/>
+          <a:p>
+            <a:r>
+              <a:rPr lang="en-US" dirty="0" smtClean="0"/>
+              <a:t>The ability to write (and read) code in Python</a:t>
+            </a:r>
+          </a:p>
+          <a:p>
+            <a:r>
+              <a:rPr lang="en-US" dirty="0" smtClean="0"/>
+              <a:t> </a:t>
+            </a:r>
+            <a:r>
+              <a:rPr lang="en-US" dirty="0" smtClean="0"/>
+              <a:t>Able to evaluate </a:t>
+            </a:r>
+            <a:r>
+              <a:rPr lang="en-US" dirty="0" smtClean="0"/>
+              <a:t>psychological </a:t>
+            </a:r>
+            <a:r>
+              <a:rPr lang="en-US" dirty="0" smtClean="0"/>
+              <a:t>research</a:t>
+            </a:r>
+          </a:p>
+          <a:p>
+            <a:r>
+              <a:rPr lang="en-US" dirty="0" smtClean="0"/>
+              <a:t>Understanding of Big </a:t>
+            </a:r>
+            <a:r>
+              <a:rPr lang="en-US" dirty="0" smtClean="0"/>
+              <a:t>Data and machine learning applications in </a:t>
+            </a:r>
+            <a:r>
+              <a:rPr lang="en-US" dirty="0" smtClean="0"/>
+              <a:t>psychology</a:t>
+            </a:r>
+          </a:p>
+          <a:p>
+            <a:r>
+              <a:rPr lang="en-US" dirty="0" smtClean="0"/>
+              <a:t>Knowledgeable in exploratory </a:t>
+            </a:r>
+          </a:p>
+          <a:p>
+            <a:pPr>
+              <a:buNone/>
+            </a:pPr>
+            <a:r>
+              <a:rPr lang="en-US" dirty="0" smtClean="0"/>
+              <a:t>	</a:t>
+            </a:r>
+            <a:r>
+              <a:rPr lang="en-US" dirty="0" smtClean="0"/>
+              <a:t>data </a:t>
+            </a:r>
+            <a:r>
+              <a:rPr lang="en-US" dirty="0" smtClean="0"/>
+              <a:t>visualization</a:t>
+            </a:r>
+            <a:endParaRPr lang="en-US" dirty="0" smtClean="0"/>
+          </a:p>
+          <a:p>
+            <a:endParaRPr lang="en-US" dirty="0" smtClean="0"/>
+          </a:p>
+          <a:p>
+            <a:endParaRPr lang="en-US" dirty="0" smtClean="0"/>
+          </a:p>
+          <a:p>
+            <a:endParaRPr lang="en-US" dirty="0"/>
+          </a:p>
+        </p:txBody>
+      </p:sp>
+      <p:pic>
+        <p:nvPicPr>
+          <p:cNvPr id="2050" name="Picture 2" descr="F:\Documents\School\17-18\Tech. School\Documents &amp; Presentations\E-Day Assignments\about-skills-header.png"/>
+          <p:cNvPicPr>
+            <a:picLocks noChangeAspect="1" noChangeArrowheads="1"/>
+          </p:cNvPicPr>
+          <p:nvPr/>
+        </p:nvPicPr>
+        <p:blipFill>
+          <a:blip r:embed="rId2" cstate="print"/>
+          <a:srcRect/>
+          <a:stretch>
+            <a:fillRect/>
+          </a:stretch>
+        </p:blipFill>
+        <p:spPr bwMode="auto">
+          <a:xfrm>
+            <a:off x="5334000" y="4343400"/>
+            <a:ext cx="3505200" cy="2190750"/>
+          </a:xfrm>
+          <a:prstGeom prst="rect">
+            <a:avLst/>
+          </a:prstGeom>
+          <a:noFill/>
+        </p:spPr>
+      </p:pic>
+    </p:spTree>
+  </p:cSld>
+  <p:clrMapOvr>
+    <a:masterClrMapping/>
+  </p:clrMapOvr>
+  <p:timing>
+    <p:tnLst>
+      <p:par>
+        <p:cTn id="1" dur="indefinite" restart="never" nodeType="tmRoot"/>
+      </p:par>
+    </p:tnLst>
+  </p:timing>
+</p:sld>
+</file>
+
+<file path=ppt/slides/slide7.xml><?xml version="1.0" encoding="utf-8"?>
+<p:sld xmlns:a="http://schemas.openxmlformats.org/drawingml/2006/main" xmlns:r="http://schemas.openxmlformats.org/officeDocument/2006/relationships" xmlns:p="http://schemas.openxmlformats.org/presentationml/2006/main">
+  <p:cSld>
+    <p:spTree>
+      <p:nvGrpSpPr>
+        <p:cNvPr id="1" name=""/>
+        <p:cNvGrpSpPr/>
+        <p:nvPr/>
+      </p:nvGrpSpPr>
+      <p:grpSpPr>
+        <a:xfrm>
+          <a:off x="0" y="0"/>
+          <a:ext cx="0" cy="0"/>
+          <a:chOff x="0" y="0"/>
+          <a:chExt cx="0" cy="0"/>
+        </a:xfrm>
+      </p:grpSpPr>
+      <p:sp>
+        <p:nvSpPr>
+          <p:cNvPr id="2" name="Title 1"/>
+          <p:cNvSpPr>
+            <a:spLocks noGrp="1"/>
+          </p:cNvSpPr>
+          <p:nvPr>
+            <p:ph type="title"/>
+          </p:nvPr>
+        </p:nvSpPr>
+        <p:spPr/>
+        <p:txBody>
+          <a:bodyPr/>
+          <a:lstStyle/>
+          <a:p>
+            <a:r>
+              <a:rPr lang="en-US" dirty="0" smtClean="0"/>
+              <a:t>Job Outlook</a:t>
+            </a:r>
+            <a:endParaRPr lang="en-US" dirty="0"/>
+          </a:p>
+        </p:txBody>
+      </p:sp>
+      <p:sp>
+        <p:nvSpPr>
+          <p:cNvPr id="3" name="Content Placeholder 2"/>
+          <p:cNvSpPr>
+            <a:spLocks noGrp="1"/>
+          </p:cNvSpPr>
+          <p:nvPr>
+            <p:ph idx="1"/>
+          </p:nvPr>
+        </p:nvSpPr>
+        <p:spPr/>
+        <p:txBody>
+          <a:bodyPr/>
+          <a:lstStyle/>
+          <a:p>
+            <a:r>
+              <a:rPr lang="en-US" dirty="0" smtClean="0"/>
+              <a:t>As this is a fledgling field of study an exact estimate is hard to achieve</a:t>
+            </a:r>
+          </a:p>
+          <a:p>
+            <a:r>
+              <a:rPr lang="en-US" dirty="0" smtClean="0"/>
+              <a:t>But, “combining the skill sets of a Psychologist and </a:t>
+            </a:r>
+            <a:r>
+              <a:rPr lang="en-US" dirty="0" smtClean="0"/>
+              <a:t>Data Structure Software </a:t>
+            </a:r>
+            <a:r>
+              <a:rPr lang="en-US" dirty="0" smtClean="0"/>
+              <a:t>Developer would certainly give one an advantage in the job market” – Simon </a:t>
+            </a:r>
+            <a:r>
+              <a:rPr lang="en-US" dirty="0" err="1" smtClean="0"/>
+              <a:t>Redmayne</a:t>
+            </a:r>
+            <a:endParaRPr lang="en-US" dirty="0" smtClean="0"/>
+          </a:p>
+          <a:p>
+            <a:r>
+              <a:rPr lang="en-US" dirty="0" smtClean="0"/>
+              <a:t>In the upcoming decades the outlook </a:t>
+            </a:r>
+            <a:r>
+              <a:rPr lang="en-US" dirty="0" smtClean="0"/>
+              <a:t>i</a:t>
+            </a:r>
+            <a:r>
+              <a:rPr lang="en-US" dirty="0" smtClean="0"/>
+              <a:t>s promising</a:t>
+            </a:r>
+            <a:endParaRPr lang="en-US" dirty="0" smtClean="0"/>
+          </a:p>
+          <a:p>
+            <a:endParaRPr lang="en-US" dirty="0"/>
+          </a:p>
+        </p:txBody>
+      </p:sp>
+    </p:spTree>
+  </p:cSld>
+  <p:clrMapOvr>
+    <a:masterClrMapping/>
+  </p:clrMapOvr>
+  <p:timing>
+    <p:tnLst>
+      <p:par>
+        <p:cTn id="1" dur="indefinite" restart="never" nodeType="tmRoot"/>
+      </p:par>
+    </p:tnLst>
+  </p:timing>
+</p:sld>
+</file>
+
+<file path=ppt/slides/slide8.xml><?xml version="1.0" encoding="utf-8"?>
+<p:sld xmlns:a="http://schemas.openxmlformats.org/drawingml/2006/main" xmlns:r="http://schemas.openxmlformats.org/officeDocument/2006/relationships" xmlns:p="http://schemas.openxmlformats.org/presentationml/2006/main">
+  <p:cSld>
+    <p:spTree>
+      <p:nvGrpSpPr>
+        <p:cNvPr id="1" name=""/>
+        <p:cNvGrpSpPr/>
+        <p:nvPr/>
+      </p:nvGrpSpPr>
+      <p:grpSpPr>
+        <a:xfrm>
+          <a:off x="0" y="0"/>
+          <a:ext cx="0" cy="0"/>
+          <a:chOff x="0" y="0"/>
+          <a:chExt cx="0" cy="0"/>
+        </a:xfrm>
+      </p:grpSpPr>
+      <p:sp>
+        <p:nvSpPr>
+          <p:cNvPr id="2" name="Title 1"/>
+          <p:cNvSpPr>
+            <a:spLocks noGrp="1"/>
+          </p:cNvSpPr>
+          <p:nvPr>
+            <p:ph type="title"/>
+          </p:nvPr>
+        </p:nvSpPr>
+        <p:spPr/>
+        <p:txBody>
+          <a:bodyPr/>
+          <a:lstStyle/>
+          <a:p>
+            <a:r>
+              <a:rPr lang="en-US" dirty="0" smtClean="0"/>
+              <a:t>Where to Work?</a:t>
+            </a:r>
+            <a:endParaRPr lang="en-US" dirty="0"/>
+          </a:p>
+        </p:txBody>
+      </p:sp>
+      <p:sp>
+        <p:nvSpPr>
+          <p:cNvPr id="3" name="Content Placeholder 2"/>
+          <p:cNvSpPr>
+            <a:spLocks noGrp="1"/>
+          </p:cNvSpPr>
+          <p:nvPr>
+            <p:ph idx="1"/>
+          </p:nvPr>
+        </p:nvSpPr>
+        <p:spPr/>
+        <p:txBody>
+          <a:bodyPr/>
+          <a:lstStyle/>
+          <a:p>
+            <a:r>
+              <a:rPr lang="en-US" dirty="0" smtClean="0"/>
+              <a:t>Out of the top five cities to work in psychology four are in California</a:t>
+            </a:r>
+          </a:p>
+          <a:p>
+            <a:r>
+              <a:rPr lang="en-US" dirty="0" smtClean="0"/>
+              <a:t>And we all know how computer jobs do out in </a:t>
+            </a:r>
+            <a:r>
+              <a:rPr lang="en-US" dirty="0" smtClean="0"/>
+              <a:t>The Golden State</a:t>
+            </a:r>
+            <a:endParaRPr lang="en-US" dirty="0"/>
+          </a:p>
+        </p:txBody>
+      </p:sp>
+      <p:pic>
+        <p:nvPicPr>
+          <p:cNvPr id="4098" name="Picture 2" descr="F:\Documents\School\17-18\Tech. School\Documents &amp; Presentations\E-Day Assignments\tS_klY7t_400x400.jpg"/>
+          <p:cNvPicPr>
+            <a:picLocks noChangeAspect="1" noChangeArrowheads="1"/>
+          </p:cNvPicPr>
+          <p:nvPr/>
+        </p:nvPicPr>
+        <p:blipFill>
+          <a:blip r:embed="rId2" cstate="print"/>
+          <a:srcRect/>
+          <a:stretch>
+            <a:fillRect/>
+          </a:stretch>
+        </p:blipFill>
+        <p:spPr bwMode="auto">
+          <a:xfrm rot="768400">
+            <a:off x="5100501" y="3271701"/>
+            <a:ext cx="3048000" cy="3048000"/>
+          </a:xfrm>
+          <a:prstGeom prst="ellipse">
+            <a:avLst/>
+          </a:prstGeom>
+          <a:ln w="63500" cap="rnd">
+            <a:solidFill>
+              <a:srgbClr val="333333"/>
+            </a:solidFill>
+          </a:ln>
+          <a:effectLst>
+            <a:outerShdw blurRad="381000" dist="292100" dir="5400000" sx="-80000" sy="-18000" rotWithShape="0">
+              <a:srgbClr val="000000">
+                <a:alpha val="22000"/>
+              </a:srgbClr>
+            </a:outerShdw>
+          </a:effectLst>
+          <a:scene3d>
+            <a:camera prst="orthographicFront"/>
+            <a:lightRig rig="contrasting" dir="t">
+              <a:rot lat="0" lon="0" rev="3000000"/>
+            </a:lightRig>
+          </a:scene3d>
+          <a:sp3d contourW="7620">
+            <a:bevelT w="95250" h="31750"/>
+            <a:contourClr>
+              <a:srgbClr val="333333"/>
+            </a:contourClr>
+          </a:sp3d>
+        </p:spPr>
+      </p:pic>
+    </p:spTree>
+  </p:cSld>
+  <p:clrMapOvr>
+    <a:masterClrMapping/>
+  </p:clrMapOvr>
+  <p:timing>
+    <p:tnLst>
+      <p:par>
+        <p:cTn id="1" dur="indefinite" restart="never" nodeType="tmRoot"/>
+      </p:par>
+    </p:tnLst>
+  </p:timing>
+</p:sld>
+</file>
+
+<file path=ppt/slides/slide9.xml><?xml version="1.0" encoding="utf-8"?>
+<p:sld xmlns:a="http://schemas.openxmlformats.org/drawingml/2006/main" xmlns:r="http://schemas.openxmlformats.org/officeDocument/2006/relationships" xmlns:p="http://schemas.openxmlformats.org/presentationml/2006/main">
+  <p:cSld>
+    <p:spTree>
+      <p:nvGrpSpPr>
+        <p:cNvPr id="1" name=""/>
+        <p:cNvGrpSpPr/>
+        <p:nvPr/>
+      </p:nvGrpSpPr>
+      <p:grpSpPr>
+        <a:xfrm>
+          <a:off x="0" y="0"/>
+          <a:ext cx="0" cy="0"/>
+          <a:chOff x="0" y="0"/>
+          <a:chExt cx="0" cy="0"/>
+        </a:xfrm>
+      </p:grpSpPr>
+      <p:sp>
+        <p:nvSpPr>
+          <p:cNvPr id="2" name="Title 1"/>
+          <p:cNvSpPr>
+            <a:spLocks noGrp="1"/>
+          </p:cNvSpPr>
+          <p:nvPr>
+            <p:ph type="title"/>
+          </p:nvPr>
+        </p:nvSpPr>
+        <p:spPr/>
+        <p:txBody>
+          <a:bodyPr/>
+          <a:lstStyle/>
+          <a:p>
+            <a:r>
+              <a:rPr lang="en-US" dirty="0" smtClean="0"/>
+              <a:t>Potential Work Places</a:t>
+            </a:r>
+            <a:endParaRPr lang="en-US" dirty="0"/>
+          </a:p>
+        </p:txBody>
+      </p:sp>
+      <p:sp>
+        <p:nvSpPr>
+          <p:cNvPr id="3" name="Content Placeholder 2"/>
+          <p:cNvSpPr>
+            <a:spLocks noGrp="1"/>
+          </p:cNvSpPr>
+          <p:nvPr>
+            <p:ph idx="1"/>
+          </p:nvPr>
+        </p:nvSpPr>
+        <p:spPr/>
+        <p:txBody>
+          <a:bodyPr/>
+          <a:lstStyle/>
+          <a:p>
+            <a:r>
+              <a:rPr lang="en-US" dirty="0" smtClean="0"/>
+              <a:t>Almost anywhere conducting psychological research</a:t>
+            </a:r>
+          </a:p>
+          <a:p>
+            <a:r>
+              <a:rPr lang="en-US" dirty="0" smtClean="0"/>
+              <a:t>A multitude of corporations, schools, and government agencies </a:t>
+            </a:r>
+            <a:r>
+              <a:rPr lang="en-US" dirty="0" smtClean="0"/>
+              <a:t>to improve the acquisition, organization, and synthesis of psychological </a:t>
+            </a:r>
+            <a:endParaRPr lang="en-US" dirty="0" smtClean="0"/>
+          </a:p>
+          <a:p>
+            <a:pPr>
+              <a:buNone/>
+            </a:pPr>
+            <a:r>
+              <a:rPr lang="en-US" dirty="0" smtClean="0"/>
+              <a:t>	</a:t>
+            </a:r>
+            <a:r>
+              <a:rPr lang="en-US" dirty="0" smtClean="0"/>
+              <a:t>data</a:t>
+            </a:r>
+            <a:endParaRPr lang="en-US" dirty="0"/>
+          </a:p>
+        </p:txBody>
+      </p:sp>
+      <p:pic>
+        <p:nvPicPr>
+          <p:cNvPr id="3074" name="Picture 2" descr="F:\Documents\School\17-18\Tech. School\Documents &amp; Presentations\E-Day Assignments\socialmedia3.jpg"/>
+          <p:cNvPicPr>
+            <a:picLocks noChangeAspect="1" noChangeArrowheads="1"/>
+          </p:cNvPicPr>
+          <p:nvPr/>
+        </p:nvPicPr>
+        <p:blipFill>
+          <a:blip r:embed="rId2" cstate="print"/>
+          <a:srcRect/>
+          <a:stretch>
+            <a:fillRect/>
+          </a:stretch>
+        </p:blipFill>
+        <p:spPr bwMode="auto">
+          <a:xfrm>
+            <a:off x="3276600" y="4114800"/>
+            <a:ext cx="5334000" cy="2526102"/>
           </a:xfrm>
           <a:prstGeom prst="rect">
             <a:avLst/>

--- a/Documents & Presentations/E-Day Assignments/Career Path.pptx
+++ b/Documents & Presentations/E-Day Assignments/Career Path.pptx
@@ -11,12 +11,14 @@
     <p:sldId id="259" r:id="rId5"/>
     <p:sldId id="260" r:id="rId6"/>
     <p:sldId id="262" r:id="rId7"/>
-    <p:sldId id="263" r:id="rId8"/>
-    <p:sldId id="264" r:id="rId9"/>
-    <p:sldId id="261" r:id="rId10"/>
-    <p:sldId id="265" r:id="rId11"/>
-    <p:sldId id="266" r:id="rId12"/>
-    <p:sldId id="267" r:id="rId13"/>
+    <p:sldId id="268" r:id="rId8"/>
+    <p:sldId id="263" r:id="rId9"/>
+    <p:sldId id="269" r:id="rId10"/>
+    <p:sldId id="264" r:id="rId11"/>
+    <p:sldId id="261" r:id="rId12"/>
+    <p:sldId id="265" r:id="rId13"/>
+    <p:sldId id="266" r:id="rId14"/>
+    <p:sldId id="267" r:id="rId15"/>
   </p:sldIdLst>
   <p:sldSz cx="9144000" cy="6858000" type="screen4x3"/>
   <p:notesSz cx="6858000" cy="9144000"/>
@@ -326,7 +328,7 @@
             <a:fld id="{678577BD-1F2F-4A43-85B9-1805CBCE89E2}" type="datetimeFigureOut">
               <a:rPr lang="en-US" smtClean="0"/>
               <a:pPr/>
-              <a:t>2/17/2018</a:t>
+              <a:t>2/19/2018</a:t>
             </a:fld>
             <a:endParaRPr lang="en-US"/>
           </a:p>
@@ -522,7 +524,7 @@
             <a:fld id="{678577BD-1F2F-4A43-85B9-1805CBCE89E2}" type="datetimeFigureOut">
               <a:rPr lang="en-US" smtClean="0"/>
               <a:pPr/>
-              <a:t>2/17/2018</a:t>
+              <a:t>2/19/2018</a:t>
             </a:fld>
             <a:endParaRPr lang="en-US"/>
           </a:p>
@@ -712,7 +714,7 @@
             <a:fld id="{678577BD-1F2F-4A43-85B9-1805CBCE89E2}" type="datetimeFigureOut">
               <a:rPr lang="en-US" smtClean="0"/>
               <a:pPr/>
-              <a:t>2/17/2018</a:t>
+              <a:t>2/19/2018</a:t>
             </a:fld>
             <a:endParaRPr lang="en-US"/>
           </a:p>
@@ -943,7 +945,7 @@
             <a:fld id="{678577BD-1F2F-4A43-85B9-1805CBCE89E2}" type="datetimeFigureOut">
               <a:rPr lang="en-US" smtClean="0"/>
               <a:pPr/>
-              <a:t>2/17/2018</a:t>
+              <a:t>2/19/2018</a:t>
             </a:fld>
             <a:endParaRPr lang="en-US"/>
           </a:p>
@@ -1226,7 +1228,7 @@
             <a:fld id="{678577BD-1F2F-4A43-85B9-1805CBCE89E2}" type="datetimeFigureOut">
               <a:rPr lang="en-US" smtClean="0"/>
               <a:pPr/>
-              <a:t>2/17/2018</a:t>
+              <a:t>2/19/2018</a:t>
             </a:fld>
             <a:endParaRPr lang="en-US"/>
           </a:p>
@@ -1516,7 +1518,7 @@
             <a:fld id="{678577BD-1F2F-4A43-85B9-1805CBCE89E2}" type="datetimeFigureOut">
               <a:rPr lang="en-US" smtClean="0"/>
               <a:pPr/>
-              <a:t>2/17/2018</a:t>
+              <a:t>2/19/2018</a:t>
             </a:fld>
             <a:endParaRPr lang="en-US"/>
           </a:p>
@@ -2072,7 +2074,7 @@
             <a:fld id="{678577BD-1F2F-4A43-85B9-1805CBCE89E2}" type="datetimeFigureOut">
               <a:rPr lang="en-US" smtClean="0"/>
               <a:pPr/>
-              <a:t>2/17/2018</a:t>
+              <a:t>2/19/2018</a:t>
             </a:fld>
             <a:endParaRPr lang="en-US"/>
           </a:p>
@@ -2205,7 +2207,7 @@
             <a:fld id="{678577BD-1F2F-4A43-85B9-1805CBCE89E2}" type="datetimeFigureOut">
               <a:rPr lang="en-US" smtClean="0"/>
               <a:pPr/>
-              <a:t>2/17/2018</a:t>
+              <a:t>2/19/2018</a:t>
             </a:fld>
             <a:endParaRPr lang="en-US"/>
           </a:p>
@@ -2357,7 +2359,7 @@
             <a:fld id="{678577BD-1F2F-4A43-85B9-1805CBCE89E2}" type="datetimeFigureOut">
               <a:rPr lang="en-US" smtClean="0"/>
               <a:pPr/>
-              <a:t>2/17/2018</a:t>
+              <a:t>2/19/2018</a:t>
             </a:fld>
             <a:endParaRPr lang="en-US"/>
           </a:p>
@@ -2680,7 +2682,7 @@
             <a:fld id="{678577BD-1F2F-4A43-85B9-1805CBCE89E2}" type="datetimeFigureOut">
               <a:rPr lang="en-US" smtClean="0"/>
               <a:pPr/>
-              <a:t>2/17/2018</a:t>
+              <a:t>2/19/2018</a:t>
             </a:fld>
             <a:endParaRPr lang="en-US"/>
           </a:p>
@@ -2979,7 +2981,7 @@
             <a:fld id="{678577BD-1F2F-4A43-85B9-1805CBCE89E2}" type="datetimeFigureOut">
               <a:rPr lang="en-US" smtClean="0"/>
               <a:pPr/>
-              <a:t>2/17/2018</a:t>
+              <a:t>2/19/2018</a:t>
             </a:fld>
             <a:endParaRPr lang="en-US"/>
           </a:p>
@@ -3226,7 +3228,7 @@
             <a:fld id="{678577BD-1F2F-4A43-85B9-1805CBCE89E2}" type="datetimeFigureOut">
               <a:rPr lang="en-US" smtClean="0"/>
               <a:pPr/>
-              <a:t>2/17/2018</a:t>
+              <a:t>2/19/2018</a:t>
             </a:fld>
             <a:endParaRPr lang="en-US"/>
           </a:p>
@@ -3853,26 +3855,10 @@
           <a:lstStyle/>
           <a:p>
             <a:r>
-              <a:rPr lang="en-US" dirty="0" smtClean="0">
-                <a:effectLst>
-                  <a:outerShdw blurRad="38100" dist="38100" dir="2700000" algn="tl">
-                    <a:srgbClr val="000000">
-                      <a:alpha val="43137"/>
-                    </a:srgbClr>
-                  </a:outerShdw>
-                </a:effectLst>
-              </a:rPr>
-              <a:t>Annual Average Salary</a:t>
-            </a:r>
-            <a:endParaRPr lang="en-US" dirty="0">
-              <a:effectLst>
-                <a:outerShdw blurRad="38100" dist="38100" dir="2700000" algn="tl">
-                  <a:srgbClr val="000000">
-                    <a:alpha val="43137"/>
-                  </a:srgbClr>
-                </a:outerShdw>
-              </a:effectLst>
-            </a:endParaRPr>
+              <a:rPr lang="en-US" dirty="0" smtClean="0"/>
+              <a:t>Where to Work?</a:t>
+            </a:r>
+            <a:endParaRPr lang="en-US" dirty="0"/>
           </a:p>
         </p:txBody>
       </p:sp>
@@ -3893,78 +3879,21 @@
           <a:p>
             <a:r>
               <a:rPr lang="en-US" dirty="0" smtClean="0"/>
-              <a:t>Hanford, </a:t>
-            </a:r>
+              <a:t>Out of the top five cities to work in psychology four are in California</a:t>
+            </a:r>
+          </a:p>
+          <a:p>
             <a:r>
               <a:rPr lang="en-US" dirty="0" smtClean="0"/>
-              <a:t>CA- $109,900*</a:t>
-            </a:r>
-          </a:p>
-          <a:p>
-            <a:r>
-              <a:rPr lang="en-US" dirty="0" smtClean="0"/>
-              <a:t>San Luis Obispo, </a:t>
-            </a:r>
-            <a:r>
-              <a:rPr lang="en-US" dirty="0" smtClean="0"/>
-              <a:t>CA- </a:t>
-            </a:r>
-            <a:r>
-              <a:rPr lang="en-US" dirty="0" smtClean="0"/>
-              <a:t> $</a:t>
-            </a:r>
-            <a:r>
-              <a:rPr lang="en-US" dirty="0" smtClean="0"/>
-              <a:t>105,780*</a:t>
-            </a:r>
-          </a:p>
-          <a:p>
-            <a:r>
-              <a:rPr lang="en-US" dirty="0" smtClean="0"/>
-              <a:t>United Kingdom- </a:t>
-            </a:r>
-            <a:r>
-              <a:rPr lang="en-US" dirty="0" smtClean="0"/>
-              <a:t>£58,217 ~</a:t>
-            </a:r>
-            <a:r>
-              <a:rPr lang="en-US" dirty="0" smtClean="0"/>
-              <a:t> $81,666 </a:t>
-            </a:r>
-          </a:p>
-          <a:p>
-            <a:pPr>
-              <a:buNone/>
-            </a:pPr>
-            <a:r>
-              <a:rPr lang="en-US" dirty="0" smtClean="0"/>
-              <a:t>	</a:t>
-            </a:r>
-            <a:r>
-              <a:rPr lang="en-US" dirty="0" smtClean="0"/>
-              <a:t>(on average)</a:t>
-            </a:r>
-          </a:p>
-          <a:p>
-            <a:pPr>
-              <a:buNone/>
-            </a:pPr>
-            <a:endParaRPr lang="en-US" dirty="0" smtClean="0"/>
-          </a:p>
-          <a:p>
-            <a:endParaRPr lang="en-US" dirty="0" smtClean="0"/>
-          </a:p>
-          <a:p>
-            <a:endParaRPr lang="en-US" dirty="0" smtClean="0"/>
-          </a:p>
-          <a:p>
+              <a:t>And we all know how computer jobs do out in The Golden State</a:t>
+            </a:r>
             <a:endParaRPr lang="en-US" dirty="0"/>
           </a:p>
         </p:txBody>
       </p:sp>
       <p:pic>
         <p:nvPicPr>
-          <p:cNvPr id="5122" name="Picture 2" descr="F:\Documents\School\17-18\Tech. School\Documents &amp; Presentations\E-Day Assignments\pound-dollar2.jpg"/>
+          <p:cNvPr id="4098" name="Picture 2" descr="F:\Documents\School\17-18\Tech. School\Documents &amp; Presentations\E-Day Assignments\tS_klY7t_400x400.jpg"/>
           <p:cNvPicPr>
             <a:picLocks noChangeAspect="1" noChangeArrowheads="1"/>
           </p:cNvPicPr>
@@ -3978,9 +3907,9 @@
           </a:stretch>
         </p:blipFill>
         <p:spPr bwMode="auto">
-          <a:xfrm>
-            <a:off x="4495800" y="3276600"/>
-            <a:ext cx="4048125" cy="2686050"/>
+          <a:xfrm rot="768400">
+            <a:off x="5100501" y="3271701"/>
+            <a:ext cx="3048000" cy="3048000"/>
           </a:xfrm>
           <a:prstGeom prst="ellipse">
             <a:avLst/>
@@ -4011,35 +3940,6 @@
           </a:sp3d>
         </p:spPr>
       </p:pic>
-      <p:sp>
-        <p:nvSpPr>
-          <p:cNvPr id="5" name="TextBox 4"/>
-          <p:cNvSpPr txBox="1"/>
-          <p:nvPr/>
-        </p:nvSpPr>
-        <p:spPr>
-          <a:xfrm>
-            <a:off x="152400" y="6019800"/>
-            <a:ext cx="6324600" cy="646331"/>
-          </a:xfrm>
-          <a:prstGeom prst="rect">
-            <a:avLst/>
-          </a:prstGeom>
-          <a:noFill/>
-        </p:spPr>
-        <p:txBody>
-          <a:bodyPr wrap="square" rtlCol="0">
-            <a:spAutoFit/>
-          </a:bodyPr>
-          <a:lstStyle/>
-          <a:p>
-            <a:r>
-              <a:rPr lang="en-US" dirty="0" smtClean="0"/>
-              <a:t>*Earnings based on normal psychologist salary (actual expected salary would be higher)</a:t>
-            </a:r>
-          </a:p>
-        </p:txBody>
-      </p:sp>
     </p:spTree>
   </p:cSld>
   <p:clrMapOvr>
@@ -4089,7 +3989,7 @@
           <a:p>
             <a:r>
               <a:rPr lang="en-US" dirty="0" smtClean="0"/>
-              <a:t>Cost of Living</a:t>
+              <a:t>Potential Work Places</a:t>
             </a:r>
             <a:endParaRPr lang="en-US" dirty="0"/>
           </a:p>
@@ -4112,43 +4012,350 @@
           <a:p>
             <a:r>
               <a:rPr lang="en-US" dirty="0" smtClean="0"/>
-              <a:t>Hanford, </a:t>
-            </a:r>
+              <a:t>Almost anywhere conducting psychological research</a:t>
+            </a:r>
+          </a:p>
+          <a:p>
             <a:r>
               <a:rPr lang="en-US" dirty="0" smtClean="0"/>
-              <a:t>CA (Apartment Rent)- $934.00</a:t>
-            </a:r>
-          </a:p>
-          <a:p>
+              <a:t>A multitude of corporations, schools, and government agencies to improve the acquisition, organization, and synthesis of psychological </a:t>
+            </a:r>
+          </a:p>
+          <a:p>
+            <a:pPr>
+              <a:buNone/>
+            </a:pPr>
             <a:r>
               <a:rPr lang="en-US" dirty="0" smtClean="0"/>
-              <a:t>San Luis Obispo, </a:t>
-            </a:r>
+              <a:t>	data</a:t>
+            </a:r>
+            <a:endParaRPr lang="en-US" dirty="0"/>
+          </a:p>
+        </p:txBody>
+      </p:sp>
+      <p:pic>
+        <p:nvPicPr>
+          <p:cNvPr id="3074" name="Picture 2" descr="F:\Documents\School\17-18\Tech. School\Documents &amp; Presentations\E-Day Assignments\socialmedia3.jpg"/>
+          <p:cNvPicPr>
+            <a:picLocks noChangeAspect="1" noChangeArrowheads="1"/>
+          </p:cNvPicPr>
+          <p:nvPr/>
+        </p:nvPicPr>
+        <p:blipFill>
+          <a:blip r:embed="rId2" cstate="print"/>
+          <a:srcRect/>
+          <a:stretch>
+            <a:fillRect/>
+          </a:stretch>
+        </p:blipFill>
+        <p:spPr bwMode="auto">
+          <a:xfrm>
+            <a:off x="3276600" y="4114800"/>
+            <a:ext cx="5334000" cy="2526102"/>
+          </a:xfrm>
+          <a:prstGeom prst="rect">
+            <a:avLst/>
+          </a:prstGeom>
+          <a:ln>
+            <a:noFill/>
+          </a:ln>
+          <a:effectLst>
+            <a:softEdge rad="112500"/>
+          </a:effectLst>
+        </p:spPr>
+      </p:pic>
+    </p:spTree>
+  </p:cSld>
+  <p:clrMapOvr>
+    <a:masterClrMapping/>
+  </p:clrMapOvr>
+  <p:timing>
+    <p:tnLst>
+      <p:par>
+        <p:cTn id="1" dur="indefinite" restart="never" nodeType="tmRoot"/>
+      </p:par>
+    </p:tnLst>
+  </p:timing>
+</p:sld>
+</file>
+
+<file path=ppt/slides/slide12.xml><?xml version="1.0" encoding="utf-8"?>
+<p:sld xmlns:a="http://schemas.openxmlformats.org/drawingml/2006/main" xmlns:r="http://schemas.openxmlformats.org/officeDocument/2006/relationships" xmlns:p="http://schemas.openxmlformats.org/presentationml/2006/main">
+  <p:cSld>
+    <p:spTree>
+      <p:nvGrpSpPr>
+        <p:cNvPr id="1" name=""/>
+        <p:cNvGrpSpPr/>
+        <p:nvPr/>
+      </p:nvGrpSpPr>
+      <p:grpSpPr>
+        <a:xfrm>
+          <a:off x="0" y="0"/>
+          <a:ext cx="0" cy="0"/>
+          <a:chOff x="0" y="0"/>
+          <a:chExt cx="0" cy="0"/>
+        </a:xfrm>
+      </p:grpSpPr>
+      <p:sp>
+        <p:nvSpPr>
+          <p:cNvPr id="2" name="Title 1"/>
+          <p:cNvSpPr>
+            <a:spLocks noGrp="1"/>
+          </p:cNvSpPr>
+          <p:nvPr>
+            <p:ph type="title"/>
+          </p:nvPr>
+        </p:nvSpPr>
+        <p:spPr/>
+        <p:txBody>
+          <a:bodyPr/>
+          <a:lstStyle/>
+          <a:p>
+            <a:r>
+              <a:rPr lang="en-US" dirty="0" smtClean="0">
+                <a:effectLst>
+                  <a:outerShdw blurRad="38100" dist="38100" dir="2700000" algn="tl">
+                    <a:srgbClr val="000000">
+                      <a:alpha val="43137"/>
+                    </a:srgbClr>
+                  </a:outerShdw>
+                </a:effectLst>
+              </a:rPr>
+              <a:t>Annual Average Salary</a:t>
+            </a:r>
+            <a:endParaRPr lang="en-US" dirty="0">
+              <a:effectLst>
+                <a:outerShdw blurRad="38100" dist="38100" dir="2700000" algn="tl">
+                  <a:srgbClr val="000000">
+                    <a:alpha val="43137"/>
+                  </a:srgbClr>
+                </a:outerShdw>
+              </a:effectLst>
+            </a:endParaRPr>
+          </a:p>
+        </p:txBody>
+      </p:sp>
+      <p:sp>
+        <p:nvSpPr>
+          <p:cNvPr id="3" name="Content Placeholder 2"/>
+          <p:cNvSpPr>
+            <a:spLocks noGrp="1"/>
+          </p:cNvSpPr>
+          <p:nvPr>
+            <p:ph idx="1"/>
+          </p:nvPr>
+        </p:nvSpPr>
+        <p:spPr/>
+        <p:txBody>
+          <a:bodyPr/>
+          <a:lstStyle/>
+          <a:p>
             <a:r>
               <a:rPr lang="en-US" dirty="0" smtClean="0"/>
-              <a:t>CA (Apartment Rent)- $1,275.00 </a:t>
+              <a:t>Hanford, CA- $109,900*</a:t>
             </a:r>
           </a:p>
           <a:p>
             <a:r>
               <a:rPr lang="en-US" dirty="0" smtClean="0"/>
-              <a:t>United </a:t>
-            </a:r>
+              <a:t>San Luis Obispo, CA-  $105,780*</a:t>
+            </a:r>
+          </a:p>
+          <a:p>
             <a:r>
               <a:rPr lang="en-US" dirty="0" smtClean="0"/>
-              <a:t>Kingdom (Flat Rent)- £</a:t>
-            </a:r>
+              <a:t>United Kingdom- £58,217 ~ $81,666 </a:t>
+            </a:r>
+          </a:p>
+          <a:p>
+            <a:pPr>
+              <a:buNone/>
+            </a:pPr>
             <a:r>
               <a:rPr lang="en-US" dirty="0" smtClean="0"/>
-              <a:t>350 -£500 ~ $ 420 -$ </a:t>
-            </a:r>
+              <a:t>	(on average)</a:t>
+            </a:r>
+          </a:p>
+          <a:p>
+            <a:pPr>
+              <a:buNone/>
+            </a:pPr>
+            <a:endParaRPr lang="en-US" dirty="0" smtClean="0"/>
+          </a:p>
+          <a:p>
+            <a:endParaRPr lang="en-US" dirty="0" smtClean="0"/>
+          </a:p>
+          <a:p>
+            <a:endParaRPr lang="en-US" dirty="0" smtClean="0"/>
+          </a:p>
+          <a:p>
+            <a:endParaRPr lang="en-US" dirty="0"/>
+          </a:p>
+        </p:txBody>
+      </p:sp>
+      <p:pic>
+        <p:nvPicPr>
+          <p:cNvPr id="5122" name="Picture 2" descr="F:\Documents\School\17-18\Tech. School\Documents &amp; Presentations\E-Day Assignments\pound-dollar2.jpg"/>
+          <p:cNvPicPr>
+            <a:picLocks noChangeAspect="1" noChangeArrowheads="1"/>
+          </p:cNvPicPr>
+          <p:nvPr/>
+        </p:nvPicPr>
+        <p:blipFill>
+          <a:blip r:embed="rId2" cstate="print"/>
+          <a:srcRect/>
+          <a:stretch>
+            <a:fillRect/>
+          </a:stretch>
+        </p:blipFill>
+        <p:spPr bwMode="auto">
+          <a:xfrm>
+            <a:off x="4495800" y="3276600"/>
+            <a:ext cx="4048125" cy="2686050"/>
+          </a:xfrm>
+          <a:prstGeom prst="ellipse">
+            <a:avLst/>
+          </a:prstGeom>
+          <a:ln w="63500" cap="rnd">
+            <a:solidFill>
+              <a:srgbClr val="333333"/>
+            </a:solidFill>
+          </a:ln>
+          <a:effectLst>
+            <a:outerShdw blurRad="381000" dist="292100" dir="5400000" sx="-80000" sy="-18000" rotWithShape="0">
+              <a:srgbClr val="000000">
+                <a:alpha val="22000"/>
+              </a:srgbClr>
+            </a:outerShdw>
+          </a:effectLst>
+          <a:scene3d>
+            <a:camera prst="orthographicFront"/>
+            <a:lightRig rig="contrasting" dir="t">
+              <a:rot lat="0" lon="0" rev="3000000"/>
+            </a:lightRig>
+          </a:scene3d>
+          <a:sp3d contourW="7620">
+            <a:bevelT w="95250" h="31750"/>
+            <a:contourClr>
+              <a:srgbClr val="333333"/>
+            </a:contourClr>
+          </a:sp3d>
+        </p:spPr>
+      </p:pic>
+      <p:sp>
+        <p:nvSpPr>
+          <p:cNvPr id="5" name="TextBox 4"/>
+          <p:cNvSpPr txBox="1"/>
+          <p:nvPr/>
+        </p:nvSpPr>
+        <p:spPr>
+          <a:xfrm>
+            <a:off x="152400" y="6019800"/>
+            <a:ext cx="6324600" cy="646331"/>
+          </a:xfrm>
+          <a:prstGeom prst="rect">
+            <a:avLst/>
+          </a:prstGeom>
+          <a:noFill/>
+        </p:spPr>
+        <p:txBody>
+          <a:bodyPr wrap="square" rtlCol="0">
+            <a:spAutoFit/>
+          </a:bodyPr>
+          <a:lstStyle/>
+          <a:p>
             <a:r>
               <a:rPr lang="en-US" dirty="0" smtClean="0"/>
-              <a:t>700</a:t>
-            </a:r>
+              <a:t>*Earnings based on normal psychologist salary (actual expected salary would be higher)</a:t>
+            </a:r>
+          </a:p>
+        </p:txBody>
+      </p:sp>
+    </p:spTree>
+  </p:cSld>
+  <p:clrMapOvr>
+    <a:masterClrMapping/>
+  </p:clrMapOvr>
+  <p:timing>
+    <p:tnLst>
+      <p:par>
+        <p:cTn id="1" dur="indefinite" restart="never" nodeType="tmRoot"/>
+      </p:par>
+    </p:tnLst>
+  </p:timing>
+</p:sld>
+</file>
+
+<file path=ppt/slides/slide13.xml><?xml version="1.0" encoding="utf-8"?>
+<p:sld xmlns:a="http://schemas.openxmlformats.org/drawingml/2006/main" xmlns:r="http://schemas.openxmlformats.org/officeDocument/2006/relationships" xmlns:p="http://schemas.openxmlformats.org/presentationml/2006/main">
+  <p:cSld>
+    <p:spTree>
+      <p:nvGrpSpPr>
+        <p:cNvPr id="1" name=""/>
+        <p:cNvGrpSpPr/>
+        <p:nvPr/>
+      </p:nvGrpSpPr>
+      <p:grpSpPr>
+        <a:xfrm>
+          <a:off x="0" y="0"/>
+          <a:ext cx="0" cy="0"/>
+          <a:chOff x="0" y="0"/>
+          <a:chExt cx="0" cy="0"/>
+        </a:xfrm>
+      </p:grpSpPr>
+      <p:sp>
+        <p:nvSpPr>
+          <p:cNvPr id="2" name="Title 1"/>
+          <p:cNvSpPr>
+            <a:spLocks noGrp="1"/>
+          </p:cNvSpPr>
+          <p:nvPr>
+            <p:ph type="title"/>
+          </p:nvPr>
+        </p:nvSpPr>
+        <p:spPr/>
+        <p:txBody>
+          <a:bodyPr/>
+          <a:lstStyle/>
+          <a:p>
             <a:r>
               <a:rPr lang="en-US" dirty="0" smtClean="0"/>
-              <a:t/>
+              <a:t>Cost of Living</a:t>
+            </a:r>
+            <a:endParaRPr lang="en-US" dirty="0"/>
+          </a:p>
+        </p:txBody>
+      </p:sp>
+      <p:sp>
+        <p:nvSpPr>
+          <p:cNvPr id="3" name="Content Placeholder 2"/>
+          <p:cNvSpPr>
+            <a:spLocks noGrp="1"/>
+          </p:cNvSpPr>
+          <p:nvPr>
+            <p:ph idx="1"/>
+          </p:nvPr>
+        </p:nvSpPr>
+        <p:spPr/>
+        <p:txBody>
+          <a:bodyPr/>
+          <a:lstStyle/>
+          <a:p>
+            <a:r>
+              <a:rPr lang="en-US" dirty="0" smtClean="0"/>
+              <a:t>Hanford, CA (Apartment Rent)- $934.00</a:t>
+            </a:r>
+          </a:p>
+          <a:p>
+            <a:r>
+              <a:rPr lang="en-US" dirty="0" smtClean="0"/>
+              <a:t>San Luis Obispo, CA (Apartment Rent)- $1,275.00 </a:t>
+            </a:r>
+          </a:p>
+          <a:p>
+            <a:r>
+              <a:rPr lang="en-US" dirty="0" smtClean="0"/>
+              <a:t>United Kingdom (Flat Rent)- £350 -£500 ~ $ 420 -$ 700</a:t>
             </a:r>
             <a:br>
               <a:rPr lang="en-US" dirty="0" smtClean="0"/>
@@ -4210,7 +4417,7 @@
 </p:sld>
 </file>
 
-<file path=ppt/slides/slide12.xml><?xml version="1.0" encoding="utf-8"?>
+<file path=ppt/slides/slide14.xml><?xml version="1.0" encoding="utf-8"?>
 <p:sld xmlns:a="http://schemas.openxmlformats.org/drawingml/2006/main" xmlns:r="http://schemas.openxmlformats.org/officeDocument/2006/relationships" xmlns:p="http://schemas.openxmlformats.org/presentationml/2006/main">
   <p:cSld>
     <p:spTree>
@@ -4313,13 +4520,7 @@
               <a:rPr lang="en-US" sz="1700" dirty="0" smtClean="0">
                 <a:hlinkClick r:id="rId3"/>
               </a:rPr>
-              <a:t>https://</a:t>
-            </a:r>
-            <a:r>
-              <a:rPr lang="en-US" sz="1700" dirty="0" smtClean="0">
-                <a:hlinkClick r:id="rId3"/>
-              </a:rPr>
-              <a:t>www.valuepenguin.com/2015/12/best-cities-psychologists</a:t>
+              <a:t>https://www.valuepenguin.com/2015/12/best-cities-psychologists</a:t>
             </a:r>
             <a:endParaRPr lang="en-US" sz="1700" dirty="0" smtClean="0"/>
           </a:p>
@@ -4328,13 +4529,7 @@
               <a:rPr lang="en-US" sz="1700" dirty="0" smtClean="0">
                 <a:hlinkClick r:id="rId4"/>
               </a:rPr>
-              <a:t>http://</a:t>
-            </a:r>
-            <a:r>
-              <a:rPr lang="en-US" sz="1700" dirty="0" smtClean="0">
-                <a:hlinkClick r:id="rId4"/>
-              </a:rPr>
-              <a:t>journals.sagepub.com/doi/abs/10.1177/0963721412457362</a:t>
+              <a:t>http://journals.sagepub.com/doi/abs/10.1177/0963721412457362</a:t>
             </a:r>
             <a:endParaRPr lang="en-US" sz="1700" dirty="0" smtClean="0"/>
           </a:p>
@@ -4343,13 +4538,7 @@
               <a:rPr lang="en-US" sz="1700" dirty="0" smtClean="0">
                 <a:hlinkClick r:id="rId5"/>
               </a:rPr>
-              <a:t>https://</a:t>
-            </a:r>
-            <a:r>
-              <a:rPr lang="en-US" sz="1700" dirty="0" smtClean="0">
-                <a:hlinkClick r:id="rId5"/>
-              </a:rPr>
-              <a:t>www.ncbi.nlm.nih.gov/pubmed/27403204</a:t>
+              <a:t>https://www.ncbi.nlm.nih.gov/pubmed/27403204</a:t>
             </a:r>
             <a:endParaRPr lang="en-US" sz="1700" dirty="0" smtClean="0"/>
           </a:p>
@@ -4358,13 +4547,7 @@
               <a:rPr lang="en-US" sz="1700" dirty="0" smtClean="0">
                 <a:hlinkClick r:id="rId6"/>
               </a:rPr>
-              <a:t>https://www.meetup.com/action_design_ATX/messages/67108112/?_</a:t>
-            </a:r>
-            <a:r>
-              <a:rPr lang="en-US" sz="1700" dirty="0" smtClean="0">
-                <a:hlinkClick r:id="rId6"/>
-              </a:rPr>
-              <a:t>cookie-check=tW-MSjFjYsPSYbRp</a:t>
+              <a:t>https://www.meetup.com/action_design_ATX/messages/67108112/?_cookie-check=tW-MSjFjYsPSYbRp</a:t>
             </a:r>
             <a:endParaRPr lang="en-US" sz="1700" dirty="0" smtClean="0"/>
           </a:p>
@@ -4373,19 +4556,7 @@
               <a:rPr lang="en-US" sz="1700" dirty="0" smtClean="0">
                 <a:hlinkClick r:id="rId7"/>
               </a:rPr>
-              <a:t>http</a:t>
-            </a:r>
-            <a:r>
-              <a:rPr lang="en-US" sz="1700" dirty="0" smtClean="0">
-                <a:hlinkClick r:id="rId7"/>
-              </a:rPr>
-              <a:t>://pilab.psy.utexas.edu</a:t>
-            </a:r>
-            <a:r>
-              <a:rPr lang="en-US" sz="1700" dirty="0" smtClean="0">
-                <a:hlinkClick r:id="rId7"/>
-              </a:rPr>
-              <a:t>/</a:t>
+              <a:t>http://pilab.psy.utexas.edu/</a:t>
             </a:r>
             <a:endParaRPr lang="en-US" sz="1700" dirty="0" smtClean="0"/>
           </a:p>
@@ -4394,13 +4565,7 @@
               <a:rPr lang="en-US" sz="1700" dirty="0" smtClean="0">
                 <a:hlinkClick r:id="rId8"/>
               </a:rPr>
-              <a:t>https://</a:t>
-            </a:r>
-            <a:r>
-              <a:rPr lang="en-US" sz="1700" dirty="0" smtClean="0">
-                <a:hlinkClick r:id="rId8"/>
-              </a:rPr>
-              <a:t>twitter.com/siliconhbo</a:t>
+              <a:t>https://twitter.com/siliconhbo</a:t>
             </a:r>
             <a:endParaRPr lang="en-US" sz="1700" dirty="0" smtClean="0"/>
           </a:p>
@@ -4409,13 +4574,7 @@
               <a:rPr lang="en-US" sz="1700" dirty="0" smtClean="0">
                 <a:hlinkClick r:id="rId9"/>
               </a:rPr>
-              <a:t>https://</a:t>
-            </a:r>
-            <a:r>
-              <a:rPr lang="en-US" sz="1700" dirty="0" smtClean="0">
-                <a:hlinkClick r:id="rId9"/>
-              </a:rPr>
-              <a:t>www.poundsterlinglive.com/usd/2087-investment-and-dollar-sterling-454354</a:t>
+              <a:t>https://www.poundsterlinglive.com/usd/2087-investment-and-dollar-sterling-454354</a:t>
             </a:r>
             <a:endParaRPr lang="en-US" sz="1700" dirty="0" smtClean="0"/>
           </a:p>
@@ -4548,13 +4707,22 @@
           <a:p>
             <a:r>
               <a:rPr lang="en-US" dirty="0" smtClean="0"/>
-              <a:t>A model for measuring randomized behaviour</a:t>
-            </a:r>
-          </a:p>
-          <a:p>
+              <a:t>Psychoinformatics is an emerging research </a:t>
+            </a:r>
             <a:r>
               <a:rPr lang="en-US" dirty="0" smtClean="0"/>
-              <a:t>Essentially psychoanalyzing data sets that represent human actions</a:t>
+              <a:t>discipline</a:t>
+            </a:r>
+            <a:endParaRPr lang="en-US" dirty="0" smtClean="0"/>
+          </a:p>
+          <a:p>
+            <a:r>
+              <a:rPr lang="en-US" dirty="0" smtClean="0"/>
+              <a:t>A </a:t>
+            </a:r>
+            <a:r>
+              <a:rPr lang="en-US" dirty="0" smtClean="0"/>
+              <a:t>model for measuring randomized behaviour</a:t>
             </a:r>
           </a:p>
           <a:p>
@@ -4678,13 +4846,26 @@
           <a:p>
             <a:r>
               <a:rPr lang="en-US" dirty="0" smtClean="0"/>
-              <a:t>Psychoinformatics is an emerging research discipline</a:t>
-            </a:r>
-          </a:p>
-          <a:p>
+              <a:t>Essentially psychoanalyzing data sets that represent human </a:t>
+            </a:r>
             <a:r>
               <a:rPr lang="en-US" dirty="0" smtClean="0"/>
-              <a:t>Meaning few schools</a:t>
+              <a:t>actions</a:t>
+            </a:r>
+            <a:endParaRPr lang="en-US" dirty="0" smtClean="0"/>
+          </a:p>
+          <a:p>
+            <a:r>
+              <a:rPr lang="en-US" dirty="0" smtClean="0"/>
+              <a:t>F</a:t>
+            </a:r>
+            <a:r>
+              <a:rPr lang="en-US" dirty="0" smtClean="0"/>
+              <a:t>ew </a:t>
+            </a:r>
+            <a:r>
+              <a:rPr lang="en-US" dirty="0" smtClean="0"/>
+              <a:t>schools</a:t>
             </a:r>
           </a:p>
           <a:p>
@@ -4715,7 +4896,7 @@
       </p:sp>
       <p:pic>
         <p:nvPicPr>
-          <p:cNvPr id="1028" name="Picture 4" descr="F:\Documents\School\17-18\Tech. School\Documents &amp; Presentations\E-Day Assignments\1200px-University_of_Texas_at_Austin_seal.svg.png"/>
+          <p:cNvPr id="5" name="Picture 4" descr="F:\Documents\School\17-18\Tech. School\Documents &amp; Presentations\E-Day Assignments\brain.jpg"/>
           <p:cNvPicPr>
             <a:picLocks noChangeAspect="1" noChangeArrowheads="1"/>
           </p:cNvPicPr>
@@ -4729,14 +4910,45 @@
           </a:stretch>
         </p:blipFill>
         <p:spPr bwMode="auto">
-          <a:xfrm rot="879611">
-            <a:off x="5644299" y="3282100"/>
-            <a:ext cx="3505200" cy="3505200"/>
+          <a:xfrm rot="1262659">
+            <a:off x="5879095" y="3026365"/>
+            <a:ext cx="2135887" cy="3008292"/>
           </a:xfrm>
           <a:prstGeom prst="rect">
             <a:avLst/>
           </a:prstGeom>
-          <a:noFill/>
+          <a:solidFill>
+            <a:srgbClr val="FFFFFF">
+              <a:shade val="85000"/>
+            </a:srgbClr>
+          </a:solidFill>
+          <a:ln w="190500" cap="sq">
+            <a:solidFill>
+              <a:srgbClr val="FFFFFF"/>
+            </a:solidFill>
+            <a:miter lim="800000"/>
+          </a:ln>
+          <a:effectLst>
+            <a:outerShdw blurRad="65000" dist="50800" dir="12900000" kx="195000" ky="145000" algn="tl" rotWithShape="0">
+              <a:srgbClr val="000000">
+                <a:alpha val="30000"/>
+              </a:srgbClr>
+            </a:outerShdw>
+          </a:effectLst>
+          <a:scene3d>
+            <a:camera prst="orthographicFront">
+              <a:rot lat="0" lon="0" rev="360000"/>
+            </a:camera>
+            <a:lightRig rig="twoPt" dir="t">
+              <a:rot lat="0" lon="0" rev="7200000"/>
+            </a:lightRig>
+          </a:scene3d>
+          <a:sp3d contourW="12700">
+            <a:bevelT w="25400" h="19050"/>
+            <a:contourClr>
+              <a:srgbClr val="969696"/>
+            </a:contourClr>
+          </a:sp3d>
         </p:spPr>
       </p:pic>
     </p:spTree>
@@ -4944,23 +5156,7 @@
           <a:p>
             <a:r>
               <a:rPr lang="en-US" dirty="0" smtClean="0"/>
-              <a:t>Where to Take </a:t>
-            </a:r>
-            <a:r>
-              <a:rPr lang="en-US" dirty="0" smtClean="0"/>
-              <a:t>T</a:t>
-            </a:r>
-            <a:r>
-              <a:rPr lang="en-US" dirty="0" smtClean="0"/>
-              <a:t>hese </a:t>
-            </a:r>
-            <a:r>
-              <a:rPr lang="en-US" dirty="0" smtClean="0"/>
-              <a:t>C</a:t>
-            </a:r>
-            <a:r>
-              <a:rPr lang="en-US" dirty="0" smtClean="0"/>
-              <a:t>ourses</a:t>
+              <a:t>Where to Take These Courses</a:t>
             </a:r>
             <a:endParaRPr lang="en-US" dirty="0"/>
           </a:p>
@@ -4983,37 +5179,13 @@
           <a:p>
             <a:r>
               <a:rPr lang="en-US" dirty="0" smtClean="0"/>
-              <a:t>The University </a:t>
-            </a:r>
+              <a:t>The University of Texas at Austin actually has a Psychoinformatics Lab</a:t>
+            </a:r>
+          </a:p>
+          <a:p>
             <a:r>
               <a:rPr lang="en-US" dirty="0" smtClean="0"/>
-              <a:t>of T</a:t>
-            </a:r>
-            <a:r>
-              <a:rPr lang="en-US" dirty="0" smtClean="0"/>
-              <a:t>exas </a:t>
-            </a:r>
-            <a:r>
-              <a:rPr lang="en-US" dirty="0" smtClean="0"/>
-              <a:t>at </a:t>
-            </a:r>
-            <a:r>
-              <a:rPr lang="en-US" dirty="0" smtClean="0"/>
-              <a:t>Austin actually has a Psychoinformatics Lab</a:t>
-            </a:r>
-          </a:p>
-          <a:p>
-            <a:r>
-              <a:rPr lang="en-US" dirty="0" smtClean="0"/>
-              <a:t>This course is part of the </a:t>
-            </a:r>
-            <a:r>
-              <a:rPr lang="en-US" dirty="0" smtClean="0"/>
-              <a:t>Department of </a:t>
-            </a:r>
-            <a:r>
-              <a:rPr lang="en-US" dirty="0" smtClean="0"/>
-              <a:t>Psychology, with courses in the Computer Science department</a:t>
+              <a:t>This course is part of the Department of Psychology, with courses in the Computer Science department</a:t>
             </a:r>
           </a:p>
           <a:p>
@@ -5023,7 +5195,7 @@
       </p:sp>
       <p:pic>
         <p:nvPicPr>
-          <p:cNvPr id="1028" name="Picture 4" descr="F:\Documents\School\17-18\Tech. School\Documents &amp; Presentations\E-Day Assignments\brain.jpg"/>
+          <p:cNvPr id="6" name="Picture 4" descr="F:\Documents\School\17-18\Tech. School\Documents &amp; Presentations\E-Day Assignments\1200px-University_of_Texas_at_Austin_seal.svg.png"/>
           <p:cNvPicPr>
             <a:picLocks noChangeAspect="1" noChangeArrowheads="1"/>
           </p:cNvPicPr>
@@ -5037,45 +5209,14 @@
           </a:stretch>
         </p:blipFill>
         <p:spPr bwMode="auto">
-          <a:xfrm rot="21392662">
-            <a:off x="6400617" y="3862811"/>
-            <a:ext cx="1830032" cy="2577510"/>
+          <a:xfrm rot="879611">
+            <a:off x="5580924" y="3604441"/>
+            <a:ext cx="2930436" cy="2930436"/>
           </a:xfrm>
           <a:prstGeom prst="rect">
             <a:avLst/>
           </a:prstGeom>
-          <a:solidFill>
-            <a:srgbClr val="FFFFFF">
-              <a:shade val="85000"/>
-            </a:srgbClr>
-          </a:solidFill>
-          <a:ln w="190500" cap="sq">
-            <a:solidFill>
-              <a:srgbClr val="FFFFFF"/>
-            </a:solidFill>
-            <a:miter lim="800000"/>
-          </a:ln>
-          <a:effectLst>
-            <a:outerShdw blurRad="65000" dist="50800" dir="12900000" kx="195000" ky="145000" algn="tl" rotWithShape="0">
-              <a:srgbClr val="000000">
-                <a:alpha val="30000"/>
-              </a:srgbClr>
-            </a:outerShdw>
-          </a:effectLst>
-          <a:scene3d>
-            <a:camera prst="orthographicFront">
-              <a:rot lat="0" lon="0" rev="360000"/>
-            </a:camera>
-            <a:lightRig rig="twoPt" dir="t">
-              <a:rot lat="0" lon="0" rev="7200000"/>
-            </a:lightRig>
-          </a:scene3d>
-          <a:sp3d contourW="12700">
-            <a:bevelT w="25400" h="19050"/>
-            <a:contourClr>
-              <a:srgbClr val="969696"/>
-            </a:contourClr>
-          </a:sp3d>
+          <a:noFill/>
         </p:spPr>
       </p:pic>
     </p:spTree>
@@ -5127,15 +5268,7 @@
           <a:p>
             <a:r>
               <a:rPr lang="en-US" dirty="0" smtClean="0"/>
-              <a:t>Basic </a:t>
-            </a:r>
-            <a:r>
-              <a:rPr lang="en-US" dirty="0" smtClean="0"/>
-              <a:t>S</a:t>
-            </a:r>
-            <a:r>
-              <a:rPr lang="en-US" dirty="0" smtClean="0"/>
-              <a:t>kills Expected</a:t>
+              <a:t>Basic Skills Expected</a:t>
             </a:r>
             <a:endParaRPr lang="en-US" dirty="0"/>
           </a:p>
@@ -5164,56 +5297,11 @@
           <a:p>
             <a:r>
               <a:rPr lang="en-US" dirty="0" smtClean="0"/>
-              <a:t> </a:t>
+              <a:t> Able to evaluate psychological </a:t>
             </a:r>
             <a:r>
               <a:rPr lang="en-US" dirty="0" smtClean="0"/>
-              <a:t>Able to evaluate </a:t>
-            </a:r>
-            <a:r>
-              <a:rPr lang="en-US" dirty="0" smtClean="0"/>
-              <a:t>psychological </a:t>
-            </a:r>
-            <a:r>
-              <a:rPr lang="en-US" dirty="0" smtClean="0"/>
-              <a:t>research</a:t>
-            </a:r>
-          </a:p>
-          <a:p>
-            <a:r>
-              <a:rPr lang="en-US" dirty="0" smtClean="0"/>
-              <a:t>Understanding of Big </a:t>
-            </a:r>
-            <a:r>
-              <a:rPr lang="en-US" dirty="0" smtClean="0"/>
-              <a:t>Data and machine learning applications in </a:t>
-            </a:r>
-            <a:r>
-              <a:rPr lang="en-US" dirty="0" smtClean="0"/>
-              <a:t>psychology</a:t>
-            </a:r>
-          </a:p>
-          <a:p>
-            <a:r>
-              <a:rPr lang="en-US" dirty="0" smtClean="0"/>
-              <a:t>Knowledgeable in exploratory </a:t>
-            </a:r>
-          </a:p>
-          <a:p>
-            <a:pPr>
-              <a:buNone/>
-            </a:pPr>
-            <a:r>
-              <a:rPr lang="en-US" dirty="0" smtClean="0"/>
-              <a:t>	</a:t>
-            </a:r>
-            <a:r>
-              <a:rPr lang="en-US" dirty="0" smtClean="0"/>
-              <a:t>data </a:t>
-            </a:r>
-            <a:r>
-              <a:rPr lang="en-US" dirty="0" smtClean="0"/>
-              <a:t>visualization</a:t>
+              <a:t>research and come to a logical conclusion</a:t>
             </a:r>
             <a:endParaRPr lang="en-US" dirty="0" smtClean="0"/>
           </a:p>
@@ -5303,7 +5391,7 @@
           <a:p>
             <a:r>
               <a:rPr lang="en-US" dirty="0" smtClean="0"/>
-              <a:t>Job Outlook</a:t>
+              <a:t>Basic Skills Expected</a:t>
             </a:r>
             <a:endParaRPr lang="en-US" dirty="0"/>
           </a:p>
@@ -5326,42 +5414,30 @@
           <a:p>
             <a:r>
               <a:rPr lang="en-US" dirty="0" smtClean="0"/>
-              <a:t>As this is a fledgling field of study an exact estimate is hard to achieve</a:t>
-            </a:r>
+              <a:t>Understanding of Big Data and machine learning applications in psychology</a:t>
+            </a:r>
+          </a:p>
+          <a:p>
+            <a:endParaRPr lang="en-US" dirty="0" smtClean="0"/>
           </a:p>
           <a:p>
             <a:r>
               <a:rPr lang="en-US" dirty="0" smtClean="0"/>
-              <a:t>But, “combining the skill sets of a Psychologist and </a:t>
+              <a:t>Knowledgeable </a:t>
             </a:r>
             <a:r>
               <a:rPr lang="en-US" dirty="0" smtClean="0"/>
-              <a:t>Data Structure Software </a:t>
-            </a:r>
+              <a:t>in exploratory </a:t>
+            </a:r>
+          </a:p>
+          <a:p>
+            <a:pPr>
+              <a:buNone/>
+            </a:pPr>
             <a:r>
               <a:rPr lang="en-US" dirty="0" smtClean="0"/>
-              <a:t>Developer would certainly give one an advantage in the job market” – Simon </a:t>
-            </a:r>
-            <a:r>
-              <a:rPr lang="en-US" dirty="0" err="1" smtClean="0"/>
-              <a:t>Redmayne</a:t>
-            </a:r>
-            <a:endParaRPr lang="en-US" dirty="0" smtClean="0"/>
-          </a:p>
-          <a:p>
-            <a:r>
-              <a:rPr lang="en-US" dirty="0" smtClean="0"/>
-              <a:t>In the upcoming decades the outlook </a:t>
-            </a:r>
-            <a:r>
-              <a:rPr lang="en-US" dirty="0" smtClean="0"/>
-              <a:t>i</a:t>
-            </a:r>
-            <a:r>
-              <a:rPr lang="en-US" dirty="0" smtClean="0"/>
-              <a:t>s promising</a:t>
-            </a:r>
-            <a:endParaRPr lang="en-US" dirty="0" smtClean="0"/>
+              <a:t>	data visualization</a:t>
+            </a:r>
           </a:p>
           <a:p>
             <a:endParaRPr lang="en-US" dirty="0"/>
@@ -5417,7 +5493,7 @@
           <a:p>
             <a:r>
               <a:rPr lang="en-US" dirty="0" smtClean="0"/>
-              <a:t>Where to Work?</a:t>
+              <a:t>Job Outlook</a:t>
             </a:r>
             <a:endParaRPr lang="en-US" dirty="0"/>
           </a:p>
@@ -5440,71 +5516,25 @@
           <a:p>
             <a:r>
               <a:rPr lang="en-US" dirty="0" smtClean="0"/>
-              <a:t>Out of the top five cities to work in psychology four are in California</a:t>
+              <a:t>As this is a fledgling field of study an exact estimate is hard to achieve</a:t>
             </a:r>
           </a:p>
           <a:p>
             <a:r>
               <a:rPr lang="en-US" dirty="0" smtClean="0"/>
-              <a:t>And we all know how computer jobs do out in </a:t>
-            </a:r>
-            <a:r>
-              <a:rPr lang="en-US" dirty="0" smtClean="0"/>
-              <a:t>The Golden State</a:t>
-            </a:r>
+              <a:t>But, “combining the skill sets of a Psychologist and Data Structure Software Developer would certainly give one an advantage in the job market” – Simon </a:t>
+            </a:r>
+            <a:r>
+              <a:rPr lang="en-US" dirty="0" err="1" smtClean="0"/>
+              <a:t>Redmayne</a:t>
+            </a:r>
+            <a:endParaRPr lang="en-US" dirty="0" smtClean="0"/>
+          </a:p>
+          <a:p>
             <a:endParaRPr lang="en-US" dirty="0"/>
           </a:p>
         </p:txBody>
       </p:sp>
-      <p:pic>
-        <p:nvPicPr>
-          <p:cNvPr id="4098" name="Picture 2" descr="F:\Documents\School\17-18\Tech. School\Documents &amp; Presentations\E-Day Assignments\tS_klY7t_400x400.jpg"/>
-          <p:cNvPicPr>
-            <a:picLocks noChangeAspect="1" noChangeArrowheads="1"/>
-          </p:cNvPicPr>
-          <p:nvPr/>
-        </p:nvPicPr>
-        <p:blipFill>
-          <a:blip r:embed="rId2" cstate="print"/>
-          <a:srcRect/>
-          <a:stretch>
-            <a:fillRect/>
-          </a:stretch>
-        </p:blipFill>
-        <p:spPr bwMode="auto">
-          <a:xfrm rot="768400">
-            <a:off x="5100501" y="3271701"/>
-            <a:ext cx="3048000" cy="3048000"/>
-          </a:xfrm>
-          <a:prstGeom prst="ellipse">
-            <a:avLst/>
-          </a:prstGeom>
-          <a:ln w="63500" cap="rnd">
-            <a:solidFill>
-              <a:srgbClr val="333333"/>
-            </a:solidFill>
-          </a:ln>
-          <a:effectLst>
-            <a:outerShdw blurRad="381000" dist="292100" dir="5400000" sx="-80000" sy="-18000" rotWithShape="0">
-              <a:srgbClr val="000000">
-                <a:alpha val="22000"/>
-              </a:srgbClr>
-            </a:outerShdw>
-          </a:effectLst>
-          <a:scene3d>
-            <a:camera prst="orthographicFront"/>
-            <a:lightRig rig="contrasting" dir="t">
-              <a:rot lat="0" lon="0" rev="3000000"/>
-            </a:lightRig>
-          </a:scene3d>
-          <a:sp3d contourW="7620">
-            <a:bevelT w="95250" h="31750"/>
-            <a:contourClr>
-              <a:srgbClr val="333333"/>
-            </a:contourClr>
-          </a:sp3d>
-        </p:spPr>
-      </p:pic>
     </p:spTree>
   </p:cSld>
   <p:clrMapOvr>
@@ -5554,7 +5584,7 @@
           <a:p>
             <a:r>
               <a:rPr lang="en-US" dirty="0" smtClean="0"/>
-              <a:t>Potential Work Places</a:t>
+              <a:t>Job Outlook</a:t>
             </a:r>
             <a:endParaRPr lang="en-US" dirty="0"/>
           </a:p>
@@ -5577,67 +5607,25 @@
           <a:p>
             <a:r>
               <a:rPr lang="en-US" dirty="0" smtClean="0"/>
-              <a:t>Almost anywhere conducting psychological research</a:t>
-            </a:r>
-          </a:p>
-          <a:p>
+              <a:t>In the upcoming decades the outlook is </a:t>
+            </a:r>
             <a:r>
               <a:rPr lang="en-US" dirty="0" smtClean="0"/>
-              <a:t>A multitude of corporations, schools, and government agencies </a:t>
-            </a:r>
+              <a:t>promising, as the field expands and is taught as an actual course</a:t>
+            </a:r>
+          </a:p>
+          <a:p>
             <a:r>
               <a:rPr lang="en-US" dirty="0" smtClean="0"/>
-              <a:t>to improve the acquisition, organization, and synthesis of psychological </a:t>
+              <a:t>Entering this field now could allow you to be on the forefront of something amazing</a:t>
             </a:r>
             <a:endParaRPr lang="en-US" dirty="0" smtClean="0"/>
           </a:p>
           <a:p>
-            <a:pPr>
-              <a:buNone/>
-            </a:pPr>
-            <a:r>
-              <a:rPr lang="en-US" dirty="0" smtClean="0"/>
-              <a:t>	</a:t>
-            </a:r>
-            <a:r>
-              <a:rPr lang="en-US" dirty="0" smtClean="0"/>
-              <a:t>data</a:t>
-            </a:r>
             <a:endParaRPr lang="en-US" dirty="0"/>
           </a:p>
         </p:txBody>
       </p:sp>
-      <p:pic>
-        <p:nvPicPr>
-          <p:cNvPr id="3074" name="Picture 2" descr="F:\Documents\School\17-18\Tech. School\Documents &amp; Presentations\E-Day Assignments\socialmedia3.jpg"/>
-          <p:cNvPicPr>
-            <a:picLocks noChangeAspect="1" noChangeArrowheads="1"/>
-          </p:cNvPicPr>
-          <p:nvPr/>
-        </p:nvPicPr>
-        <p:blipFill>
-          <a:blip r:embed="rId2" cstate="print"/>
-          <a:srcRect/>
-          <a:stretch>
-            <a:fillRect/>
-          </a:stretch>
-        </p:blipFill>
-        <p:spPr bwMode="auto">
-          <a:xfrm>
-            <a:off x="3276600" y="4114800"/>
-            <a:ext cx="5334000" cy="2526102"/>
-          </a:xfrm>
-          <a:prstGeom prst="rect">
-            <a:avLst/>
-          </a:prstGeom>
-          <a:ln>
-            <a:noFill/>
-          </a:ln>
-          <a:effectLst>
-            <a:softEdge rad="112500"/>
-          </a:effectLst>
-        </p:spPr>
-      </p:pic>
     </p:spTree>
   </p:cSld>
   <p:clrMapOvr>
